--- a/cnn/CNN.pptx
+++ b/cnn/CNN.pptx
@@ -5,10 +5,20 @@
     <p:sldMasterId id="2147483648" r:id="rId1"/>
   </p:sldMasterIdLst>
   <p:notesMasterIdLst>
-    <p:notesMasterId r:id="rId3"/>
+    <p:notesMasterId r:id="rId13"/>
   </p:notesMasterIdLst>
   <p:sldIdLst>
     <p:sldId id="256" r:id="rId2"/>
+    <p:sldId id="257" r:id="rId3"/>
+    <p:sldId id="259" r:id="rId4"/>
+    <p:sldId id="261" r:id="rId5"/>
+    <p:sldId id="264" r:id="rId6"/>
+    <p:sldId id="263" r:id="rId7"/>
+    <p:sldId id="260" r:id="rId8"/>
+    <p:sldId id="262" r:id="rId9"/>
+    <p:sldId id="265" r:id="rId10"/>
+    <p:sldId id="266" r:id="rId11"/>
+    <p:sldId id="258" r:id="rId12"/>
   </p:sldIdLst>
   <p:sldSz cx="12192000" cy="6858000"/>
   <p:notesSz cx="6858000" cy="9144000"/>
@@ -107,6 +117,11 @@
       </a:defRPr>
     </a:lvl9pPr>
   </p:defaultTextStyle>
+  <p:extLst>
+    <p:ext uri="{EFAFB233-063F-42B5-8137-9DF3F51BA10A}">
+      <p15:sldGuideLst xmlns:p15="http://schemas.microsoft.com/office/powerpoint/2012/main"/>
+    </p:ext>
+  </p:extLst>
 </p:presentation>
 </file>
 
@@ -192,7 +207,7 @@
           <a:p>
             <a:fld id="{E19AA29A-41D3-4D5C-818A-52A190EEA591}" type="datetimeFigureOut">
               <a:rPr lang="en-US" smtClean="0"/>
-              <a:t>11/3/2017</a:t>
+              <a:t>11/6/2017</a:t>
             </a:fld>
             <a:endParaRPr lang="en-US"/>
           </a:p>
@@ -544,6 +559,1234 @@
 </p:notes>
 </file>
 
+<file path=ppt/notesSlides/notesSlide10.xml><?xml version="1.0" encoding="utf-8"?>
+<p:notes xmlns:a="http://schemas.openxmlformats.org/drawingml/2006/main" xmlns:r="http://schemas.openxmlformats.org/officeDocument/2006/relationships" xmlns:p="http://schemas.openxmlformats.org/presentationml/2006/main">
+  <p:cSld>
+    <p:spTree>
+      <p:nvGrpSpPr>
+        <p:cNvPr id="1" name=""/>
+        <p:cNvGrpSpPr/>
+        <p:nvPr/>
+      </p:nvGrpSpPr>
+      <p:grpSpPr>
+        <a:xfrm>
+          <a:off x="0" y="0"/>
+          <a:ext cx="0" cy="0"/>
+          <a:chOff x="0" y="0"/>
+          <a:chExt cx="0" cy="0"/>
+        </a:xfrm>
+      </p:grpSpPr>
+      <p:sp>
+        <p:nvSpPr>
+          <p:cNvPr id="2" name="Slide Image Placeholder 1"/>
+          <p:cNvSpPr>
+            <a:spLocks noGrp="1" noRot="1" noChangeAspect="1"/>
+          </p:cNvSpPr>
+          <p:nvPr>
+            <p:ph type="sldImg"/>
+          </p:nvPr>
+        </p:nvSpPr>
+        <p:spPr/>
+      </p:sp>
+      <p:sp>
+        <p:nvSpPr>
+          <p:cNvPr id="3" name="Notes Placeholder 2"/>
+          <p:cNvSpPr>
+            <a:spLocks noGrp="1"/>
+          </p:cNvSpPr>
+          <p:nvPr>
+            <p:ph type="body" idx="1"/>
+          </p:nvPr>
+        </p:nvSpPr>
+        <p:spPr/>
+        <p:txBody>
+          <a:bodyPr/>
+          <a:lstStyle/>
+          <a:p>
+            <a:endParaRPr lang="en-US"/>
+          </a:p>
+        </p:txBody>
+      </p:sp>
+      <p:sp>
+        <p:nvSpPr>
+          <p:cNvPr id="4" name="Slide Number Placeholder 3"/>
+          <p:cNvSpPr>
+            <a:spLocks noGrp="1"/>
+          </p:cNvSpPr>
+          <p:nvPr>
+            <p:ph type="sldNum" sz="quarter" idx="10"/>
+          </p:nvPr>
+        </p:nvSpPr>
+        <p:spPr/>
+        <p:txBody>
+          <a:bodyPr/>
+          <a:lstStyle/>
+          <a:p>
+            <a:fld id="{707505D5-2429-403C-A364-2040D10B74F2}" type="slidenum">
+              <a:rPr lang="en-US" smtClean="0"/>
+              <a:t>10</a:t>
+            </a:fld>
+            <a:endParaRPr lang="en-US"/>
+          </a:p>
+        </p:txBody>
+      </p:sp>
+    </p:spTree>
+    <p:extLst>
+      <p:ext uri="{BB962C8B-B14F-4D97-AF65-F5344CB8AC3E}">
+        <p14:creationId xmlns:p14="http://schemas.microsoft.com/office/powerpoint/2010/main" val="2721926154"/>
+      </p:ext>
+    </p:extLst>
+  </p:cSld>
+  <p:clrMapOvr>
+    <a:masterClrMapping/>
+  </p:clrMapOvr>
+</p:notes>
+</file>
+
+<file path=ppt/notesSlides/notesSlide11.xml><?xml version="1.0" encoding="utf-8"?>
+<p:notes xmlns:a="http://schemas.openxmlformats.org/drawingml/2006/main" xmlns:r="http://schemas.openxmlformats.org/officeDocument/2006/relationships" xmlns:p="http://schemas.openxmlformats.org/presentationml/2006/main">
+  <p:cSld>
+    <p:spTree>
+      <p:nvGrpSpPr>
+        <p:cNvPr id="1" name=""/>
+        <p:cNvGrpSpPr/>
+        <p:nvPr/>
+      </p:nvGrpSpPr>
+      <p:grpSpPr>
+        <a:xfrm>
+          <a:off x="0" y="0"/>
+          <a:ext cx="0" cy="0"/>
+          <a:chOff x="0" y="0"/>
+          <a:chExt cx="0" cy="0"/>
+        </a:xfrm>
+      </p:grpSpPr>
+      <p:sp>
+        <p:nvSpPr>
+          <p:cNvPr id="2" name="Slide Image Placeholder 1"/>
+          <p:cNvSpPr>
+            <a:spLocks noGrp="1" noRot="1" noChangeAspect="1"/>
+          </p:cNvSpPr>
+          <p:nvPr>
+            <p:ph type="sldImg"/>
+          </p:nvPr>
+        </p:nvSpPr>
+        <p:spPr/>
+      </p:sp>
+      <p:sp>
+        <p:nvSpPr>
+          <p:cNvPr id="3" name="Notes Placeholder 2"/>
+          <p:cNvSpPr>
+            <a:spLocks noGrp="1"/>
+          </p:cNvSpPr>
+          <p:nvPr>
+            <p:ph type="body" idx="1"/>
+          </p:nvPr>
+        </p:nvSpPr>
+        <p:spPr/>
+        <p:txBody>
+          <a:bodyPr/>
+          <a:lstStyle/>
+          <a:p>
+            <a:endParaRPr lang="en-US"/>
+          </a:p>
+        </p:txBody>
+      </p:sp>
+      <p:sp>
+        <p:nvSpPr>
+          <p:cNvPr id="4" name="Slide Number Placeholder 3"/>
+          <p:cNvSpPr>
+            <a:spLocks noGrp="1"/>
+          </p:cNvSpPr>
+          <p:nvPr>
+            <p:ph type="sldNum" sz="quarter" idx="10"/>
+          </p:nvPr>
+        </p:nvSpPr>
+        <p:spPr/>
+        <p:txBody>
+          <a:bodyPr/>
+          <a:lstStyle/>
+          <a:p>
+            <a:fld id="{707505D5-2429-403C-A364-2040D10B74F2}" type="slidenum">
+              <a:rPr lang="en-US" smtClean="0"/>
+              <a:t>11</a:t>
+            </a:fld>
+            <a:endParaRPr lang="en-US"/>
+          </a:p>
+        </p:txBody>
+      </p:sp>
+    </p:spTree>
+    <p:extLst>
+      <p:ext uri="{BB962C8B-B14F-4D97-AF65-F5344CB8AC3E}">
+        <p14:creationId xmlns:p14="http://schemas.microsoft.com/office/powerpoint/2010/main" val="1896563467"/>
+      </p:ext>
+    </p:extLst>
+  </p:cSld>
+  <p:clrMapOvr>
+    <a:masterClrMapping/>
+  </p:clrMapOvr>
+</p:notes>
+</file>
+
+<file path=ppt/notesSlides/notesSlide2.xml><?xml version="1.0" encoding="utf-8"?>
+<p:notes xmlns:a="http://schemas.openxmlformats.org/drawingml/2006/main" xmlns:r="http://schemas.openxmlformats.org/officeDocument/2006/relationships" xmlns:p="http://schemas.openxmlformats.org/presentationml/2006/main">
+  <p:cSld>
+    <p:spTree>
+      <p:nvGrpSpPr>
+        <p:cNvPr id="1" name=""/>
+        <p:cNvGrpSpPr/>
+        <p:nvPr/>
+      </p:nvGrpSpPr>
+      <p:grpSpPr>
+        <a:xfrm>
+          <a:off x="0" y="0"/>
+          <a:ext cx="0" cy="0"/>
+          <a:chOff x="0" y="0"/>
+          <a:chExt cx="0" cy="0"/>
+        </a:xfrm>
+      </p:grpSpPr>
+      <p:sp>
+        <p:nvSpPr>
+          <p:cNvPr id="2" name="Slide Image Placeholder 1"/>
+          <p:cNvSpPr>
+            <a:spLocks noGrp="1" noRot="1" noChangeAspect="1"/>
+          </p:cNvSpPr>
+          <p:nvPr>
+            <p:ph type="sldImg"/>
+          </p:nvPr>
+        </p:nvSpPr>
+        <p:spPr/>
+      </p:sp>
+      <p:sp>
+        <p:nvSpPr>
+          <p:cNvPr id="3" name="Notes Placeholder 2"/>
+          <p:cNvSpPr>
+            <a:spLocks noGrp="1"/>
+          </p:cNvSpPr>
+          <p:nvPr>
+            <p:ph type="body" idx="1"/>
+          </p:nvPr>
+        </p:nvSpPr>
+        <p:spPr/>
+        <p:txBody>
+          <a:bodyPr/>
+          <a:lstStyle/>
+          <a:p>
+            <a:pPr marL="0" marR="0" lvl="0" indent="0" algn="l" defTabSz="914400" rtl="0" eaLnBrk="1" fontAlgn="auto" latinLnBrk="0" hangingPunct="1">
+              <a:lnSpc>
+                <a:spcPct val="100000"/>
+              </a:lnSpc>
+              <a:spcBef>
+                <a:spcPts val="0"/>
+              </a:spcBef>
+              <a:spcAft>
+                <a:spcPts val="0"/>
+              </a:spcAft>
+              <a:buClrTx/>
+              <a:buSzTx/>
+              <a:buFontTx/>
+              <a:buNone/>
+              <a:tabLst/>
+              <a:defRPr/>
+            </a:pPr>
+            <a:r>
+              <a:rPr lang="zh-CN" altLang="en-US" dirty="0" smtClean="0"/>
+              <a:t>向量：（</a:t>
+            </a:r>
+            <a:r>
+              <a:rPr lang="en-US" altLang="zh-CN" dirty="0" smtClean="0"/>
+              <a:t>N</a:t>
+            </a:r>
+            <a:r>
+              <a:rPr lang="zh-CN" altLang="en-US" dirty="0" smtClean="0"/>
+              <a:t>维空间中）点的位置。</a:t>
+            </a:r>
+            <a:endParaRPr lang="en-US" altLang="zh-CN" dirty="0" smtClean="0"/>
+          </a:p>
+          <a:p>
+            <a:pPr marL="0" marR="0" lvl="0" indent="0" algn="l" defTabSz="914400" rtl="0" eaLnBrk="1" fontAlgn="auto" latinLnBrk="0" hangingPunct="1">
+              <a:lnSpc>
+                <a:spcPct val="100000"/>
+              </a:lnSpc>
+              <a:spcBef>
+                <a:spcPts val="0"/>
+              </a:spcBef>
+              <a:spcAft>
+                <a:spcPts val="0"/>
+              </a:spcAft>
+              <a:buClrTx/>
+              <a:buSzTx/>
+              <a:buFontTx/>
+              <a:buNone/>
+              <a:tabLst/>
+              <a:defRPr/>
+            </a:pPr>
+            <a:r>
+              <a:rPr lang="zh-CN" altLang="en-US" dirty="0" smtClean="0"/>
+              <a:t>矩阵：可以跨越维度。</a:t>
+            </a:r>
+            <a:endParaRPr lang="en-US" altLang="zh-CN" dirty="0" smtClean="0"/>
+          </a:p>
+          <a:p>
+            <a:pPr marL="0" marR="0" lvl="0" indent="0" algn="l" defTabSz="914400" rtl="0" eaLnBrk="1" fontAlgn="auto" latinLnBrk="0" hangingPunct="1">
+              <a:lnSpc>
+                <a:spcPct val="100000"/>
+              </a:lnSpc>
+              <a:spcBef>
+                <a:spcPts val="0"/>
+              </a:spcBef>
+              <a:spcAft>
+                <a:spcPts val="0"/>
+              </a:spcAft>
+              <a:buClrTx/>
+              <a:buSzTx/>
+              <a:buFontTx/>
+              <a:buNone/>
+              <a:tabLst/>
+              <a:defRPr/>
+            </a:pPr>
+            <a:r>
+              <a:rPr lang="zh-CN" altLang="en-US" dirty="0" smtClean="0"/>
+              <a:t>张量（</a:t>
+            </a:r>
+            <a:r>
+              <a:rPr lang="en-US" altLang="zh-CN" dirty="0" smtClean="0"/>
+              <a:t>Tensor</a:t>
+            </a:r>
+            <a:r>
+              <a:rPr lang="zh-CN" altLang="en-US" dirty="0" smtClean="0"/>
+              <a:t>）：向量与矩阵的泛化。</a:t>
+            </a:r>
+            <a:endParaRPr lang="en-US" altLang="zh-CN" dirty="0" smtClean="0"/>
+          </a:p>
+          <a:p>
+            <a:pPr marL="0" marR="0" lvl="0" indent="0" algn="l" defTabSz="914400" rtl="0" eaLnBrk="1" fontAlgn="auto" latinLnBrk="0" hangingPunct="1">
+              <a:lnSpc>
+                <a:spcPct val="100000"/>
+              </a:lnSpc>
+              <a:spcBef>
+                <a:spcPts val="0"/>
+              </a:spcBef>
+              <a:spcAft>
+                <a:spcPts val="0"/>
+              </a:spcAft>
+              <a:buClrTx/>
+              <a:buSzTx/>
+              <a:buFontTx/>
+              <a:buNone/>
+              <a:tabLst/>
+              <a:defRPr/>
+            </a:pPr>
+            <a:r>
+              <a:rPr lang="en-US" sz="1200" b="0" i="0" kern="1200" dirty="0" err="1" smtClean="0">
+                <a:solidFill>
+                  <a:schemeClr val="tx1"/>
+                </a:solidFill>
+                <a:effectLst/>
+                <a:latin typeface="+mn-lt"/>
+                <a:ea typeface="+mn-ea"/>
+                <a:cs typeface="+mn-cs"/>
+              </a:rPr>
+              <a:t>奇异值分解（Singular</a:t>
+            </a:r>
+            <a:r>
+              <a:rPr lang="en-US" sz="1200" b="0" i="0" kern="1200" dirty="0" smtClean="0">
+                <a:solidFill>
+                  <a:schemeClr val="tx1"/>
+                </a:solidFill>
+                <a:effectLst/>
+                <a:latin typeface="+mn-lt"/>
+                <a:ea typeface="+mn-ea"/>
+                <a:cs typeface="+mn-cs"/>
+              </a:rPr>
+              <a:t> Value Decomposition</a:t>
+            </a:r>
+            <a:r>
+              <a:rPr lang="zh-CN" altLang="en-US" sz="1200" b="0" i="0" kern="1200" dirty="0" smtClean="0">
+                <a:solidFill>
+                  <a:schemeClr val="tx1"/>
+                </a:solidFill>
+                <a:effectLst/>
+                <a:latin typeface="+mn-lt"/>
+                <a:ea typeface="+mn-ea"/>
+                <a:cs typeface="+mn-cs"/>
+              </a:rPr>
+              <a:t>）</a:t>
+            </a:r>
+            <a:endParaRPr lang="en-US" altLang="zh-CN" dirty="0" smtClean="0"/>
+          </a:p>
+          <a:p>
+            <a:pPr marL="0" marR="0" lvl="0" indent="0" algn="l" defTabSz="914400" rtl="0" eaLnBrk="1" fontAlgn="auto" latinLnBrk="0" hangingPunct="1">
+              <a:lnSpc>
+                <a:spcPct val="100000"/>
+              </a:lnSpc>
+              <a:spcBef>
+                <a:spcPts val="0"/>
+              </a:spcBef>
+              <a:spcAft>
+                <a:spcPts val="0"/>
+              </a:spcAft>
+              <a:buClrTx/>
+              <a:buSzTx/>
+              <a:buFontTx/>
+              <a:buNone/>
+              <a:tabLst/>
+              <a:defRPr/>
+            </a:pPr>
+            <a:endParaRPr lang="en-US" altLang="zh-CN" dirty="0" smtClean="0"/>
+          </a:p>
+          <a:p>
+            <a:pPr marL="0" marR="0" lvl="0" indent="0" algn="l" defTabSz="914400" rtl="0" eaLnBrk="1" fontAlgn="auto" latinLnBrk="0" hangingPunct="1">
+              <a:lnSpc>
+                <a:spcPct val="100000"/>
+              </a:lnSpc>
+              <a:spcBef>
+                <a:spcPts val="0"/>
+              </a:spcBef>
+              <a:spcAft>
+                <a:spcPts val="0"/>
+              </a:spcAft>
+              <a:buClrTx/>
+              <a:buSzTx/>
+              <a:buFontTx/>
+              <a:buNone/>
+              <a:tabLst/>
+              <a:defRPr/>
+            </a:pPr>
+            <a:endParaRPr lang="en-US" altLang="zh-CN" dirty="0" smtClean="0"/>
+          </a:p>
+          <a:p>
+            <a:endParaRPr lang="en-US" dirty="0"/>
+          </a:p>
+        </p:txBody>
+      </p:sp>
+      <p:sp>
+        <p:nvSpPr>
+          <p:cNvPr id="4" name="Slide Number Placeholder 3"/>
+          <p:cNvSpPr>
+            <a:spLocks noGrp="1"/>
+          </p:cNvSpPr>
+          <p:nvPr>
+            <p:ph type="sldNum" sz="quarter" idx="10"/>
+          </p:nvPr>
+        </p:nvSpPr>
+        <p:spPr/>
+        <p:txBody>
+          <a:bodyPr/>
+          <a:lstStyle/>
+          <a:p>
+            <a:fld id="{707505D5-2429-403C-A364-2040D10B74F2}" type="slidenum">
+              <a:rPr lang="en-US" smtClean="0"/>
+              <a:t>2</a:t>
+            </a:fld>
+            <a:endParaRPr lang="en-US"/>
+          </a:p>
+        </p:txBody>
+      </p:sp>
+    </p:spTree>
+    <p:extLst>
+      <p:ext uri="{BB962C8B-B14F-4D97-AF65-F5344CB8AC3E}">
+        <p14:creationId xmlns:p14="http://schemas.microsoft.com/office/powerpoint/2010/main" val="3271092397"/>
+      </p:ext>
+    </p:extLst>
+  </p:cSld>
+  <p:clrMapOvr>
+    <a:masterClrMapping/>
+  </p:clrMapOvr>
+</p:notes>
+</file>
+
+<file path=ppt/notesSlides/notesSlide3.xml><?xml version="1.0" encoding="utf-8"?>
+<p:notes xmlns:a="http://schemas.openxmlformats.org/drawingml/2006/main" xmlns:r="http://schemas.openxmlformats.org/officeDocument/2006/relationships" xmlns:p="http://schemas.openxmlformats.org/presentationml/2006/main">
+  <p:cSld>
+    <p:spTree>
+      <p:nvGrpSpPr>
+        <p:cNvPr id="1" name=""/>
+        <p:cNvGrpSpPr/>
+        <p:nvPr/>
+      </p:nvGrpSpPr>
+      <p:grpSpPr>
+        <a:xfrm>
+          <a:off x="0" y="0"/>
+          <a:ext cx="0" cy="0"/>
+          <a:chOff x="0" y="0"/>
+          <a:chExt cx="0" cy="0"/>
+        </a:xfrm>
+      </p:grpSpPr>
+      <p:sp>
+        <p:nvSpPr>
+          <p:cNvPr id="2" name="Slide Image Placeholder 1"/>
+          <p:cNvSpPr>
+            <a:spLocks noGrp="1" noRot="1" noChangeAspect="1"/>
+          </p:cNvSpPr>
+          <p:nvPr>
+            <p:ph type="sldImg"/>
+          </p:nvPr>
+        </p:nvSpPr>
+        <p:spPr/>
+      </p:sp>
+      <p:sp>
+        <p:nvSpPr>
+          <p:cNvPr id="3" name="Notes Placeholder 2"/>
+          <p:cNvSpPr>
+            <a:spLocks noGrp="1"/>
+          </p:cNvSpPr>
+          <p:nvPr>
+            <p:ph type="body" idx="1"/>
+          </p:nvPr>
+        </p:nvSpPr>
+        <p:spPr/>
+        <p:txBody>
+          <a:bodyPr/>
+          <a:lstStyle/>
+          <a:p>
+            <a:r>
+              <a:rPr lang="en-US" dirty="0" smtClean="0"/>
+              <a:t>(</a:t>
+            </a:r>
+            <a:r>
+              <a:rPr lang="en-US" dirty="0" err="1" smtClean="0"/>
+              <a:t>i</a:t>
+            </a:r>
+            <a:r>
+              <a:rPr lang="en-US" dirty="0" smtClean="0"/>
+              <a:t>, j)</a:t>
+            </a:r>
+            <a:r>
+              <a:rPr lang="en-US" baseline="0" dirty="0" smtClean="0"/>
+              <a:t> </a:t>
+            </a:r>
+            <a:r>
+              <a:rPr lang="zh-CN" altLang="en-US" baseline="0" dirty="0" smtClean="0"/>
+              <a:t>与 </a:t>
+            </a:r>
+            <a:r>
+              <a:rPr lang="en-US" altLang="zh-CN" baseline="0" dirty="0" smtClean="0"/>
+              <a:t>(</a:t>
+            </a:r>
+            <a:r>
+              <a:rPr lang="en-US" dirty="0" smtClean="0"/>
+              <a:t>i</a:t>
+            </a:r>
+            <a:r>
+              <a:rPr lang="en-US" altLang="zh-CN" dirty="0" smtClean="0"/>
+              <a:t>+1</a:t>
+            </a:r>
+            <a:r>
+              <a:rPr lang="en-US" dirty="0" smtClean="0"/>
+              <a:t>, j) </a:t>
+            </a:r>
+            <a:r>
+              <a:rPr lang="zh-CN" altLang="en-US" baseline="0" dirty="0" smtClean="0"/>
+              <a:t>近的变远；</a:t>
+            </a:r>
+            <a:r>
+              <a:rPr lang="en-US" altLang="zh-CN" baseline="0" dirty="0" smtClean="0"/>
+              <a:t>(0,m) </a:t>
+            </a:r>
+            <a:r>
+              <a:rPr lang="zh-CN" altLang="en-US" baseline="0" dirty="0" smtClean="0"/>
+              <a:t>与 </a:t>
+            </a:r>
+            <a:r>
+              <a:rPr lang="en-US" altLang="zh-CN" baseline="0" dirty="0" smtClean="0"/>
+              <a:t>(1,0) </a:t>
+            </a:r>
+            <a:r>
+              <a:rPr lang="zh-CN" altLang="en-US" baseline="0" dirty="0" smtClean="0"/>
+              <a:t>远的变近。</a:t>
+            </a:r>
+            <a:endParaRPr lang="en-US" dirty="0"/>
+          </a:p>
+        </p:txBody>
+      </p:sp>
+      <p:sp>
+        <p:nvSpPr>
+          <p:cNvPr id="4" name="Slide Number Placeholder 3"/>
+          <p:cNvSpPr>
+            <a:spLocks noGrp="1"/>
+          </p:cNvSpPr>
+          <p:nvPr>
+            <p:ph type="sldNum" sz="quarter" idx="10"/>
+          </p:nvPr>
+        </p:nvSpPr>
+        <p:spPr/>
+        <p:txBody>
+          <a:bodyPr/>
+          <a:lstStyle/>
+          <a:p>
+            <a:fld id="{707505D5-2429-403C-A364-2040D10B74F2}" type="slidenum">
+              <a:rPr lang="en-US" smtClean="0"/>
+              <a:t>3</a:t>
+            </a:fld>
+            <a:endParaRPr lang="en-US"/>
+          </a:p>
+        </p:txBody>
+      </p:sp>
+    </p:spTree>
+    <p:extLst>
+      <p:ext uri="{BB962C8B-B14F-4D97-AF65-F5344CB8AC3E}">
+        <p14:creationId xmlns:p14="http://schemas.microsoft.com/office/powerpoint/2010/main" val="2045980269"/>
+      </p:ext>
+    </p:extLst>
+  </p:cSld>
+  <p:clrMapOvr>
+    <a:masterClrMapping/>
+  </p:clrMapOvr>
+</p:notes>
+</file>
+
+<file path=ppt/notesSlides/notesSlide4.xml><?xml version="1.0" encoding="utf-8"?>
+<p:notes xmlns:a="http://schemas.openxmlformats.org/drawingml/2006/main" xmlns:r="http://schemas.openxmlformats.org/officeDocument/2006/relationships" xmlns:p="http://schemas.openxmlformats.org/presentationml/2006/main">
+  <p:cSld>
+    <p:spTree>
+      <p:nvGrpSpPr>
+        <p:cNvPr id="1" name=""/>
+        <p:cNvGrpSpPr/>
+        <p:nvPr/>
+      </p:nvGrpSpPr>
+      <p:grpSpPr>
+        <a:xfrm>
+          <a:off x="0" y="0"/>
+          <a:ext cx="0" cy="0"/>
+          <a:chOff x="0" y="0"/>
+          <a:chExt cx="0" cy="0"/>
+        </a:xfrm>
+      </p:grpSpPr>
+      <p:sp>
+        <p:nvSpPr>
+          <p:cNvPr id="2" name="Slide Image Placeholder 1"/>
+          <p:cNvSpPr>
+            <a:spLocks noGrp="1" noRot="1" noChangeAspect="1"/>
+          </p:cNvSpPr>
+          <p:nvPr>
+            <p:ph type="sldImg"/>
+          </p:nvPr>
+        </p:nvSpPr>
+        <p:spPr/>
+      </p:sp>
+      <p:sp>
+        <p:nvSpPr>
+          <p:cNvPr id="3" name="Notes Placeholder 2"/>
+          <p:cNvSpPr>
+            <a:spLocks noGrp="1"/>
+          </p:cNvSpPr>
+          <p:nvPr>
+            <p:ph type="body" idx="1"/>
+          </p:nvPr>
+        </p:nvSpPr>
+        <p:spPr/>
+        <p:txBody>
+          <a:bodyPr/>
+          <a:lstStyle/>
+          <a:p>
+            <a:r>
+              <a:rPr lang="en-US" dirty="0" smtClean="0"/>
+              <a:t>Subsampling</a:t>
+            </a:r>
+            <a:r>
+              <a:rPr lang="en-US" baseline="0" dirty="0" smtClean="0"/>
+              <a:t> – </a:t>
+            </a:r>
+            <a:r>
+              <a:rPr lang="zh-CN" altLang="en-US" baseline="0" dirty="0" smtClean="0"/>
+              <a:t>欠采样</a:t>
+            </a:r>
+            <a:endParaRPr lang="en-US" dirty="0"/>
+          </a:p>
+        </p:txBody>
+      </p:sp>
+      <p:sp>
+        <p:nvSpPr>
+          <p:cNvPr id="4" name="Slide Number Placeholder 3"/>
+          <p:cNvSpPr>
+            <a:spLocks noGrp="1"/>
+          </p:cNvSpPr>
+          <p:nvPr>
+            <p:ph type="sldNum" sz="quarter" idx="10"/>
+          </p:nvPr>
+        </p:nvSpPr>
+        <p:spPr/>
+        <p:txBody>
+          <a:bodyPr/>
+          <a:lstStyle/>
+          <a:p>
+            <a:fld id="{707505D5-2429-403C-A364-2040D10B74F2}" type="slidenum">
+              <a:rPr lang="en-US" smtClean="0"/>
+              <a:t>4</a:t>
+            </a:fld>
+            <a:endParaRPr lang="en-US"/>
+          </a:p>
+        </p:txBody>
+      </p:sp>
+    </p:spTree>
+    <p:extLst>
+      <p:ext uri="{BB962C8B-B14F-4D97-AF65-F5344CB8AC3E}">
+        <p14:creationId xmlns:p14="http://schemas.microsoft.com/office/powerpoint/2010/main" val="2460827583"/>
+      </p:ext>
+    </p:extLst>
+  </p:cSld>
+  <p:clrMapOvr>
+    <a:masterClrMapping/>
+  </p:clrMapOvr>
+</p:notes>
+</file>
+
+<file path=ppt/notesSlides/notesSlide5.xml><?xml version="1.0" encoding="utf-8"?>
+<p:notes xmlns:a="http://schemas.openxmlformats.org/drawingml/2006/main" xmlns:r="http://schemas.openxmlformats.org/officeDocument/2006/relationships" xmlns:p="http://schemas.openxmlformats.org/presentationml/2006/main">
+  <p:cSld>
+    <p:spTree>
+      <p:nvGrpSpPr>
+        <p:cNvPr id="1" name=""/>
+        <p:cNvGrpSpPr/>
+        <p:nvPr/>
+      </p:nvGrpSpPr>
+      <p:grpSpPr>
+        <a:xfrm>
+          <a:off x="0" y="0"/>
+          <a:ext cx="0" cy="0"/>
+          <a:chOff x="0" y="0"/>
+          <a:chExt cx="0" cy="0"/>
+        </a:xfrm>
+      </p:grpSpPr>
+      <p:sp>
+        <p:nvSpPr>
+          <p:cNvPr id="2" name="Slide Image Placeholder 1"/>
+          <p:cNvSpPr>
+            <a:spLocks noGrp="1" noRot="1" noChangeAspect="1"/>
+          </p:cNvSpPr>
+          <p:nvPr>
+            <p:ph type="sldImg"/>
+          </p:nvPr>
+        </p:nvSpPr>
+        <p:spPr/>
+      </p:sp>
+      <p:sp>
+        <p:nvSpPr>
+          <p:cNvPr id="3" name="Notes Placeholder 2"/>
+          <p:cNvSpPr>
+            <a:spLocks noGrp="1"/>
+          </p:cNvSpPr>
+          <p:nvPr>
+            <p:ph type="body" idx="1"/>
+          </p:nvPr>
+        </p:nvSpPr>
+        <p:spPr/>
+        <p:txBody>
+          <a:bodyPr/>
+          <a:lstStyle/>
+          <a:p>
+            <a:r>
+              <a:rPr lang="en-US" altLang="zh-CN" sz="1200" b="1" i="0" u="none" strike="noStrike" kern="1200" baseline="0" dirty="0" smtClean="0">
+                <a:solidFill>
+                  <a:schemeClr val="tx1"/>
+                </a:solidFill>
+                <a:latin typeface="+mn-lt"/>
+                <a:ea typeface="+mn-ea"/>
+                <a:cs typeface="+mn-cs"/>
+              </a:rPr>
+              <a:t>5*5*32 + 5*5*32*64 + 7*7*64*1024 + 1024 * 10 = 3273504</a:t>
+            </a:r>
+            <a:endParaRPr lang="en-US" dirty="0"/>
+          </a:p>
+        </p:txBody>
+      </p:sp>
+      <p:sp>
+        <p:nvSpPr>
+          <p:cNvPr id="4" name="Slide Number Placeholder 3"/>
+          <p:cNvSpPr>
+            <a:spLocks noGrp="1"/>
+          </p:cNvSpPr>
+          <p:nvPr>
+            <p:ph type="sldNum" sz="quarter" idx="10"/>
+          </p:nvPr>
+        </p:nvSpPr>
+        <p:spPr/>
+        <p:txBody>
+          <a:bodyPr/>
+          <a:lstStyle/>
+          <a:p>
+            <a:fld id="{707505D5-2429-403C-A364-2040D10B74F2}" type="slidenum">
+              <a:rPr lang="en-US" smtClean="0"/>
+              <a:t>5</a:t>
+            </a:fld>
+            <a:endParaRPr lang="en-US"/>
+          </a:p>
+        </p:txBody>
+      </p:sp>
+    </p:spTree>
+    <p:extLst>
+      <p:ext uri="{BB962C8B-B14F-4D97-AF65-F5344CB8AC3E}">
+        <p14:creationId xmlns:p14="http://schemas.microsoft.com/office/powerpoint/2010/main" val="3779101370"/>
+      </p:ext>
+    </p:extLst>
+  </p:cSld>
+  <p:clrMapOvr>
+    <a:masterClrMapping/>
+  </p:clrMapOvr>
+</p:notes>
+</file>
+
+<file path=ppt/notesSlides/notesSlide6.xml><?xml version="1.0" encoding="utf-8"?>
+<p:notes xmlns:a="http://schemas.openxmlformats.org/drawingml/2006/main" xmlns:r="http://schemas.openxmlformats.org/officeDocument/2006/relationships" xmlns:p="http://schemas.openxmlformats.org/presentationml/2006/main">
+  <p:cSld>
+    <p:spTree>
+      <p:nvGrpSpPr>
+        <p:cNvPr id="1" name=""/>
+        <p:cNvGrpSpPr/>
+        <p:nvPr/>
+      </p:nvGrpSpPr>
+      <p:grpSpPr>
+        <a:xfrm>
+          <a:off x="0" y="0"/>
+          <a:ext cx="0" cy="0"/>
+          <a:chOff x="0" y="0"/>
+          <a:chExt cx="0" cy="0"/>
+        </a:xfrm>
+      </p:grpSpPr>
+      <p:sp>
+        <p:nvSpPr>
+          <p:cNvPr id="2" name="Slide Image Placeholder 1"/>
+          <p:cNvSpPr>
+            <a:spLocks noGrp="1" noRot="1" noChangeAspect="1"/>
+          </p:cNvSpPr>
+          <p:nvPr>
+            <p:ph type="sldImg"/>
+          </p:nvPr>
+        </p:nvSpPr>
+        <p:spPr/>
+      </p:sp>
+      <p:sp>
+        <p:nvSpPr>
+          <p:cNvPr id="3" name="Notes Placeholder 2"/>
+          <p:cNvSpPr>
+            <a:spLocks noGrp="1"/>
+          </p:cNvSpPr>
+          <p:nvPr>
+            <p:ph type="body" idx="1"/>
+          </p:nvPr>
+        </p:nvSpPr>
+        <p:spPr/>
+        <p:txBody>
+          <a:bodyPr/>
+          <a:lstStyle/>
+          <a:p>
+            <a:r>
+              <a:rPr lang="en-US" altLang="zh-CN" dirty="0" smtClean="0"/>
+              <a:t>ImageNet </a:t>
+            </a:r>
+            <a:r>
+              <a:rPr lang="en-US" sz="1200" b="0" i="0" kern="1200" dirty="0" smtClean="0">
+                <a:solidFill>
+                  <a:schemeClr val="tx1"/>
+                </a:solidFill>
+                <a:effectLst/>
+                <a:latin typeface="+mn-lt"/>
+                <a:ea typeface="+mn-ea"/>
+                <a:cs typeface="+mn-cs"/>
+              </a:rPr>
+              <a:t>LSVRC 224</a:t>
+            </a:r>
+            <a:r>
+              <a:rPr lang="zh-CN" altLang="en-US" sz="1200" b="0" i="0" kern="1200" dirty="0" smtClean="0">
+                <a:solidFill>
+                  <a:schemeClr val="tx1"/>
+                </a:solidFill>
+                <a:effectLst/>
+                <a:latin typeface="+mn-lt"/>
+                <a:ea typeface="+mn-ea"/>
+                <a:cs typeface="+mn-cs"/>
+              </a:rPr>
+              <a:t>*</a:t>
+            </a:r>
+            <a:r>
+              <a:rPr lang="en-US" altLang="zh-CN" sz="1200" b="0" i="0" kern="1200" dirty="0" smtClean="0">
+                <a:solidFill>
+                  <a:schemeClr val="tx1"/>
+                </a:solidFill>
+                <a:effectLst/>
+                <a:latin typeface="+mn-lt"/>
+                <a:ea typeface="+mn-ea"/>
+                <a:cs typeface="+mn-cs"/>
+              </a:rPr>
+              <a:t>224</a:t>
+            </a:r>
+            <a:r>
+              <a:rPr lang="zh-CN" altLang="en-US" sz="1200" b="0" i="0" kern="1200" dirty="0" smtClean="0">
+                <a:solidFill>
+                  <a:schemeClr val="tx1"/>
+                </a:solidFill>
+                <a:effectLst/>
+                <a:latin typeface="+mn-lt"/>
+                <a:ea typeface="+mn-ea"/>
+                <a:cs typeface="+mn-cs"/>
+              </a:rPr>
+              <a:t>*</a:t>
+            </a:r>
+            <a:r>
+              <a:rPr lang="en-US" altLang="zh-CN" sz="1200" b="0" i="0" kern="1200" dirty="0" smtClean="0">
+                <a:solidFill>
+                  <a:schemeClr val="tx1"/>
+                </a:solidFill>
+                <a:effectLst/>
+                <a:latin typeface="+mn-lt"/>
+                <a:ea typeface="+mn-ea"/>
+                <a:cs typeface="+mn-cs"/>
+              </a:rPr>
+              <a:t>3</a:t>
+            </a:r>
+            <a:r>
+              <a:rPr lang="en-US" altLang="zh-CN" sz="1200" b="0" i="0" kern="1200" baseline="0" dirty="0" smtClean="0">
+                <a:solidFill>
+                  <a:schemeClr val="tx1"/>
+                </a:solidFill>
+                <a:effectLst/>
+                <a:latin typeface="+mn-lt"/>
+                <a:ea typeface="+mn-ea"/>
+                <a:cs typeface="+mn-cs"/>
+              </a:rPr>
+              <a:t> = 150528</a:t>
+            </a:r>
+          </a:p>
+          <a:p>
+            <a:r>
+              <a:rPr lang="zh-CN" altLang="en-US" sz="1200" b="0" i="0" kern="1200" baseline="0" dirty="0" smtClean="0">
+                <a:solidFill>
+                  <a:schemeClr val="tx1"/>
+                </a:solidFill>
+                <a:effectLst/>
+                <a:latin typeface="+mn-lt"/>
+                <a:ea typeface="+mn-ea"/>
+                <a:cs typeface="+mn-cs"/>
+              </a:rPr>
+              <a:t>隐藏层节点 </a:t>
+            </a:r>
+            <a:r>
+              <a:rPr lang="en-US" altLang="zh-CN" sz="1200" b="0" i="0" kern="1200" baseline="0" dirty="0" smtClean="0">
+                <a:solidFill>
+                  <a:schemeClr val="tx1"/>
+                </a:solidFill>
+                <a:effectLst/>
+                <a:latin typeface="+mn-lt"/>
+                <a:ea typeface="+mn-ea"/>
+                <a:cs typeface="+mn-cs"/>
+              </a:rPr>
+              <a:t>1000</a:t>
+            </a:r>
+            <a:r>
+              <a:rPr lang="zh-CN" altLang="en-US" sz="1200" b="0" i="0" kern="1200" baseline="0" dirty="0" smtClean="0">
+                <a:solidFill>
+                  <a:schemeClr val="tx1"/>
+                </a:solidFill>
+                <a:effectLst/>
+                <a:latin typeface="+mn-lt"/>
+                <a:ea typeface="+mn-ea"/>
+                <a:cs typeface="+mn-cs"/>
+              </a:rPr>
+              <a:t>，参数数量轻松上亿。</a:t>
+            </a:r>
+            <a:endParaRPr lang="en-US" altLang="zh-CN" sz="1200" b="0" i="0" kern="1200" baseline="0" dirty="0" smtClean="0">
+              <a:solidFill>
+                <a:schemeClr val="tx1"/>
+              </a:solidFill>
+              <a:effectLst/>
+              <a:latin typeface="+mn-lt"/>
+              <a:ea typeface="+mn-ea"/>
+              <a:cs typeface="+mn-cs"/>
+            </a:endParaRPr>
+          </a:p>
+          <a:p>
+            <a:endParaRPr lang="en-US" dirty="0"/>
+          </a:p>
+        </p:txBody>
+      </p:sp>
+      <p:sp>
+        <p:nvSpPr>
+          <p:cNvPr id="4" name="Slide Number Placeholder 3"/>
+          <p:cNvSpPr>
+            <a:spLocks noGrp="1"/>
+          </p:cNvSpPr>
+          <p:nvPr>
+            <p:ph type="sldNum" sz="quarter" idx="10"/>
+          </p:nvPr>
+        </p:nvSpPr>
+        <p:spPr/>
+        <p:txBody>
+          <a:bodyPr/>
+          <a:lstStyle/>
+          <a:p>
+            <a:fld id="{707505D5-2429-403C-A364-2040D10B74F2}" type="slidenum">
+              <a:rPr lang="en-US" smtClean="0"/>
+              <a:t>6</a:t>
+            </a:fld>
+            <a:endParaRPr lang="en-US"/>
+          </a:p>
+        </p:txBody>
+      </p:sp>
+    </p:spTree>
+    <p:extLst>
+      <p:ext uri="{BB962C8B-B14F-4D97-AF65-F5344CB8AC3E}">
+        <p14:creationId xmlns:p14="http://schemas.microsoft.com/office/powerpoint/2010/main" val="3466192257"/>
+      </p:ext>
+    </p:extLst>
+  </p:cSld>
+  <p:clrMapOvr>
+    <a:masterClrMapping/>
+  </p:clrMapOvr>
+</p:notes>
+</file>
+
+<file path=ppt/notesSlides/notesSlide7.xml><?xml version="1.0" encoding="utf-8"?>
+<p:notes xmlns:a="http://schemas.openxmlformats.org/drawingml/2006/main" xmlns:r="http://schemas.openxmlformats.org/officeDocument/2006/relationships" xmlns:p="http://schemas.openxmlformats.org/presentationml/2006/main">
+  <p:cSld>
+    <p:spTree>
+      <p:nvGrpSpPr>
+        <p:cNvPr id="1" name=""/>
+        <p:cNvGrpSpPr/>
+        <p:nvPr/>
+      </p:nvGrpSpPr>
+      <p:grpSpPr>
+        <a:xfrm>
+          <a:off x="0" y="0"/>
+          <a:ext cx="0" cy="0"/>
+          <a:chOff x="0" y="0"/>
+          <a:chExt cx="0" cy="0"/>
+        </a:xfrm>
+      </p:grpSpPr>
+      <p:sp>
+        <p:nvSpPr>
+          <p:cNvPr id="2" name="Slide Image Placeholder 1"/>
+          <p:cNvSpPr>
+            <a:spLocks noGrp="1" noRot="1" noChangeAspect="1"/>
+          </p:cNvSpPr>
+          <p:nvPr>
+            <p:ph type="sldImg"/>
+          </p:nvPr>
+        </p:nvSpPr>
+        <p:spPr/>
+      </p:sp>
+      <p:sp>
+        <p:nvSpPr>
+          <p:cNvPr id="3" name="Notes Placeholder 2"/>
+          <p:cNvSpPr>
+            <a:spLocks noGrp="1"/>
+          </p:cNvSpPr>
+          <p:nvPr>
+            <p:ph type="body" idx="1"/>
+          </p:nvPr>
+        </p:nvSpPr>
+        <p:spPr/>
+        <p:txBody>
+          <a:bodyPr/>
+          <a:lstStyle/>
+          <a:p>
+            <a:endParaRPr lang="en-US"/>
+          </a:p>
+        </p:txBody>
+      </p:sp>
+      <p:sp>
+        <p:nvSpPr>
+          <p:cNvPr id="4" name="Slide Number Placeholder 3"/>
+          <p:cNvSpPr>
+            <a:spLocks noGrp="1"/>
+          </p:cNvSpPr>
+          <p:nvPr>
+            <p:ph type="sldNum" sz="quarter" idx="10"/>
+          </p:nvPr>
+        </p:nvSpPr>
+        <p:spPr/>
+        <p:txBody>
+          <a:bodyPr/>
+          <a:lstStyle/>
+          <a:p>
+            <a:fld id="{707505D5-2429-403C-A364-2040D10B74F2}" type="slidenum">
+              <a:rPr lang="en-US" smtClean="0"/>
+              <a:t>7</a:t>
+            </a:fld>
+            <a:endParaRPr lang="en-US"/>
+          </a:p>
+        </p:txBody>
+      </p:sp>
+    </p:spTree>
+    <p:extLst>
+      <p:ext uri="{BB962C8B-B14F-4D97-AF65-F5344CB8AC3E}">
+        <p14:creationId xmlns:p14="http://schemas.microsoft.com/office/powerpoint/2010/main" val="4180125587"/>
+      </p:ext>
+    </p:extLst>
+  </p:cSld>
+  <p:clrMapOvr>
+    <a:masterClrMapping/>
+  </p:clrMapOvr>
+</p:notes>
+</file>
+
+<file path=ppt/notesSlides/notesSlide8.xml><?xml version="1.0" encoding="utf-8"?>
+<p:notes xmlns:a="http://schemas.openxmlformats.org/drawingml/2006/main" xmlns:r="http://schemas.openxmlformats.org/officeDocument/2006/relationships" xmlns:p="http://schemas.openxmlformats.org/presentationml/2006/main">
+  <p:cSld>
+    <p:spTree>
+      <p:nvGrpSpPr>
+        <p:cNvPr id="1" name=""/>
+        <p:cNvGrpSpPr/>
+        <p:nvPr/>
+      </p:nvGrpSpPr>
+      <p:grpSpPr>
+        <a:xfrm>
+          <a:off x="0" y="0"/>
+          <a:ext cx="0" cy="0"/>
+          <a:chOff x="0" y="0"/>
+          <a:chExt cx="0" cy="0"/>
+        </a:xfrm>
+      </p:grpSpPr>
+      <p:sp>
+        <p:nvSpPr>
+          <p:cNvPr id="2" name="Slide Image Placeholder 1"/>
+          <p:cNvSpPr>
+            <a:spLocks noGrp="1" noRot="1" noChangeAspect="1"/>
+          </p:cNvSpPr>
+          <p:nvPr>
+            <p:ph type="sldImg"/>
+          </p:nvPr>
+        </p:nvSpPr>
+        <p:spPr/>
+      </p:sp>
+      <p:sp>
+        <p:nvSpPr>
+          <p:cNvPr id="3" name="Notes Placeholder 2"/>
+          <p:cNvSpPr>
+            <a:spLocks noGrp="1"/>
+          </p:cNvSpPr>
+          <p:nvPr>
+            <p:ph type="body" idx="1"/>
+          </p:nvPr>
+        </p:nvSpPr>
+        <p:spPr/>
+        <p:txBody>
+          <a:bodyPr/>
+          <a:lstStyle/>
+          <a:p>
+            <a:endParaRPr lang="en-US"/>
+          </a:p>
+        </p:txBody>
+      </p:sp>
+      <p:sp>
+        <p:nvSpPr>
+          <p:cNvPr id="4" name="Slide Number Placeholder 3"/>
+          <p:cNvSpPr>
+            <a:spLocks noGrp="1"/>
+          </p:cNvSpPr>
+          <p:nvPr>
+            <p:ph type="sldNum" sz="quarter" idx="10"/>
+          </p:nvPr>
+        </p:nvSpPr>
+        <p:spPr/>
+        <p:txBody>
+          <a:bodyPr/>
+          <a:lstStyle/>
+          <a:p>
+            <a:fld id="{707505D5-2429-403C-A364-2040D10B74F2}" type="slidenum">
+              <a:rPr lang="en-US" smtClean="0"/>
+              <a:t>8</a:t>
+            </a:fld>
+            <a:endParaRPr lang="en-US"/>
+          </a:p>
+        </p:txBody>
+      </p:sp>
+    </p:spTree>
+    <p:extLst>
+      <p:ext uri="{BB962C8B-B14F-4D97-AF65-F5344CB8AC3E}">
+        <p14:creationId xmlns:p14="http://schemas.microsoft.com/office/powerpoint/2010/main" val="2852814882"/>
+      </p:ext>
+    </p:extLst>
+  </p:cSld>
+  <p:clrMapOvr>
+    <a:masterClrMapping/>
+  </p:clrMapOvr>
+</p:notes>
+</file>
+
+<file path=ppt/notesSlides/notesSlide9.xml><?xml version="1.0" encoding="utf-8"?>
+<p:notes xmlns:a="http://schemas.openxmlformats.org/drawingml/2006/main" xmlns:r="http://schemas.openxmlformats.org/officeDocument/2006/relationships" xmlns:p="http://schemas.openxmlformats.org/presentationml/2006/main">
+  <p:cSld>
+    <p:spTree>
+      <p:nvGrpSpPr>
+        <p:cNvPr id="1" name=""/>
+        <p:cNvGrpSpPr/>
+        <p:nvPr/>
+      </p:nvGrpSpPr>
+      <p:grpSpPr>
+        <a:xfrm>
+          <a:off x="0" y="0"/>
+          <a:ext cx="0" cy="0"/>
+          <a:chOff x="0" y="0"/>
+          <a:chExt cx="0" cy="0"/>
+        </a:xfrm>
+      </p:grpSpPr>
+      <p:sp>
+        <p:nvSpPr>
+          <p:cNvPr id="2" name="Slide Image Placeholder 1"/>
+          <p:cNvSpPr>
+            <a:spLocks noGrp="1" noRot="1" noChangeAspect="1"/>
+          </p:cNvSpPr>
+          <p:nvPr>
+            <p:ph type="sldImg"/>
+          </p:nvPr>
+        </p:nvSpPr>
+        <p:spPr/>
+      </p:sp>
+      <p:sp>
+        <p:nvSpPr>
+          <p:cNvPr id="3" name="Notes Placeholder 2"/>
+          <p:cNvSpPr>
+            <a:spLocks noGrp="1"/>
+          </p:cNvSpPr>
+          <p:nvPr>
+            <p:ph type="body" idx="1"/>
+          </p:nvPr>
+        </p:nvSpPr>
+        <p:spPr/>
+        <p:txBody>
+          <a:bodyPr/>
+          <a:lstStyle/>
+          <a:p>
+            <a:endParaRPr lang="en-US"/>
+          </a:p>
+        </p:txBody>
+      </p:sp>
+      <p:sp>
+        <p:nvSpPr>
+          <p:cNvPr id="4" name="Slide Number Placeholder 3"/>
+          <p:cNvSpPr>
+            <a:spLocks noGrp="1"/>
+          </p:cNvSpPr>
+          <p:nvPr>
+            <p:ph type="sldNum" sz="quarter" idx="10"/>
+          </p:nvPr>
+        </p:nvSpPr>
+        <p:spPr/>
+        <p:txBody>
+          <a:bodyPr/>
+          <a:lstStyle/>
+          <a:p>
+            <a:fld id="{707505D5-2429-403C-A364-2040D10B74F2}" type="slidenum">
+              <a:rPr lang="en-US" smtClean="0"/>
+              <a:t>9</a:t>
+            </a:fld>
+            <a:endParaRPr lang="en-US"/>
+          </a:p>
+        </p:txBody>
+      </p:sp>
+    </p:spTree>
+    <p:extLst>
+      <p:ext uri="{BB962C8B-B14F-4D97-AF65-F5344CB8AC3E}">
+        <p14:creationId xmlns:p14="http://schemas.microsoft.com/office/powerpoint/2010/main" val="2663432532"/>
+      </p:ext>
+    </p:extLst>
+  </p:cSld>
+  <p:clrMapOvr>
+    <a:masterClrMapping/>
+  </p:clrMapOvr>
+</p:notes>
+</file>
+
 <file path=ppt/slideLayouts/slideLayout1.xml><?xml version="1.0" encoding="utf-8"?>
 <p:sldLayout xmlns:a="http://schemas.openxmlformats.org/drawingml/2006/main" xmlns:r="http://schemas.openxmlformats.org/officeDocument/2006/relationships" xmlns:p="http://schemas.openxmlformats.org/presentationml/2006/main" type="title" preserve="1">
   <p:cSld name="Title Slide">
@@ -675,7 +1918,7 @@
           <a:p>
             <a:fld id="{D48E44AF-50BB-48D5-BC0B-D90D9503CD10}" type="datetimeFigureOut">
               <a:rPr lang="en-US" smtClean="0"/>
-              <a:t>11/3/2017</a:t>
+              <a:t>11/6/2017</a:t>
             </a:fld>
             <a:endParaRPr lang="en-US"/>
           </a:p>
@@ -845,7 +2088,7 @@
           <a:p>
             <a:fld id="{D48E44AF-50BB-48D5-BC0B-D90D9503CD10}" type="datetimeFigureOut">
               <a:rPr lang="en-US" smtClean="0"/>
-              <a:t>11/3/2017</a:t>
+              <a:t>11/6/2017</a:t>
             </a:fld>
             <a:endParaRPr lang="en-US"/>
           </a:p>
@@ -1025,7 +2268,7 @@
           <a:p>
             <a:fld id="{D48E44AF-50BB-48D5-BC0B-D90D9503CD10}" type="datetimeFigureOut">
               <a:rPr lang="en-US" smtClean="0"/>
-              <a:t>11/3/2017</a:t>
+              <a:t>11/6/2017</a:t>
             </a:fld>
             <a:endParaRPr lang="en-US"/>
           </a:p>
@@ -1195,7 +2438,7 @@
           <a:p>
             <a:fld id="{D48E44AF-50BB-48D5-BC0B-D90D9503CD10}" type="datetimeFigureOut">
               <a:rPr lang="en-US" smtClean="0"/>
-              <a:t>11/3/2017</a:t>
+              <a:t>11/6/2017</a:t>
             </a:fld>
             <a:endParaRPr lang="en-US"/>
           </a:p>
@@ -1441,7 +2684,7 @@
           <a:p>
             <a:fld id="{D48E44AF-50BB-48D5-BC0B-D90D9503CD10}" type="datetimeFigureOut">
               <a:rPr lang="en-US" smtClean="0"/>
-              <a:t>11/3/2017</a:t>
+              <a:t>11/6/2017</a:t>
             </a:fld>
             <a:endParaRPr lang="en-US"/>
           </a:p>
@@ -1673,7 +2916,7 @@
           <a:p>
             <a:fld id="{D48E44AF-50BB-48D5-BC0B-D90D9503CD10}" type="datetimeFigureOut">
               <a:rPr lang="en-US" smtClean="0"/>
-              <a:t>11/3/2017</a:t>
+              <a:t>11/6/2017</a:t>
             </a:fld>
             <a:endParaRPr lang="en-US"/>
           </a:p>
@@ -2040,7 +3283,7 @@
           <a:p>
             <a:fld id="{D48E44AF-50BB-48D5-BC0B-D90D9503CD10}" type="datetimeFigureOut">
               <a:rPr lang="en-US" smtClean="0"/>
-              <a:t>11/3/2017</a:t>
+              <a:t>11/6/2017</a:t>
             </a:fld>
             <a:endParaRPr lang="en-US"/>
           </a:p>
@@ -2158,7 +3401,7 @@
           <a:p>
             <a:fld id="{D48E44AF-50BB-48D5-BC0B-D90D9503CD10}" type="datetimeFigureOut">
               <a:rPr lang="en-US" smtClean="0"/>
-              <a:t>11/3/2017</a:t>
+              <a:t>11/6/2017</a:t>
             </a:fld>
             <a:endParaRPr lang="en-US"/>
           </a:p>
@@ -2253,7 +3496,7 @@
           <a:p>
             <a:fld id="{D48E44AF-50BB-48D5-BC0B-D90D9503CD10}" type="datetimeFigureOut">
               <a:rPr lang="en-US" smtClean="0"/>
-              <a:t>11/3/2017</a:t>
+              <a:t>11/6/2017</a:t>
             </a:fld>
             <a:endParaRPr lang="en-US"/>
           </a:p>
@@ -2530,7 +3773,7 @@
           <a:p>
             <a:fld id="{D48E44AF-50BB-48D5-BC0B-D90D9503CD10}" type="datetimeFigureOut">
               <a:rPr lang="en-US" smtClean="0"/>
-              <a:t>11/3/2017</a:t>
+              <a:t>11/6/2017</a:t>
             </a:fld>
             <a:endParaRPr lang="en-US"/>
           </a:p>
@@ -2783,7 +4026,7 @@
           <a:p>
             <a:fld id="{D48E44AF-50BB-48D5-BC0B-D90D9503CD10}" type="datetimeFigureOut">
               <a:rPr lang="en-US" smtClean="0"/>
-              <a:t>11/3/2017</a:t>
+              <a:t>11/6/2017</a:t>
             </a:fld>
             <a:endParaRPr lang="en-US"/>
           </a:p>
@@ -2996,7 +4239,7 @@
           <a:p>
             <a:fld id="{D48E44AF-50BB-48D5-BC0B-D90D9503CD10}" type="datetimeFigureOut">
               <a:rPr lang="en-US" smtClean="0"/>
-              <a:t>11/3/2017</a:t>
+              <a:t>11/6/2017</a:t>
             </a:fld>
             <a:endParaRPr lang="en-US"/>
           </a:p>
@@ -3421,11 +4664,11 @@
               <a:t>Convolutional </a:t>
             </a:r>
             <a:r>
-              <a:rPr lang="en-US" altLang="zh-CN"/>
+              <a:rPr lang="en-US" altLang="zh-CN" dirty="0"/>
               <a:t>N</a:t>
             </a:r>
             <a:r>
-              <a:rPr lang="en-US" altLang="zh-CN" smtClean="0"/>
+              <a:rPr lang="en-US" altLang="zh-CN" dirty="0" smtClean="0"/>
               <a:t>eural Network</a:t>
             </a:r>
             <a:endParaRPr lang="en-US" dirty="0"/>
@@ -3447,7 +4690,11 @@
           <a:bodyPr/>
           <a:lstStyle/>
           <a:p>
-            <a:endParaRPr lang="en-US"/>
+            <a:r>
+              <a:rPr lang="zh-CN" altLang="en-US" dirty="0" smtClean="0"/>
+              <a:t>卷积神经网络</a:t>
+            </a:r>
+            <a:endParaRPr lang="en-US" dirty="0"/>
           </a:p>
         </p:txBody>
       </p:sp>
@@ -3455,6 +4702,4526 @@
     <p:extLst>
       <p:ext uri="{BB962C8B-B14F-4D97-AF65-F5344CB8AC3E}">
         <p14:creationId xmlns:p14="http://schemas.microsoft.com/office/powerpoint/2010/main" val="1679550415"/>
+      </p:ext>
+    </p:extLst>
+  </p:cSld>
+  <p:clrMapOvr>
+    <a:masterClrMapping/>
+  </p:clrMapOvr>
+</p:sld>
+</file>
+
+<file path=ppt/slides/slide10.xml><?xml version="1.0" encoding="utf-8"?>
+<p:sld xmlns:a="http://schemas.openxmlformats.org/drawingml/2006/main" xmlns:r="http://schemas.openxmlformats.org/officeDocument/2006/relationships" xmlns:p="http://schemas.openxmlformats.org/presentationml/2006/main">
+  <p:cSld>
+    <p:spTree>
+      <p:nvGrpSpPr>
+        <p:cNvPr id="1" name=""/>
+        <p:cNvGrpSpPr/>
+        <p:nvPr/>
+      </p:nvGrpSpPr>
+      <p:grpSpPr>
+        <a:xfrm>
+          <a:off x="0" y="0"/>
+          <a:ext cx="0" cy="0"/>
+          <a:chOff x="0" y="0"/>
+          <a:chExt cx="0" cy="0"/>
+        </a:xfrm>
+      </p:grpSpPr>
+      <p:sp>
+        <p:nvSpPr>
+          <p:cNvPr id="4" name="Title 3"/>
+          <p:cNvSpPr>
+            <a:spLocks noGrp="1"/>
+          </p:cNvSpPr>
+          <p:nvPr>
+            <p:ph type="title"/>
+          </p:nvPr>
+        </p:nvSpPr>
+        <p:spPr/>
+        <p:txBody>
+          <a:bodyPr/>
+          <a:lstStyle/>
+          <a:p>
+            <a:r>
+              <a:rPr lang="en-US" dirty="0" smtClean="0"/>
+              <a:t>DEMO</a:t>
+            </a:r>
+            <a:endParaRPr lang="en-US" dirty="0"/>
+          </a:p>
+        </p:txBody>
+      </p:sp>
+      <p:sp>
+        <p:nvSpPr>
+          <p:cNvPr id="5" name="Text Placeholder 4"/>
+          <p:cNvSpPr>
+            <a:spLocks noGrp="1"/>
+          </p:cNvSpPr>
+          <p:nvPr>
+            <p:ph type="body" idx="1"/>
+          </p:nvPr>
+        </p:nvSpPr>
+        <p:spPr/>
+        <p:txBody>
+          <a:bodyPr>
+            <a:normAutofit fontScale="92500" lnSpcReduction="20000"/>
+          </a:bodyPr>
+          <a:lstStyle/>
+          <a:p>
+            <a:r>
+              <a:rPr lang="en-US" dirty="0"/>
+              <a:t>High variance: </a:t>
+            </a:r>
+          </a:p>
+          <a:p>
+            <a:pPr marL="285750" indent="-285750">
+              <a:buFont typeface="Arial" panose="020B0604020202020204" pitchFamily="34" charset="0"/>
+              <a:buChar char="•"/>
+            </a:pPr>
+            <a:r>
+              <a:rPr lang="en-US" dirty="0"/>
+              <a:t>Getting more training data</a:t>
+            </a:r>
+          </a:p>
+          <a:p>
+            <a:pPr marL="285750" indent="-285750">
+              <a:buFont typeface="Arial" panose="020B0604020202020204" pitchFamily="34" charset="0"/>
+              <a:buChar char="•"/>
+            </a:pPr>
+            <a:r>
+              <a:rPr lang="en-US" dirty="0"/>
+              <a:t>Try smaller sets of features</a:t>
+            </a:r>
+          </a:p>
+          <a:p>
+            <a:pPr marL="285750" indent="-285750">
+              <a:buFont typeface="Arial" panose="020B0604020202020204" pitchFamily="34" charset="0"/>
+              <a:buChar char="•"/>
+            </a:pPr>
+            <a:r>
+              <a:rPr lang="en-US" dirty="0"/>
+              <a:t>More regularization</a:t>
+            </a:r>
+          </a:p>
+          <a:p>
+            <a:endParaRPr lang="en-US" dirty="0"/>
+          </a:p>
+        </p:txBody>
+      </p:sp>
+      <p:pic>
+        <p:nvPicPr>
+          <p:cNvPr id="6" name="Picture 5"/>
+          <p:cNvPicPr>
+            <a:picLocks noChangeAspect="1"/>
+          </p:cNvPicPr>
+          <p:nvPr/>
+        </p:nvPicPr>
+        <p:blipFill>
+          <a:blip r:embed="rId3">
+            <a:extLst>
+              <a:ext uri="{28A0092B-C50C-407E-A947-70E740481C1C}">
+                <a14:useLocalDpi xmlns:a14="http://schemas.microsoft.com/office/drawing/2010/main" val="0"/>
+              </a:ext>
+            </a:extLst>
+          </a:blip>
+          <a:stretch>
+            <a:fillRect/>
+          </a:stretch>
+        </p:blipFill>
+        <p:spPr>
+          <a:xfrm>
+            <a:off x="8218292" y="1045815"/>
+            <a:ext cx="3705225" cy="2495550"/>
+          </a:xfrm>
+          <a:prstGeom prst="rect">
+            <a:avLst/>
+          </a:prstGeom>
+        </p:spPr>
+      </p:pic>
+      <p:pic>
+        <p:nvPicPr>
+          <p:cNvPr id="7" name="Picture 6"/>
+          <p:cNvPicPr>
+            <a:picLocks noChangeAspect="1"/>
+          </p:cNvPicPr>
+          <p:nvPr/>
+        </p:nvPicPr>
+        <p:blipFill>
+          <a:blip r:embed="rId4">
+            <a:extLst>
+              <a:ext uri="{28A0092B-C50C-407E-A947-70E740481C1C}">
+                <a14:useLocalDpi xmlns:a14="http://schemas.microsoft.com/office/drawing/2010/main" val="0"/>
+              </a:ext>
+            </a:extLst>
+          </a:blip>
+          <a:stretch>
+            <a:fillRect/>
+          </a:stretch>
+        </p:blipFill>
+        <p:spPr>
+          <a:xfrm>
+            <a:off x="8723117" y="3752154"/>
+            <a:ext cx="3200400" cy="2790825"/>
+          </a:xfrm>
+          <a:prstGeom prst="rect">
+            <a:avLst/>
+          </a:prstGeom>
+        </p:spPr>
+      </p:pic>
+      <p:pic>
+        <p:nvPicPr>
+          <p:cNvPr id="8" name="Picture 2" descr="https://d3c33hcgiwev3.cloudfront.net/imageAssetProxy.v1/vqlG7t9uEeaizBK307J26A_3e3e9f42b5e3ce9e3466a0416c4368ee_ITu3antfEeam4BLcQYZr8Q_37fe6be97e7b0740d1871ba99d4c2ed9_300px-Learning1.png?expiry=1510099200000&amp;hmac=9i8NKkRusdrzDdpFTSt2ToJiL2PDtXEgg-sZIxXEeN8"/>
+          <p:cNvPicPr>
+            <a:picLocks noChangeAspect="1" noChangeArrowheads="1"/>
+          </p:cNvPicPr>
+          <p:nvPr/>
+        </p:nvPicPr>
+        <p:blipFill>
+          <a:blip r:embed="rId5">
+            <a:extLst>
+              <a:ext uri="{28A0092B-C50C-407E-A947-70E740481C1C}">
+                <a14:useLocalDpi xmlns:a14="http://schemas.microsoft.com/office/drawing/2010/main" val="0"/>
+              </a:ext>
+            </a:extLst>
+          </a:blip>
+          <a:srcRect/>
+          <a:stretch>
+            <a:fillRect/>
+          </a:stretch>
+        </p:blipFill>
+        <p:spPr bwMode="auto">
+          <a:xfrm>
+            <a:off x="4863351" y="4333178"/>
+            <a:ext cx="2857500" cy="1628776"/>
+          </a:xfrm>
+          <a:prstGeom prst="rect">
+            <a:avLst/>
+          </a:prstGeom>
+          <a:noFill/>
+          <a:extLst>
+            <a:ext uri="{909E8E84-426E-40DD-AFC4-6F175D3DCCD1}">
+              <a14:hiddenFill xmlns:a14="http://schemas.microsoft.com/office/drawing/2010/main">
+                <a:solidFill>
+                  <a:srgbClr val="FFFFFF"/>
+                </a:solidFill>
+              </a14:hiddenFill>
+            </a:ext>
+          </a:extLst>
+        </p:spPr>
+      </p:pic>
+    </p:spTree>
+    <p:extLst>
+      <p:ext uri="{BB962C8B-B14F-4D97-AF65-F5344CB8AC3E}">
+        <p14:creationId xmlns:p14="http://schemas.microsoft.com/office/powerpoint/2010/main" val="1056352964"/>
+      </p:ext>
+    </p:extLst>
+  </p:cSld>
+  <p:clrMapOvr>
+    <a:masterClrMapping/>
+  </p:clrMapOvr>
+</p:sld>
+</file>
+
+<file path=ppt/slides/slide11.xml><?xml version="1.0" encoding="utf-8"?>
+<p:sld xmlns:a="http://schemas.openxmlformats.org/drawingml/2006/main" xmlns:r="http://schemas.openxmlformats.org/officeDocument/2006/relationships" xmlns:p="http://schemas.openxmlformats.org/presentationml/2006/main">
+  <p:cSld>
+    <p:spTree>
+      <p:nvGrpSpPr>
+        <p:cNvPr id="1" name=""/>
+        <p:cNvGrpSpPr/>
+        <p:nvPr/>
+      </p:nvGrpSpPr>
+      <p:grpSpPr>
+        <a:xfrm>
+          <a:off x="0" y="0"/>
+          <a:ext cx="0" cy="0"/>
+          <a:chOff x="0" y="0"/>
+          <a:chExt cx="0" cy="0"/>
+        </a:xfrm>
+      </p:grpSpPr>
+      <p:sp>
+        <p:nvSpPr>
+          <p:cNvPr id="2" name="Title 1"/>
+          <p:cNvSpPr>
+            <a:spLocks noGrp="1"/>
+          </p:cNvSpPr>
+          <p:nvPr>
+            <p:ph type="title"/>
+          </p:nvPr>
+        </p:nvSpPr>
+        <p:spPr/>
+        <p:txBody>
+          <a:bodyPr/>
+          <a:lstStyle/>
+          <a:p>
+            <a:r>
+              <a:rPr lang="en-US" altLang="zh-CN" dirty="0" smtClean="0"/>
+              <a:t>Reference</a:t>
+            </a:r>
+            <a:endParaRPr lang="en-US" dirty="0"/>
+          </a:p>
+        </p:txBody>
+      </p:sp>
+      <p:sp>
+        <p:nvSpPr>
+          <p:cNvPr id="3" name="Content Placeholder 2"/>
+          <p:cNvSpPr>
+            <a:spLocks noGrp="1"/>
+          </p:cNvSpPr>
+          <p:nvPr>
+            <p:ph idx="1"/>
+          </p:nvPr>
+        </p:nvSpPr>
+        <p:spPr/>
+        <p:txBody>
+          <a:bodyPr/>
+          <a:lstStyle/>
+          <a:p>
+            <a:r>
+              <a:rPr lang="en-US" dirty="0">
+                <a:hlinkClick r:id="rId3"/>
+              </a:rPr>
+              <a:t>http://yann.lecun.com/ </a:t>
+            </a:r>
+            <a:endParaRPr lang="en-US" dirty="0" smtClean="0">
+              <a:hlinkClick r:id="rId3"/>
+            </a:endParaRPr>
+          </a:p>
+          <a:p>
+            <a:r>
+              <a:rPr lang="en-US" dirty="0" smtClean="0">
+                <a:hlinkClick r:id="rId3"/>
+              </a:rPr>
+              <a:t>https</a:t>
+            </a:r>
+            <a:r>
+              <a:rPr lang="en-US" dirty="0">
+                <a:hlinkClick r:id="rId3"/>
+              </a:rPr>
+              <a:t>://en.wikipedia.org/wiki/Singular-value_decomposition</a:t>
+            </a:r>
+          </a:p>
+          <a:p>
+            <a:r>
+              <a:rPr lang="en-US" dirty="0">
+                <a:hlinkClick r:id="rId3"/>
+              </a:rPr>
+              <a:t>https://www.zhihu.com/question/22237507</a:t>
+            </a:r>
+          </a:p>
+          <a:p>
+            <a:r>
+              <a:rPr lang="en-US" dirty="0" smtClean="0">
+                <a:hlinkClick r:id="rId3"/>
+              </a:rPr>
+              <a:t>https</a:t>
+            </a:r>
+            <a:r>
+              <a:rPr lang="en-US" dirty="0">
+                <a:hlinkClick r:id="rId3"/>
+              </a:rPr>
+              <a:t>://</a:t>
+            </a:r>
+            <a:r>
+              <a:rPr lang="en-US" dirty="0" smtClean="0">
+                <a:hlinkClick r:id="rId3"/>
+              </a:rPr>
+              <a:t>zscalarts.files.wordpress.com/2014/01/emotions-revealed-by-paul-ekman1.pdf</a:t>
+            </a:r>
+          </a:p>
+          <a:p>
+            <a:r>
+              <a:rPr lang="en-US" dirty="0" smtClean="0">
+                <a:hlinkClick r:id="rId3"/>
+              </a:rPr>
+              <a:t>http</a:t>
+            </a:r>
+            <a:r>
+              <a:rPr lang="en-US" dirty="0">
+                <a:hlinkClick r:id="rId3"/>
+              </a:rPr>
+              <a:t>://cs231n.github.io/convolutional-networks</a:t>
+            </a:r>
+            <a:r>
+              <a:rPr lang="en-US" dirty="0" smtClean="0">
+                <a:hlinkClick r:id="rId3"/>
+              </a:rPr>
+              <a:t>/</a:t>
+            </a:r>
+            <a:endParaRPr lang="en-US" dirty="0" smtClean="0"/>
+          </a:p>
+          <a:p>
+            <a:r>
+              <a:rPr lang="en-US" dirty="0">
+                <a:hlinkClick r:id="rId4"/>
+              </a:rPr>
+              <a:t>https://</a:t>
+            </a:r>
+            <a:r>
+              <a:rPr lang="en-US" dirty="0" smtClean="0">
+                <a:hlinkClick r:id="rId4"/>
+              </a:rPr>
+              <a:t>en.wikipedia.org/wiki/Convolutional_neural_network</a:t>
+            </a:r>
+            <a:endParaRPr lang="en-US" dirty="0" smtClean="0"/>
+          </a:p>
+          <a:p>
+            <a:endParaRPr lang="en-US" dirty="0"/>
+          </a:p>
+        </p:txBody>
+      </p:sp>
+    </p:spTree>
+    <p:extLst>
+      <p:ext uri="{BB962C8B-B14F-4D97-AF65-F5344CB8AC3E}">
+        <p14:creationId xmlns:p14="http://schemas.microsoft.com/office/powerpoint/2010/main" val="353646032"/>
+      </p:ext>
+    </p:extLst>
+  </p:cSld>
+  <p:clrMapOvr>
+    <a:masterClrMapping/>
+  </p:clrMapOvr>
+</p:sld>
+</file>
+
+<file path=ppt/slides/slide2.xml><?xml version="1.0" encoding="utf-8"?>
+<p:sld xmlns:a="http://schemas.openxmlformats.org/drawingml/2006/main" xmlns:r="http://schemas.openxmlformats.org/officeDocument/2006/relationships" xmlns:p="http://schemas.openxmlformats.org/presentationml/2006/main">
+  <p:cSld>
+    <p:spTree>
+      <p:nvGrpSpPr>
+        <p:cNvPr id="1" name=""/>
+        <p:cNvGrpSpPr/>
+        <p:nvPr/>
+      </p:nvGrpSpPr>
+      <p:grpSpPr>
+        <a:xfrm>
+          <a:off x="0" y="0"/>
+          <a:ext cx="0" cy="0"/>
+          <a:chOff x="0" y="0"/>
+          <a:chExt cx="0" cy="0"/>
+        </a:xfrm>
+      </p:grpSpPr>
+      <p:sp>
+        <p:nvSpPr>
+          <p:cNvPr id="2" name="Title 1"/>
+          <p:cNvSpPr>
+            <a:spLocks noGrp="1"/>
+          </p:cNvSpPr>
+          <p:nvPr>
+            <p:ph type="title"/>
+          </p:nvPr>
+        </p:nvSpPr>
+        <p:spPr/>
+        <p:txBody>
+          <a:bodyPr/>
+          <a:lstStyle/>
+          <a:p>
+            <a:r>
+              <a:rPr lang="zh-CN" altLang="en-US" dirty="0" smtClean="0"/>
+              <a:t>物理意义</a:t>
+            </a:r>
+            <a:endParaRPr lang="en-US" dirty="0"/>
+          </a:p>
+        </p:txBody>
+      </p:sp>
+      <p:sp>
+        <p:nvSpPr>
+          <p:cNvPr id="3" name="Content Placeholder 2"/>
+          <p:cNvSpPr>
+            <a:spLocks noGrp="1"/>
+          </p:cNvSpPr>
+          <p:nvPr>
+            <p:ph idx="1"/>
+          </p:nvPr>
+        </p:nvSpPr>
+        <p:spPr/>
+        <p:txBody>
+          <a:bodyPr/>
+          <a:lstStyle/>
+          <a:p>
+            <a:r>
+              <a:rPr lang="zh-CN" altLang="en-US" dirty="0" smtClean="0"/>
+              <a:t>向量：位置。</a:t>
+            </a:r>
+            <a:endParaRPr lang="en-US" altLang="zh-CN" dirty="0" smtClean="0"/>
+          </a:p>
+          <a:p>
+            <a:r>
+              <a:rPr lang="zh-CN" altLang="en-US" dirty="0"/>
+              <a:t>矩</a:t>
+            </a:r>
+            <a:r>
+              <a:rPr lang="zh-CN" altLang="en-US" dirty="0" smtClean="0"/>
+              <a:t>阵：</a:t>
+            </a:r>
+            <a:r>
+              <a:rPr lang="zh-CN" altLang="en-US" dirty="0"/>
+              <a:t>向量</a:t>
+            </a:r>
+            <a:r>
+              <a:rPr lang="zh-CN" altLang="en-US" dirty="0" smtClean="0"/>
+              <a:t>的</a:t>
+            </a:r>
+            <a:r>
+              <a:rPr lang="zh-CN" altLang="en-US" dirty="0"/>
+              <a:t>变</a:t>
+            </a:r>
+            <a:r>
+              <a:rPr lang="zh-CN" altLang="en-US" dirty="0" smtClean="0"/>
+              <a:t>换（运动）。</a:t>
+            </a:r>
+            <a:endParaRPr lang="en-US" altLang="zh-CN" dirty="0" smtClean="0"/>
+          </a:p>
+          <a:p>
+            <a:r>
+              <a:rPr lang="zh-CN" altLang="en-US" dirty="0"/>
+              <a:t>张</a:t>
+            </a:r>
+            <a:r>
+              <a:rPr lang="zh-CN" altLang="en-US" dirty="0" smtClean="0"/>
+              <a:t>量（</a:t>
+            </a:r>
+            <a:r>
+              <a:rPr lang="en-US" altLang="zh-CN" dirty="0" smtClean="0"/>
+              <a:t>Tensor</a:t>
+            </a:r>
+            <a:r>
+              <a:rPr lang="zh-CN" altLang="en-US" dirty="0" smtClean="0"/>
+              <a:t>）：向量与矩阵的泛化。</a:t>
+            </a:r>
+            <a:endParaRPr lang="en-US" altLang="zh-CN" dirty="0" smtClean="0"/>
+          </a:p>
+          <a:p>
+            <a:r>
+              <a:rPr lang="zh-CN" altLang="en-US" dirty="0"/>
+              <a:t>奇异</a:t>
+            </a:r>
+            <a:r>
+              <a:rPr lang="zh-CN" altLang="en-US" dirty="0" smtClean="0"/>
+              <a:t>值分解：</a:t>
+            </a:r>
+            <a:endParaRPr lang="en-US" altLang="zh-CN" dirty="0" smtClean="0"/>
+          </a:p>
+          <a:p>
+            <a:endParaRPr lang="en-US" altLang="zh-CN" dirty="0" smtClean="0"/>
+          </a:p>
+          <a:p>
+            <a:endParaRPr lang="en-US" altLang="zh-CN" dirty="0" smtClean="0"/>
+          </a:p>
+          <a:p>
+            <a:endParaRPr lang="en-US" altLang="zh-CN" dirty="0"/>
+          </a:p>
+          <a:p>
+            <a:r>
+              <a:rPr lang="zh-CN" altLang="en-US" dirty="0" smtClean="0"/>
+              <a:t>卷积：基于邻域的线性变换</a:t>
+            </a:r>
+            <a:endParaRPr lang="en-US" dirty="0"/>
+          </a:p>
+        </p:txBody>
+      </p:sp>
+      <p:pic>
+        <p:nvPicPr>
+          <p:cNvPr id="4098" name="Picture 2" descr="https://upload.wikimedia.org/wikipedia/commons/thumb/b/bb/Singular-Value-Decomposition.svg/220px-Singular-Value-Decomposition.svg.png"/>
+          <p:cNvPicPr>
+            <a:picLocks noChangeAspect="1" noChangeArrowheads="1"/>
+          </p:cNvPicPr>
+          <p:nvPr/>
+        </p:nvPicPr>
+        <p:blipFill>
+          <a:blip r:embed="rId3">
+            <a:extLst>
+              <a:ext uri="{28A0092B-C50C-407E-A947-70E740481C1C}">
+                <a14:useLocalDpi xmlns:a14="http://schemas.microsoft.com/office/drawing/2010/main" val="0"/>
+              </a:ext>
+            </a:extLst>
+          </a:blip>
+          <a:srcRect/>
+          <a:stretch>
+            <a:fillRect/>
+          </a:stretch>
+        </p:blipFill>
+        <p:spPr bwMode="auto">
+          <a:xfrm>
+            <a:off x="3579621" y="3461863"/>
+            <a:ext cx="2095500" cy="1905000"/>
+          </a:xfrm>
+          <a:prstGeom prst="rect">
+            <a:avLst/>
+          </a:prstGeom>
+          <a:noFill/>
+          <a:extLst>
+            <a:ext uri="{909E8E84-426E-40DD-AFC4-6F175D3DCCD1}">
+              <a14:hiddenFill xmlns:a14="http://schemas.microsoft.com/office/drawing/2010/main">
+                <a:solidFill>
+                  <a:srgbClr val="FFFFFF"/>
+                </a:solidFill>
+              </a14:hiddenFill>
+            </a:ext>
+          </a:extLst>
+        </p:spPr>
+      </p:pic>
+      <p:sp>
+        <p:nvSpPr>
+          <p:cNvPr id="7" name="TextBox 6"/>
+          <p:cNvSpPr txBox="1"/>
+          <p:nvPr/>
+        </p:nvSpPr>
+        <p:spPr>
+          <a:xfrm>
+            <a:off x="1190694" y="3829588"/>
+            <a:ext cx="1781257" cy="584775"/>
+          </a:xfrm>
+          <a:prstGeom prst="rect">
+            <a:avLst/>
+          </a:prstGeom>
+          <a:noFill/>
+        </p:spPr>
+        <p:txBody>
+          <a:bodyPr wrap="none" rtlCol="0">
+            <a:spAutoFit/>
+          </a:bodyPr>
+          <a:lstStyle/>
+          <a:p>
+            <a:r>
+              <a:rPr lang="en-US" altLang="zh-CN" sz="3200" dirty="0" smtClean="0">
+                <a:ln w="0"/>
+                <a:effectLst>
+                  <a:outerShdw blurRad="38100" dist="19050" dir="2700000" algn="tl" rotWithShape="0">
+                    <a:schemeClr val="dk1">
+                      <a:alpha val="40000"/>
+                    </a:schemeClr>
+                  </a:outerShdw>
+                </a:effectLst>
+              </a:rPr>
+              <a:t>M = U∑V</a:t>
+            </a:r>
+            <a:r>
+              <a:rPr lang="en-US" altLang="zh-CN" sz="3200" baseline="30000" dirty="0" smtClean="0">
+                <a:ln w="0"/>
+                <a:effectLst>
+                  <a:outerShdw blurRad="38100" dist="19050" dir="2700000" algn="tl" rotWithShape="0">
+                    <a:schemeClr val="dk1">
+                      <a:alpha val="40000"/>
+                    </a:schemeClr>
+                  </a:outerShdw>
+                </a:effectLst>
+              </a:rPr>
+              <a:t>*</a:t>
+            </a:r>
+            <a:endParaRPr lang="en-US" sz="3200" dirty="0">
+              <a:ln w="0"/>
+              <a:effectLst>
+                <a:outerShdw blurRad="38100" dist="19050" dir="2700000" algn="tl" rotWithShape="0">
+                  <a:schemeClr val="dk1">
+                    <a:alpha val="40000"/>
+                  </a:schemeClr>
+                </a:outerShdw>
+              </a:effectLst>
+            </a:endParaRPr>
+          </a:p>
+        </p:txBody>
+      </p:sp>
+      <p:pic>
+        <p:nvPicPr>
+          <p:cNvPr id="4106" name="Picture 10" descr="http://img.blog.csdn.net/20170616224042707"/>
+          <p:cNvPicPr>
+            <a:picLocks noChangeAspect="1" noChangeArrowheads="1"/>
+          </p:cNvPicPr>
+          <p:nvPr/>
+        </p:nvPicPr>
+        <p:blipFill>
+          <a:blip r:embed="rId4">
+            <a:extLst>
+              <a:ext uri="{28A0092B-C50C-407E-A947-70E740481C1C}">
+                <a14:useLocalDpi xmlns:a14="http://schemas.microsoft.com/office/drawing/2010/main" val="0"/>
+              </a:ext>
+            </a:extLst>
+          </a:blip>
+          <a:srcRect/>
+          <a:stretch>
+            <a:fillRect/>
+          </a:stretch>
+        </p:blipFill>
+        <p:spPr bwMode="auto">
+          <a:xfrm>
+            <a:off x="1172415" y="4414363"/>
+            <a:ext cx="2105025" cy="409575"/>
+          </a:xfrm>
+          <a:prstGeom prst="rect">
+            <a:avLst/>
+          </a:prstGeom>
+          <a:noFill/>
+          <a:extLst>
+            <a:ext uri="{909E8E84-426E-40DD-AFC4-6F175D3DCCD1}">
+              <a14:hiddenFill xmlns:a14="http://schemas.microsoft.com/office/drawing/2010/main">
+                <a:solidFill>
+                  <a:srgbClr val="FFFFFF"/>
+                </a:solidFill>
+              </a14:hiddenFill>
+            </a:ext>
+          </a:extLst>
+        </p:spPr>
+      </p:pic>
+      <p:pic>
+        <p:nvPicPr>
+          <p:cNvPr id="4108" name="Picture 12" descr="https://pic2.zhimg.com/50/7aba604694157b53ab901ee4908312cd_hd.jpg"/>
+          <p:cNvPicPr>
+            <a:picLocks noChangeAspect="1" noChangeArrowheads="1"/>
+          </p:cNvPicPr>
+          <p:nvPr/>
+        </p:nvPicPr>
+        <p:blipFill>
+          <a:blip r:embed="rId5" cstate="print">
+            <a:extLst>
+              <a:ext uri="{28A0092B-C50C-407E-A947-70E740481C1C}">
+                <a14:useLocalDpi xmlns:a14="http://schemas.microsoft.com/office/drawing/2010/main" val="0"/>
+              </a:ext>
+            </a:extLst>
+          </a:blip>
+          <a:srcRect/>
+          <a:stretch>
+            <a:fillRect/>
+          </a:stretch>
+        </p:blipFill>
+        <p:spPr bwMode="auto">
+          <a:xfrm>
+            <a:off x="7225526" y="244283"/>
+            <a:ext cx="1808623" cy="1946631"/>
+          </a:xfrm>
+          <a:prstGeom prst="rect">
+            <a:avLst/>
+          </a:prstGeom>
+          <a:noFill/>
+          <a:extLst>
+            <a:ext uri="{909E8E84-426E-40DD-AFC4-6F175D3DCCD1}">
+              <a14:hiddenFill xmlns:a14="http://schemas.microsoft.com/office/drawing/2010/main">
+                <a:solidFill>
+                  <a:srgbClr val="FFFFFF"/>
+                </a:solidFill>
+              </a14:hiddenFill>
+            </a:ext>
+          </a:extLst>
+        </p:spPr>
+      </p:pic>
+      <p:pic>
+        <p:nvPicPr>
+          <p:cNvPr id="4110" name="Picture 14" descr="https://pic2.zhimg.com/50/ba727031b6fe9449ad3d67caeecf9795_hd.jpg"/>
+          <p:cNvPicPr>
+            <a:picLocks noChangeAspect="1" noChangeArrowheads="1"/>
+          </p:cNvPicPr>
+          <p:nvPr/>
+        </p:nvPicPr>
+        <p:blipFill>
+          <a:blip r:embed="rId6" cstate="print">
+            <a:extLst>
+              <a:ext uri="{28A0092B-C50C-407E-A947-70E740481C1C}">
+                <a14:useLocalDpi xmlns:a14="http://schemas.microsoft.com/office/drawing/2010/main" val="0"/>
+              </a:ext>
+            </a:extLst>
+          </a:blip>
+          <a:srcRect/>
+          <a:stretch>
+            <a:fillRect/>
+          </a:stretch>
+        </p:blipFill>
+        <p:spPr bwMode="auto">
+          <a:xfrm>
+            <a:off x="8732255" y="239338"/>
+            <a:ext cx="1813218" cy="1951576"/>
+          </a:xfrm>
+          <a:prstGeom prst="rect">
+            <a:avLst/>
+          </a:prstGeom>
+          <a:noFill/>
+          <a:extLst>
+            <a:ext uri="{909E8E84-426E-40DD-AFC4-6F175D3DCCD1}">
+              <a14:hiddenFill xmlns:a14="http://schemas.microsoft.com/office/drawing/2010/main">
+                <a:solidFill>
+                  <a:srgbClr val="FFFFFF"/>
+                </a:solidFill>
+              </a14:hiddenFill>
+            </a:ext>
+          </a:extLst>
+        </p:spPr>
+      </p:pic>
+      <p:pic>
+        <p:nvPicPr>
+          <p:cNvPr id="4112" name="Picture 16" descr="https://pic1.zhimg.com/50/26af24cb31adec4d4e16939798fe4f18_hd.jpg"/>
+          <p:cNvPicPr>
+            <a:picLocks noChangeAspect="1" noChangeArrowheads="1"/>
+          </p:cNvPicPr>
+          <p:nvPr/>
+        </p:nvPicPr>
+        <p:blipFill>
+          <a:blip r:embed="rId7" cstate="print">
+            <a:extLst>
+              <a:ext uri="{28A0092B-C50C-407E-A947-70E740481C1C}">
+                <a14:useLocalDpi xmlns:a14="http://schemas.microsoft.com/office/drawing/2010/main" val="0"/>
+              </a:ext>
+            </a:extLst>
+          </a:blip>
+          <a:srcRect/>
+          <a:stretch>
+            <a:fillRect/>
+          </a:stretch>
+        </p:blipFill>
+        <p:spPr bwMode="auto">
+          <a:xfrm>
+            <a:off x="10243578" y="244866"/>
+            <a:ext cx="1808082" cy="1946048"/>
+          </a:xfrm>
+          <a:prstGeom prst="rect">
+            <a:avLst/>
+          </a:prstGeom>
+          <a:noFill/>
+          <a:extLst>
+            <a:ext uri="{909E8E84-426E-40DD-AFC4-6F175D3DCCD1}">
+              <a14:hiddenFill xmlns:a14="http://schemas.microsoft.com/office/drawing/2010/main">
+                <a:solidFill>
+                  <a:srgbClr val="FFFFFF"/>
+                </a:solidFill>
+              </a14:hiddenFill>
+            </a:ext>
+          </a:extLst>
+        </p:spPr>
+      </p:pic>
+      <p:pic>
+        <p:nvPicPr>
+          <p:cNvPr id="4114" name="Picture 18" descr="https://pic2.zhimg.com/50/7f70625c040ddfc9ed2681365c37c8e5_hd.jpg"/>
+          <p:cNvPicPr>
+            <a:picLocks noChangeAspect="1" noChangeArrowheads="1"/>
+          </p:cNvPicPr>
+          <p:nvPr/>
+        </p:nvPicPr>
+        <p:blipFill>
+          <a:blip r:embed="rId8" cstate="print">
+            <a:extLst>
+              <a:ext uri="{28A0092B-C50C-407E-A947-70E740481C1C}">
+                <a14:useLocalDpi xmlns:a14="http://schemas.microsoft.com/office/drawing/2010/main" val="0"/>
+              </a:ext>
+            </a:extLst>
+          </a:blip>
+          <a:srcRect/>
+          <a:stretch>
+            <a:fillRect/>
+          </a:stretch>
+        </p:blipFill>
+        <p:spPr bwMode="auto">
+          <a:xfrm>
+            <a:off x="8745141" y="2248515"/>
+            <a:ext cx="1808623" cy="1946631"/>
+          </a:xfrm>
+          <a:prstGeom prst="rect">
+            <a:avLst/>
+          </a:prstGeom>
+          <a:noFill/>
+          <a:extLst>
+            <a:ext uri="{909E8E84-426E-40DD-AFC4-6F175D3DCCD1}">
+              <a14:hiddenFill xmlns:a14="http://schemas.microsoft.com/office/drawing/2010/main">
+                <a:solidFill>
+                  <a:srgbClr val="FFFFFF"/>
+                </a:solidFill>
+              </a14:hiddenFill>
+            </a:ext>
+          </a:extLst>
+        </p:spPr>
+      </p:pic>
+      <p:pic>
+        <p:nvPicPr>
+          <p:cNvPr id="4116" name="Picture 20" descr="https://pic2.zhimg.com/50/15eecd833bd9c0c6d5a4d33c044f5945_hd.jpg"/>
+          <p:cNvPicPr>
+            <a:picLocks noChangeAspect="1" noChangeArrowheads="1"/>
+          </p:cNvPicPr>
+          <p:nvPr/>
+        </p:nvPicPr>
+        <p:blipFill>
+          <a:blip r:embed="rId9" cstate="print">
+            <a:extLst>
+              <a:ext uri="{28A0092B-C50C-407E-A947-70E740481C1C}">
+                <a14:useLocalDpi xmlns:a14="http://schemas.microsoft.com/office/drawing/2010/main" val="0"/>
+              </a:ext>
+            </a:extLst>
+          </a:blip>
+          <a:srcRect/>
+          <a:stretch>
+            <a:fillRect/>
+          </a:stretch>
+        </p:blipFill>
+        <p:spPr bwMode="auto">
+          <a:xfrm>
+            <a:off x="10251870" y="2248515"/>
+            <a:ext cx="1808623" cy="1946631"/>
+          </a:xfrm>
+          <a:prstGeom prst="rect">
+            <a:avLst/>
+          </a:prstGeom>
+          <a:noFill/>
+          <a:extLst>
+            <a:ext uri="{909E8E84-426E-40DD-AFC4-6F175D3DCCD1}">
+              <a14:hiddenFill xmlns:a14="http://schemas.microsoft.com/office/drawing/2010/main">
+                <a:solidFill>
+                  <a:srgbClr val="FFFFFF"/>
+                </a:solidFill>
+              </a14:hiddenFill>
+            </a:ext>
+          </a:extLst>
+        </p:spPr>
+      </p:pic>
+      <p:sp>
+        <p:nvSpPr>
+          <p:cNvPr id="8" name="TextBox 7"/>
+          <p:cNvSpPr txBox="1"/>
+          <p:nvPr/>
+        </p:nvSpPr>
+        <p:spPr>
+          <a:xfrm>
+            <a:off x="7617253" y="32793"/>
+            <a:ext cx="723275" cy="307777"/>
+          </a:xfrm>
+          <a:prstGeom prst="rect">
+            <a:avLst/>
+          </a:prstGeom>
+          <a:noFill/>
+        </p:spPr>
+        <p:txBody>
+          <a:bodyPr wrap="none" rtlCol="0">
+            <a:spAutoFit/>
+          </a:bodyPr>
+          <a:lstStyle/>
+          <a:p>
+            <a:r>
+              <a:rPr lang="zh-CN" altLang="en-US" sz="1400" dirty="0" smtClean="0"/>
+              <a:t>原图片</a:t>
+            </a:r>
+            <a:endParaRPr lang="en-US" sz="1400" dirty="0"/>
+          </a:p>
+        </p:txBody>
+      </p:sp>
+      <p:sp>
+        <p:nvSpPr>
+          <p:cNvPr id="16" name="TextBox 15"/>
+          <p:cNvSpPr txBox="1"/>
+          <p:nvPr/>
+        </p:nvSpPr>
+        <p:spPr>
+          <a:xfrm>
+            <a:off x="9147542" y="27848"/>
+            <a:ext cx="994183" cy="307777"/>
+          </a:xfrm>
+          <a:prstGeom prst="rect">
+            <a:avLst/>
+          </a:prstGeom>
+          <a:noFill/>
+        </p:spPr>
+        <p:txBody>
+          <a:bodyPr wrap="none" rtlCol="0">
+            <a:spAutoFit/>
+          </a:bodyPr>
+          <a:lstStyle/>
+          <a:p>
+            <a:r>
+              <a:rPr lang="en-US" altLang="zh-CN" sz="1400" dirty="0" smtClean="0"/>
+              <a:t>1</a:t>
+            </a:r>
+            <a:r>
+              <a:rPr lang="zh-CN" altLang="en-US" sz="1400" dirty="0" smtClean="0"/>
+              <a:t>个奇异值</a:t>
+            </a:r>
+            <a:endParaRPr lang="en-US" sz="1400" dirty="0"/>
+          </a:p>
+        </p:txBody>
+      </p:sp>
+      <p:sp>
+        <p:nvSpPr>
+          <p:cNvPr id="17" name="TextBox 16"/>
+          <p:cNvSpPr txBox="1"/>
+          <p:nvPr/>
+        </p:nvSpPr>
+        <p:spPr>
+          <a:xfrm>
+            <a:off x="10803378" y="32793"/>
+            <a:ext cx="455574" cy="307777"/>
+          </a:xfrm>
+          <a:prstGeom prst="rect">
+            <a:avLst/>
+          </a:prstGeom>
+          <a:noFill/>
+        </p:spPr>
+        <p:txBody>
+          <a:bodyPr wrap="none" rtlCol="0">
+            <a:spAutoFit/>
+          </a:bodyPr>
+          <a:lstStyle/>
+          <a:p>
+            <a:r>
+              <a:rPr lang="en-US" altLang="zh-CN" sz="1400" dirty="0" smtClean="0"/>
+              <a:t>5</a:t>
+            </a:r>
+            <a:r>
+              <a:rPr lang="zh-CN" altLang="en-US" sz="1400" dirty="0"/>
+              <a:t>个</a:t>
+            </a:r>
+            <a:endParaRPr lang="en-US" sz="1400" dirty="0"/>
+          </a:p>
+        </p:txBody>
+      </p:sp>
+      <p:sp>
+        <p:nvSpPr>
+          <p:cNvPr id="18" name="TextBox 17"/>
+          <p:cNvSpPr txBox="1"/>
+          <p:nvPr/>
+        </p:nvSpPr>
+        <p:spPr>
+          <a:xfrm>
+            <a:off x="9277226" y="2037025"/>
+            <a:ext cx="546945" cy="307777"/>
+          </a:xfrm>
+          <a:prstGeom prst="rect">
+            <a:avLst/>
+          </a:prstGeom>
+          <a:noFill/>
+        </p:spPr>
+        <p:txBody>
+          <a:bodyPr wrap="none" rtlCol="0">
+            <a:spAutoFit/>
+          </a:bodyPr>
+          <a:lstStyle/>
+          <a:p>
+            <a:r>
+              <a:rPr lang="en-US" altLang="zh-CN" sz="1400" dirty="0" smtClean="0"/>
+              <a:t>20</a:t>
+            </a:r>
+            <a:r>
+              <a:rPr lang="zh-CN" altLang="en-US" sz="1400" dirty="0"/>
+              <a:t>个</a:t>
+            </a:r>
+            <a:endParaRPr lang="en-US" sz="1400" dirty="0"/>
+          </a:p>
+        </p:txBody>
+      </p:sp>
+      <p:sp>
+        <p:nvSpPr>
+          <p:cNvPr id="19" name="TextBox 18"/>
+          <p:cNvSpPr txBox="1"/>
+          <p:nvPr/>
+        </p:nvSpPr>
+        <p:spPr>
+          <a:xfrm>
+            <a:off x="10811669" y="2041993"/>
+            <a:ext cx="546945" cy="307777"/>
+          </a:xfrm>
+          <a:prstGeom prst="rect">
+            <a:avLst/>
+          </a:prstGeom>
+          <a:noFill/>
+        </p:spPr>
+        <p:txBody>
+          <a:bodyPr wrap="none" rtlCol="0">
+            <a:spAutoFit/>
+          </a:bodyPr>
+          <a:lstStyle/>
+          <a:p>
+            <a:r>
+              <a:rPr lang="en-US" altLang="zh-CN" sz="1400" dirty="0" smtClean="0"/>
+              <a:t>50</a:t>
+            </a:r>
+            <a:r>
+              <a:rPr lang="zh-CN" altLang="en-US" sz="1400" dirty="0"/>
+              <a:t>个</a:t>
+            </a:r>
+            <a:endParaRPr lang="en-US" sz="1400" dirty="0"/>
+          </a:p>
+        </p:txBody>
+      </p:sp>
+      <p:sp>
+        <p:nvSpPr>
+          <p:cNvPr id="9" name="Rectangle 8"/>
+          <p:cNvSpPr/>
+          <p:nvPr/>
+        </p:nvSpPr>
+        <p:spPr>
+          <a:xfrm>
+            <a:off x="7487401" y="1995541"/>
+            <a:ext cx="1348446" cy="276999"/>
+          </a:xfrm>
+          <a:prstGeom prst="rect">
+            <a:avLst/>
+          </a:prstGeom>
+        </p:spPr>
+        <p:txBody>
+          <a:bodyPr wrap="none">
+            <a:spAutoFit/>
+          </a:bodyPr>
+          <a:lstStyle/>
+          <a:p>
+            <a:r>
+              <a:rPr lang="en-US" sz="1200" dirty="0"/>
+              <a:t>高度450*宽度333</a:t>
+            </a:r>
+          </a:p>
+        </p:txBody>
+      </p:sp>
+      <p:sp>
+        <p:nvSpPr>
+          <p:cNvPr id="12" name="Rectangle 11"/>
+          <p:cNvSpPr/>
+          <p:nvPr/>
+        </p:nvSpPr>
+        <p:spPr>
+          <a:xfrm>
+            <a:off x="7134893" y="2238239"/>
+            <a:ext cx="1741587" cy="461665"/>
+          </a:xfrm>
+          <a:prstGeom prst="rect">
+            <a:avLst/>
+          </a:prstGeom>
+        </p:spPr>
+        <p:txBody>
+          <a:bodyPr wrap="square">
+            <a:spAutoFit/>
+          </a:bodyPr>
+          <a:lstStyle/>
+          <a:p>
+            <a:r>
+              <a:rPr lang="en-US" sz="1200" dirty="0"/>
+              <a:t>保存450*333=149850个元素的值</a:t>
+            </a:r>
+          </a:p>
+        </p:txBody>
+      </p:sp>
+      <p:graphicFrame>
+        <p:nvGraphicFramePr>
+          <p:cNvPr id="13" name="Table 12"/>
+          <p:cNvGraphicFramePr>
+            <a:graphicFrameLocks noGrp="1"/>
+          </p:cNvGraphicFramePr>
+          <p:nvPr>
+            <p:extLst>
+              <p:ext uri="{D42A27DB-BD31-4B8C-83A1-F6EECF244321}">
+                <p14:modId xmlns:p14="http://schemas.microsoft.com/office/powerpoint/2010/main" val="1528795017"/>
+              </p:ext>
+            </p:extLst>
+          </p:nvPr>
+        </p:nvGraphicFramePr>
+        <p:xfrm>
+          <a:off x="5716681" y="4195146"/>
+          <a:ext cx="2597350" cy="2560320"/>
+        </p:xfrm>
+        <a:graphic>
+          <a:graphicData uri="http://schemas.openxmlformats.org/drawingml/2006/table">
+            <a:tbl>
+              <a:tblPr firstRow="1" bandRow="1">
+                <a:tableStyleId>{5940675A-B579-460E-94D1-54222C63F5DA}</a:tableStyleId>
+              </a:tblPr>
+              <a:tblGrid>
+                <a:gridCol w="371050">
+                  <a:extLst>
+                    <a:ext uri="{9D8B030D-6E8A-4147-A177-3AD203B41FA5}">
+                      <a16:colId xmlns:a16="http://schemas.microsoft.com/office/drawing/2014/main" val="357248708"/>
+                    </a:ext>
+                  </a:extLst>
+                </a:gridCol>
+                <a:gridCol w="371050">
+                  <a:extLst>
+                    <a:ext uri="{9D8B030D-6E8A-4147-A177-3AD203B41FA5}">
+                      <a16:colId xmlns:a16="http://schemas.microsoft.com/office/drawing/2014/main" val="3752084429"/>
+                    </a:ext>
+                  </a:extLst>
+                </a:gridCol>
+                <a:gridCol w="371050">
+                  <a:extLst>
+                    <a:ext uri="{9D8B030D-6E8A-4147-A177-3AD203B41FA5}">
+                      <a16:colId xmlns:a16="http://schemas.microsoft.com/office/drawing/2014/main" val="3030899842"/>
+                    </a:ext>
+                  </a:extLst>
+                </a:gridCol>
+                <a:gridCol w="371050">
+                  <a:extLst>
+                    <a:ext uri="{9D8B030D-6E8A-4147-A177-3AD203B41FA5}">
+                      <a16:colId xmlns:a16="http://schemas.microsoft.com/office/drawing/2014/main" val="1401374562"/>
+                    </a:ext>
+                  </a:extLst>
+                </a:gridCol>
+                <a:gridCol w="371050">
+                  <a:extLst>
+                    <a:ext uri="{9D8B030D-6E8A-4147-A177-3AD203B41FA5}">
+                      <a16:colId xmlns:a16="http://schemas.microsoft.com/office/drawing/2014/main" val="2693885531"/>
+                    </a:ext>
+                  </a:extLst>
+                </a:gridCol>
+                <a:gridCol w="371050">
+                  <a:extLst>
+                    <a:ext uri="{9D8B030D-6E8A-4147-A177-3AD203B41FA5}">
+                      <a16:colId xmlns:a16="http://schemas.microsoft.com/office/drawing/2014/main" val="2467834489"/>
+                    </a:ext>
+                  </a:extLst>
+                </a:gridCol>
+                <a:gridCol w="371050">
+                  <a:extLst>
+                    <a:ext uri="{9D8B030D-6E8A-4147-A177-3AD203B41FA5}">
+                      <a16:colId xmlns:a16="http://schemas.microsoft.com/office/drawing/2014/main" val="2062772555"/>
+                    </a:ext>
+                  </a:extLst>
+                </a:gridCol>
+              </a:tblGrid>
+              <a:tr h="314154">
+                <a:tc>
+                  <a:txBody>
+                    <a:bodyPr/>
+                    <a:lstStyle/>
+                    <a:p>
+                      <a:r>
+                        <a:rPr lang="en-US" dirty="0" smtClean="0"/>
+                        <a:t>0</a:t>
+                      </a:r>
+                      <a:endParaRPr lang="en-US" dirty="0"/>
+                    </a:p>
+                  </a:txBody>
+                  <a:tcPr/>
+                </a:tc>
+                <a:tc>
+                  <a:txBody>
+                    <a:bodyPr/>
+                    <a:lstStyle/>
+                    <a:p>
+                      <a:r>
+                        <a:rPr lang="en-US" dirty="0" smtClean="0"/>
+                        <a:t>0</a:t>
+                      </a:r>
+                      <a:endParaRPr lang="en-US" dirty="0"/>
+                    </a:p>
+                  </a:txBody>
+                  <a:tcPr/>
+                </a:tc>
+                <a:tc>
+                  <a:txBody>
+                    <a:bodyPr/>
+                    <a:lstStyle/>
+                    <a:p>
+                      <a:r>
+                        <a:rPr lang="en-US" dirty="0" smtClean="0"/>
+                        <a:t>0</a:t>
+                      </a:r>
+                      <a:endParaRPr lang="en-US" dirty="0"/>
+                    </a:p>
+                  </a:txBody>
+                  <a:tcPr/>
+                </a:tc>
+                <a:tc>
+                  <a:txBody>
+                    <a:bodyPr/>
+                    <a:lstStyle/>
+                    <a:p>
+                      <a:r>
+                        <a:rPr lang="en-US" dirty="0" smtClean="0"/>
+                        <a:t>0</a:t>
+                      </a:r>
+                      <a:endParaRPr lang="en-US" dirty="0"/>
+                    </a:p>
+                  </a:txBody>
+                  <a:tcPr/>
+                </a:tc>
+                <a:tc>
+                  <a:txBody>
+                    <a:bodyPr/>
+                    <a:lstStyle/>
+                    <a:p>
+                      <a:r>
+                        <a:rPr lang="en-US" dirty="0" smtClean="0"/>
+                        <a:t>0</a:t>
+                      </a:r>
+                      <a:endParaRPr lang="en-US" dirty="0"/>
+                    </a:p>
+                  </a:txBody>
+                  <a:tcPr/>
+                </a:tc>
+                <a:tc>
+                  <a:txBody>
+                    <a:bodyPr/>
+                    <a:lstStyle/>
+                    <a:p>
+                      <a:r>
+                        <a:rPr lang="en-US" dirty="0" smtClean="0"/>
+                        <a:t>0</a:t>
+                      </a:r>
+                      <a:endParaRPr lang="en-US" dirty="0"/>
+                    </a:p>
+                  </a:txBody>
+                  <a:tcPr/>
+                </a:tc>
+                <a:tc>
+                  <a:txBody>
+                    <a:bodyPr/>
+                    <a:lstStyle/>
+                    <a:p>
+                      <a:r>
+                        <a:rPr lang="en-US" dirty="0" smtClean="0"/>
+                        <a:t>0</a:t>
+                      </a:r>
+                      <a:endParaRPr lang="en-US" dirty="0"/>
+                    </a:p>
+                  </a:txBody>
+                  <a:tcPr/>
+                </a:tc>
+                <a:extLst>
+                  <a:ext uri="{0D108BD9-81ED-4DB2-BD59-A6C34878D82A}">
+                    <a16:rowId xmlns:a16="http://schemas.microsoft.com/office/drawing/2014/main" val="2063432553"/>
+                  </a:ext>
+                </a:extLst>
+              </a:tr>
+              <a:tr h="314154">
+                <a:tc>
+                  <a:txBody>
+                    <a:bodyPr/>
+                    <a:lstStyle/>
+                    <a:p>
+                      <a:r>
+                        <a:rPr lang="en-US" dirty="0" smtClean="0"/>
+                        <a:t>0</a:t>
+                      </a:r>
+                      <a:endParaRPr lang="en-US" dirty="0"/>
+                    </a:p>
+                  </a:txBody>
+                  <a:tcPr/>
+                </a:tc>
+                <a:tc>
+                  <a:txBody>
+                    <a:bodyPr/>
+                    <a:lstStyle/>
+                    <a:p>
+                      <a:r>
+                        <a:rPr lang="en-US" dirty="0" smtClean="0"/>
+                        <a:t>0</a:t>
+                      </a:r>
+                      <a:endParaRPr lang="en-US" dirty="0"/>
+                    </a:p>
+                  </a:txBody>
+                  <a:tcPr/>
+                </a:tc>
+                <a:tc>
+                  <a:txBody>
+                    <a:bodyPr/>
+                    <a:lstStyle/>
+                    <a:p>
+                      <a:r>
+                        <a:rPr lang="en-US" dirty="0" smtClean="0"/>
+                        <a:t>0</a:t>
+                      </a:r>
+                      <a:endParaRPr lang="en-US" dirty="0"/>
+                    </a:p>
+                  </a:txBody>
+                  <a:tcPr/>
+                </a:tc>
+                <a:tc>
+                  <a:txBody>
+                    <a:bodyPr/>
+                    <a:lstStyle/>
+                    <a:p>
+                      <a:r>
+                        <a:rPr lang="en-US" dirty="0" smtClean="0"/>
+                        <a:t>0</a:t>
+                      </a:r>
+                      <a:endParaRPr lang="en-US" dirty="0"/>
+                    </a:p>
+                  </a:txBody>
+                  <a:tcPr/>
+                </a:tc>
+                <a:tc>
+                  <a:txBody>
+                    <a:bodyPr/>
+                    <a:lstStyle/>
+                    <a:p>
+                      <a:r>
+                        <a:rPr lang="en-US" dirty="0" smtClean="0"/>
+                        <a:t>0</a:t>
+                      </a:r>
+                      <a:endParaRPr lang="en-US" dirty="0"/>
+                    </a:p>
+                  </a:txBody>
+                  <a:tcPr/>
+                </a:tc>
+                <a:tc>
+                  <a:txBody>
+                    <a:bodyPr/>
+                    <a:lstStyle/>
+                    <a:p>
+                      <a:r>
+                        <a:rPr lang="en-US" dirty="0" smtClean="0"/>
+                        <a:t>0</a:t>
+                      </a:r>
+                      <a:endParaRPr lang="en-US" dirty="0"/>
+                    </a:p>
+                  </a:txBody>
+                  <a:tcPr/>
+                </a:tc>
+                <a:tc>
+                  <a:txBody>
+                    <a:bodyPr/>
+                    <a:lstStyle/>
+                    <a:p>
+                      <a:r>
+                        <a:rPr lang="en-US" dirty="0" smtClean="0"/>
+                        <a:t>0</a:t>
+                      </a:r>
+                      <a:endParaRPr lang="en-US" dirty="0"/>
+                    </a:p>
+                  </a:txBody>
+                  <a:tcPr/>
+                </a:tc>
+                <a:extLst>
+                  <a:ext uri="{0D108BD9-81ED-4DB2-BD59-A6C34878D82A}">
+                    <a16:rowId xmlns:a16="http://schemas.microsoft.com/office/drawing/2014/main" val="3316289878"/>
+                  </a:ext>
+                </a:extLst>
+              </a:tr>
+              <a:tr h="314154">
+                <a:tc>
+                  <a:txBody>
+                    <a:bodyPr/>
+                    <a:lstStyle/>
+                    <a:p>
+                      <a:r>
+                        <a:rPr lang="en-US" dirty="0" smtClean="0"/>
+                        <a:t>0</a:t>
+                      </a:r>
+                      <a:endParaRPr lang="en-US" dirty="0"/>
+                    </a:p>
+                  </a:txBody>
+                  <a:tcPr/>
+                </a:tc>
+                <a:tc>
+                  <a:txBody>
+                    <a:bodyPr/>
+                    <a:lstStyle/>
+                    <a:p>
+                      <a:r>
+                        <a:rPr lang="en-US" dirty="0" smtClean="0"/>
+                        <a:t>0</a:t>
+                      </a:r>
+                      <a:endParaRPr lang="en-US" dirty="0"/>
+                    </a:p>
+                  </a:txBody>
+                  <a:tcPr/>
+                </a:tc>
+                <a:tc>
+                  <a:txBody>
+                    <a:bodyPr/>
+                    <a:lstStyle/>
+                    <a:p>
+                      <a:r>
+                        <a:rPr lang="en-US" dirty="0" smtClean="0"/>
+                        <a:t>0</a:t>
+                      </a:r>
+                      <a:endParaRPr lang="en-US" dirty="0"/>
+                    </a:p>
+                  </a:txBody>
+                  <a:tcPr/>
+                </a:tc>
+                <a:tc>
+                  <a:txBody>
+                    <a:bodyPr/>
+                    <a:lstStyle/>
+                    <a:p>
+                      <a:r>
+                        <a:rPr lang="en-US" dirty="0" smtClean="0"/>
+                        <a:t>0</a:t>
+                      </a:r>
+                      <a:endParaRPr lang="en-US" dirty="0"/>
+                    </a:p>
+                  </a:txBody>
+                  <a:tcPr/>
+                </a:tc>
+                <a:tc>
+                  <a:txBody>
+                    <a:bodyPr/>
+                    <a:lstStyle/>
+                    <a:p>
+                      <a:r>
+                        <a:rPr lang="en-US" dirty="0" smtClean="0"/>
+                        <a:t>0</a:t>
+                      </a:r>
+                      <a:endParaRPr lang="en-US" dirty="0"/>
+                    </a:p>
+                  </a:txBody>
+                  <a:tcPr/>
+                </a:tc>
+                <a:tc>
+                  <a:txBody>
+                    <a:bodyPr/>
+                    <a:lstStyle/>
+                    <a:p>
+                      <a:r>
+                        <a:rPr lang="en-US" dirty="0" smtClean="0"/>
+                        <a:t>0</a:t>
+                      </a:r>
+                      <a:endParaRPr lang="en-US" dirty="0"/>
+                    </a:p>
+                  </a:txBody>
+                  <a:tcPr/>
+                </a:tc>
+                <a:tc>
+                  <a:txBody>
+                    <a:bodyPr/>
+                    <a:lstStyle/>
+                    <a:p>
+                      <a:r>
+                        <a:rPr lang="en-US" dirty="0" smtClean="0"/>
+                        <a:t>0</a:t>
+                      </a:r>
+                      <a:endParaRPr lang="en-US" dirty="0"/>
+                    </a:p>
+                  </a:txBody>
+                  <a:tcPr/>
+                </a:tc>
+                <a:extLst>
+                  <a:ext uri="{0D108BD9-81ED-4DB2-BD59-A6C34878D82A}">
+                    <a16:rowId xmlns:a16="http://schemas.microsoft.com/office/drawing/2014/main" val="2114534413"/>
+                  </a:ext>
+                </a:extLst>
+              </a:tr>
+              <a:tr h="314154">
+                <a:tc>
+                  <a:txBody>
+                    <a:bodyPr/>
+                    <a:lstStyle/>
+                    <a:p>
+                      <a:r>
+                        <a:rPr lang="en-US" dirty="0" smtClean="0"/>
+                        <a:t>0</a:t>
+                      </a:r>
+                      <a:endParaRPr lang="en-US" dirty="0"/>
+                    </a:p>
+                  </a:txBody>
+                  <a:tcPr/>
+                </a:tc>
+                <a:tc>
+                  <a:txBody>
+                    <a:bodyPr/>
+                    <a:lstStyle/>
+                    <a:p>
+                      <a:r>
+                        <a:rPr lang="en-US" dirty="0" smtClean="0"/>
+                        <a:t>0</a:t>
+                      </a:r>
+                      <a:endParaRPr lang="en-US" dirty="0"/>
+                    </a:p>
+                  </a:txBody>
+                  <a:tcPr/>
+                </a:tc>
+                <a:tc>
+                  <a:txBody>
+                    <a:bodyPr/>
+                    <a:lstStyle/>
+                    <a:p>
+                      <a:r>
+                        <a:rPr lang="en-US" dirty="0" smtClean="0"/>
+                        <a:t>0</a:t>
+                      </a:r>
+                      <a:endParaRPr lang="en-US" dirty="0"/>
+                    </a:p>
+                  </a:txBody>
+                  <a:tcPr/>
+                </a:tc>
+                <a:tc>
+                  <a:txBody>
+                    <a:bodyPr/>
+                    <a:lstStyle/>
+                    <a:p>
+                      <a:r>
+                        <a:rPr lang="en-US" dirty="0" smtClean="0"/>
+                        <a:t>1</a:t>
+                      </a:r>
+                      <a:endParaRPr lang="en-US" dirty="0"/>
+                    </a:p>
+                  </a:txBody>
+                  <a:tcPr/>
+                </a:tc>
+                <a:tc>
+                  <a:txBody>
+                    <a:bodyPr/>
+                    <a:lstStyle/>
+                    <a:p>
+                      <a:r>
+                        <a:rPr lang="en-US" dirty="0" smtClean="0"/>
+                        <a:t>0</a:t>
+                      </a:r>
+                      <a:endParaRPr lang="en-US" dirty="0"/>
+                    </a:p>
+                  </a:txBody>
+                  <a:tcPr/>
+                </a:tc>
+                <a:tc>
+                  <a:txBody>
+                    <a:bodyPr/>
+                    <a:lstStyle/>
+                    <a:p>
+                      <a:r>
+                        <a:rPr lang="en-US" dirty="0" smtClean="0"/>
+                        <a:t>0</a:t>
+                      </a:r>
+                      <a:endParaRPr lang="en-US" dirty="0"/>
+                    </a:p>
+                  </a:txBody>
+                  <a:tcPr/>
+                </a:tc>
+                <a:tc>
+                  <a:txBody>
+                    <a:bodyPr/>
+                    <a:lstStyle/>
+                    <a:p>
+                      <a:r>
+                        <a:rPr lang="en-US" dirty="0" smtClean="0"/>
+                        <a:t>0</a:t>
+                      </a:r>
+                      <a:endParaRPr lang="en-US" dirty="0"/>
+                    </a:p>
+                  </a:txBody>
+                  <a:tcPr/>
+                </a:tc>
+                <a:extLst>
+                  <a:ext uri="{0D108BD9-81ED-4DB2-BD59-A6C34878D82A}">
+                    <a16:rowId xmlns:a16="http://schemas.microsoft.com/office/drawing/2014/main" val="962328598"/>
+                  </a:ext>
+                </a:extLst>
+              </a:tr>
+              <a:tr h="314154">
+                <a:tc>
+                  <a:txBody>
+                    <a:bodyPr/>
+                    <a:lstStyle/>
+                    <a:p>
+                      <a:r>
+                        <a:rPr lang="en-US" dirty="0" smtClean="0"/>
+                        <a:t>0</a:t>
+                      </a:r>
+                      <a:endParaRPr lang="en-US" dirty="0"/>
+                    </a:p>
+                  </a:txBody>
+                  <a:tcPr/>
+                </a:tc>
+                <a:tc>
+                  <a:txBody>
+                    <a:bodyPr/>
+                    <a:lstStyle/>
+                    <a:p>
+                      <a:r>
+                        <a:rPr lang="en-US" dirty="0" smtClean="0"/>
+                        <a:t>0</a:t>
+                      </a:r>
+                      <a:endParaRPr lang="en-US" dirty="0"/>
+                    </a:p>
+                  </a:txBody>
+                  <a:tcPr/>
+                </a:tc>
+                <a:tc>
+                  <a:txBody>
+                    <a:bodyPr/>
+                    <a:lstStyle/>
+                    <a:p>
+                      <a:r>
+                        <a:rPr lang="en-US" dirty="0" smtClean="0"/>
+                        <a:t>0</a:t>
+                      </a:r>
+                      <a:endParaRPr lang="en-US" dirty="0"/>
+                    </a:p>
+                  </a:txBody>
+                  <a:tcPr/>
+                </a:tc>
+                <a:tc>
+                  <a:txBody>
+                    <a:bodyPr/>
+                    <a:lstStyle/>
+                    <a:p>
+                      <a:r>
+                        <a:rPr lang="en-US" dirty="0" smtClean="0"/>
+                        <a:t>0</a:t>
+                      </a:r>
+                      <a:endParaRPr lang="en-US" dirty="0"/>
+                    </a:p>
+                  </a:txBody>
+                  <a:tcPr/>
+                </a:tc>
+                <a:tc>
+                  <a:txBody>
+                    <a:bodyPr/>
+                    <a:lstStyle/>
+                    <a:p>
+                      <a:r>
+                        <a:rPr lang="en-US" dirty="0" smtClean="0"/>
+                        <a:t>0</a:t>
+                      </a:r>
+                      <a:endParaRPr lang="en-US" dirty="0"/>
+                    </a:p>
+                  </a:txBody>
+                  <a:tcPr/>
+                </a:tc>
+                <a:tc>
+                  <a:txBody>
+                    <a:bodyPr/>
+                    <a:lstStyle/>
+                    <a:p>
+                      <a:r>
+                        <a:rPr lang="en-US" dirty="0" smtClean="0"/>
+                        <a:t>0</a:t>
+                      </a:r>
+                      <a:endParaRPr lang="en-US" dirty="0"/>
+                    </a:p>
+                  </a:txBody>
+                  <a:tcPr/>
+                </a:tc>
+                <a:tc>
+                  <a:txBody>
+                    <a:bodyPr/>
+                    <a:lstStyle/>
+                    <a:p>
+                      <a:r>
+                        <a:rPr lang="en-US" dirty="0" smtClean="0"/>
+                        <a:t>0</a:t>
+                      </a:r>
+                      <a:endParaRPr lang="en-US" dirty="0"/>
+                    </a:p>
+                  </a:txBody>
+                  <a:tcPr/>
+                </a:tc>
+                <a:extLst>
+                  <a:ext uri="{0D108BD9-81ED-4DB2-BD59-A6C34878D82A}">
+                    <a16:rowId xmlns:a16="http://schemas.microsoft.com/office/drawing/2014/main" val="1384186958"/>
+                  </a:ext>
+                </a:extLst>
+              </a:tr>
+              <a:tr h="314154">
+                <a:tc>
+                  <a:txBody>
+                    <a:bodyPr/>
+                    <a:lstStyle/>
+                    <a:p>
+                      <a:r>
+                        <a:rPr lang="en-US" dirty="0" smtClean="0"/>
+                        <a:t>0</a:t>
+                      </a:r>
+                      <a:endParaRPr lang="en-US" dirty="0"/>
+                    </a:p>
+                  </a:txBody>
+                  <a:tcPr/>
+                </a:tc>
+                <a:tc>
+                  <a:txBody>
+                    <a:bodyPr/>
+                    <a:lstStyle/>
+                    <a:p>
+                      <a:r>
+                        <a:rPr lang="en-US" dirty="0" smtClean="0"/>
+                        <a:t>0</a:t>
+                      </a:r>
+                      <a:endParaRPr lang="en-US" dirty="0"/>
+                    </a:p>
+                  </a:txBody>
+                  <a:tcPr/>
+                </a:tc>
+                <a:tc>
+                  <a:txBody>
+                    <a:bodyPr/>
+                    <a:lstStyle/>
+                    <a:p>
+                      <a:r>
+                        <a:rPr lang="en-US" dirty="0" smtClean="0"/>
+                        <a:t>0</a:t>
+                      </a:r>
+                      <a:endParaRPr lang="en-US" dirty="0"/>
+                    </a:p>
+                  </a:txBody>
+                  <a:tcPr/>
+                </a:tc>
+                <a:tc>
+                  <a:txBody>
+                    <a:bodyPr/>
+                    <a:lstStyle/>
+                    <a:p>
+                      <a:r>
+                        <a:rPr lang="en-US" dirty="0" smtClean="0"/>
+                        <a:t>0</a:t>
+                      </a:r>
+                      <a:endParaRPr lang="en-US" dirty="0"/>
+                    </a:p>
+                  </a:txBody>
+                  <a:tcPr/>
+                </a:tc>
+                <a:tc>
+                  <a:txBody>
+                    <a:bodyPr/>
+                    <a:lstStyle/>
+                    <a:p>
+                      <a:r>
+                        <a:rPr lang="en-US" dirty="0" smtClean="0"/>
+                        <a:t>0</a:t>
+                      </a:r>
+                      <a:endParaRPr lang="en-US" dirty="0"/>
+                    </a:p>
+                  </a:txBody>
+                  <a:tcPr/>
+                </a:tc>
+                <a:tc>
+                  <a:txBody>
+                    <a:bodyPr/>
+                    <a:lstStyle/>
+                    <a:p>
+                      <a:r>
+                        <a:rPr lang="en-US" dirty="0" smtClean="0"/>
+                        <a:t>0</a:t>
+                      </a:r>
+                      <a:endParaRPr lang="en-US" dirty="0"/>
+                    </a:p>
+                  </a:txBody>
+                  <a:tcPr/>
+                </a:tc>
+                <a:tc>
+                  <a:txBody>
+                    <a:bodyPr/>
+                    <a:lstStyle/>
+                    <a:p>
+                      <a:r>
+                        <a:rPr lang="en-US" dirty="0" smtClean="0"/>
+                        <a:t>0</a:t>
+                      </a:r>
+                      <a:endParaRPr lang="en-US" dirty="0"/>
+                    </a:p>
+                  </a:txBody>
+                  <a:tcPr/>
+                </a:tc>
+                <a:extLst>
+                  <a:ext uri="{0D108BD9-81ED-4DB2-BD59-A6C34878D82A}">
+                    <a16:rowId xmlns:a16="http://schemas.microsoft.com/office/drawing/2014/main" val="2689334360"/>
+                  </a:ext>
+                </a:extLst>
+              </a:tr>
+              <a:tr h="314154">
+                <a:tc>
+                  <a:txBody>
+                    <a:bodyPr/>
+                    <a:lstStyle/>
+                    <a:p>
+                      <a:r>
+                        <a:rPr lang="en-US" dirty="0" smtClean="0"/>
+                        <a:t>0</a:t>
+                      </a:r>
+                      <a:endParaRPr lang="en-US" dirty="0"/>
+                    </a:p>
+                  </a:txBody>
+                  <a:tcPr/>
+                </a:tc>
+                <a:tc>
+                  <a:txBody>
+                    <a:bodyPr/>
+                    <a:lstStyle/>
+                    <a:p>
+                      <a:r>
+                        <a:rPr lang="en-US" dirty="0" smtClean="0"/>
+                        <a:t>0</a:t>
+                      </a:r>
+                      <a:endParaRPr lang="en-US" dirty="0"/>
+                    </a:p>
+                  </a:txBody>
+                  <a:tcPr/>
+                </a:tc>
+                <a:tc>
+                  <a:txBody>
+                    <a:bodyPr/>
+                    <a:lstStyle/>
+                    <a:p>
+                      <a:r>
+                        <a:rPr lang="en-US" dirty="0" smtClean="0"/>
+                        <a:t>0</a:t>
+                      </a:r>
+                      <a:endParaRPr lang="en-US" dirty="0"/>
+                    </a:p>
+                  </a:txBody>
+                  <a:tcPr/>
+                </a:tc>
+                <a:tc>
+                  <a:txBody>
+                    <a:bodyPr/>
+                    <a:lstStyle/>
+                    <a:p>
+                      <a:r>
+                        <a:rPr lang="en-US" dirty="0" smtClean="0"/>
+                        <a:t>0</a:t>
+                      </a:r>
+                      <a:endParaRPr lang="en-US" dirty="0"/>
+                    </a:p>
+                  </a:txBody>
+                  <a:tcPr/>
+                </a:tc>
+                <a:tc>
+                  <a:txBody>
+                    <a:bodyPr/>
+                    <a:lstStyle/>
+                    <a:p>
+                      <a:r>
+                        <a:rPr lang="en-US" dirty="0" smtClean="0"/>
+                        <a:t>0</a:t>
+                      </a:r>
+                      <a:endParaRPr lang="en-US" dirty="0"/>
+                    </a:p>
+                  </a:txBody>
+                  <a:tcPr/>
+                </a:tc>
+                <a:tc>
+                  <a:txBody>
+                    <a:bodyPr/>
+                    <a:lstStyle/>
+                    <a:p>
+                      <a:r>
+                        <a:rPr lang="en-US" dirty="0" smtClean="0"/>
+                        <a:t>0</a:t>
+                      </a:r>
+                      <a:endParaRPr lang="en-US" dirty="0"/>
+                    </a:p>
+                  </a:txBody>
+                  <a:tcPr/>
+                </a:tc>
+                <a:tc>
+                  <a:txBody>
+                    <a:bodyPr/>
+                    <a:lstStyle/>
+                    <a:p>
+                      <a:r>
+                        <a:rPr lang="en-US" dirty="0" smtClean="0"/>
+                        <a:t>0</a:t>
+                      </a:r>
+                      <a:endParaRPr lang="en-US" dirty="0"/>
+                    </a:p>
+                  </a:txBody>
+                  <a:tcPr/>
+                </a:tc>
+                <a:extLst>
+                  <a:ext uri="{0D108BD9-81ED-4DB2-BD59-A6C34878D82A}">
+                    <a16:rowId xmlns:a16="http://schemas.microsoft.com/office/drawing/2014/main" val="1098773015"/>
+                  </a:ext>
+                </a:extLst>
+              </a:tr>
+            </a:tbl>
+          </a:graphicData>
+        </a:graphic>
+      </p:graphicFrame>
+      <p:graphicFrame>
+        <p:nvGraphicFramePr>
+          <p:cNvPr id="25" name="Table 24"/>
+          <p:cNvGraphicFramePr>
+            <a:graphicFrameLocks noGrp="1"/>
+          </p:cNvGraphicFramePr>
+          <p:nvPr>
+            <p:extLst>
+              <p:ext uri="{D42A27DB-BD31-4B8C-83A1-F6EECF244321}">
+                <p14:modId xmlns:p14="http://schemas.microsoft.com/office/powerpoint/2010/main" val="980246014"/>
+              </p:ext>
+            </p:extLst>
+          </p:nvPr>
+        </p:nvGraphicFramePr>
+        <p:xfrm>
+          <a:off x="9504703" y="4195146"/>
+          <a:ext cx="2597350" cy="2560320"/>
+        </p:xfrm>
+        <a:graphic>
+          <a:graphicData uri="http://schemas.openxmlformats.org/drawingml/2006/table">
+            <a:tbl>
+              <a:tblPr firstRow="1" bandRow="1">
+                <a:tableStyleId>{5940675A-B579-460E-94D1-54222C63F5DA}</a:tableStyleId>
+              </a:tblPr>
+              <a:tblGrid>
+                <a:gridCol w="371050">
+                  <a:extLst>
+                    <a:ext uri="{9D8B030D-6E8A-4147-A177-3AD203B41FA5}">
+                      <a16:colId xmlns:a16="http://schemas.microsoft.com/office/drawing/2014/main" val="357248708"/>
+                    </a:ext>
+                  </a:extLst>
+                </a:gridCol>
+                <a:gridCol w="371050">
+                  <a:extLst>
+                    <a:ext uri="{9D8B030D-6E8A-4147-A177-3AD203B41FA5}">
+                      <a16:colId xmlns:a16="http://schemas.microsoft.com/office/drawing/2014/main" val="3752084429"/>
+                    </a:ext>
+                  </a:extLst>
+                </a:gridCol>
+                <a:gridCol w="371050">
+                  <a:extLst>
+                    <a:ext uri="{9D8B030D-6E8A-4147-A177-3AD203B41FA5}">
+                      <a16:colId xmlns:a16="http://schemas.microsoft.com/office/drawing/2014/main" val="3030899842"/>
+                    </a:ext>
+                  </a:extLst>
+                </a:gridCol>
+                <a:gridCol w="371050">
+                  <a:extLst>
+                    <a:ext uri="{9D8B030D-6E8A-4147-A177-3AD203B41FA5}">
+                      <a16:colId xmlns:a16="http://schemas.microsoft.com/office/drawing/2014/main" val="1401374562"/>
+                    </a:ext>
+                  </a:extLst>
+                </a:gridCol>
+                <a:gridCol w="371050">
+                  <a:extLst>
+                    <a:ext uri="{9D8B030D-6E8A-4147-A177-3AD203B41FA5}">
+                      <a16:colId xmlns:a16="http://schemas.microsoft.com/office/drawing/2014/main" val="2693885531"/>
+                    </a:ext>
+                  </a:extLst>
+                </a:gridCol>
+                <a:gridCol w="371050">
+                  <a:extLst>
+                    <a:ext uri="{9D8B030D-6E8A-4147-A177-3AD203B41FA5}">
+                      <a16:colId xmlns:a16="http://schemas.microsoft.com/office/drawing/2014/main" val="2467834489"/>
+                    </a:ext>
+                  </a:extLst>
+                </a:gridCol>
+                <a:gridCol w="371050">
+                  <a:extLst>
+                    <a:ext uri="{9D8B030D-6E8A-4147-A177-3AD203B41FA5}">
+                      <a16:colId xmlns:a16="http://schemas.microsoft.com/office/drawing/2014/main" val="2062772555"/>
+                    </a:ext>
+                  </a:extLst>
+                </a:gridCol>
+              </a:tblGrid>
+              <a:tr h="343033">
+                <a:tc>
+                  <a:txBody>
+                    <a:bodyPr/>
+                    <a:lstStyle/>
+                    <a:p>
+                      <a:r>
+                        <a:rPr lang="en-US" dirty="0" smtClean="0"/>
+                        <a:t>0</a:t>
+                      </a:r>
+                      <a:endParaRPr lang="en-US" dirty="0"/>
+                    </a:p>
+                  </a:txBody>
+                  <a:tcPr/>
+                </a:tc>
+                <a:tc>
+                  <a:txBody>
+                    <a:bodyPr/>
+                    <a:lstStyle/>
+                    <a:p>
+                      <a:r>
+                        <a:rPr lang="en-US" dirty="0" smtClean="0"/>
+                        <a:t>0</a:t>
+                      </a:r>
+                      <a:endParaRPr lang="en-US" dirty="0"/>
+                    </a:p>
+                  </a:txBody>
+                  <a:tcPr/>
+                </a:tc>
+                <a:tc>
+                  <a:txBody>
+                    <a:bodyPr/>
+                    <a:lstStyle/>
+                    <a:p>
+                      <a:r>
+                        <a:rPr lang="en-US" dirty="0" smtClean="0"/>
+                        <a:t>0</a:t>
+                      </a:r>
+                      <a:endParaRPr lang="en-US" dirty="0"/>
+                    </a:p>
+                  </a:txBody>
+                  <a:tcPr/>
+                </a:tc>
+                <a:tc>
+                  <a:txBody>
+                    <a:bodyPr/>
+                    <a:lstStyle/>
+                    <a:p>
+                      <a:r>
+                        <a:rPr lang="en-US" dirty="0" smtClean="0"/>
+                        <a:t>0</a:t>
+                      </a:r>
+                      <a:endParaRPr lang="en-US" dirty="0"/>
+                    </a:p>
+                  </a:txBody>
+                  <a:tcPr/>
+                </a:tc>
+                <a:tc>
+                  <a:txBody>
+                    <a:bodyPr/>
+                    <a:lstStyle/>
+                    <a:p>
+                      <a:r>
+                        <a:rPr lang="en-US" dirty="0" smtClean="0"/>
+                        <a:t>0</a:t>
+                      </a:r>
+                      <a:endParaRPr lang="en-US" dirty="0"/>
+                    </a:p>
+                  </a:txBody>
+                  <a:tcPr/>
+                </a:tc>
+                <a:tc>
+                  <a:txBody>
+                    <a:bodyPr/>
+                    <a:lstStyle/>
+                    <a:p>
+                      <a:r>
+                        <a:rPr lang="en-US" dirty="0" smtClean="0"/>
+                        <a:t>0</a:t>
+                      </a:r>
+                      <a:endParaRPr lang="en-US" dirty="0"/>
+                    </a:p>
+                  </a:txBody>
+                  <a:tcPr/>
+                </a:tc>
+                <a:tc>
+                  <a:txBody>
+                    <a:bodyPr/>
+                    <a:lstStyle/>
+                    <a:p>
+                      <a:r>
+                        <a:rPr lang="en-US" dirty="0" smtClean="0"/>
+                        <a:t>0</a:t>
+                      </a:r>
+                      <a:endParaRPr lang="en-US" dirty="0"/>
+                    </a:p>
+                  </a:txBody>
+                  <a:tcPr/>
+                </a:tc>
+                <a:extLst>
+                  <a:ext uri="{0D108BD9-81ED-4DB2-BD59-A6C34878D82A}">
+                    <a16:rowId xmlns:a16="http://schemas.microsoft.com/office/drawing/2014/main" val="2063432553"/>
+                  </a:ext>
+                </a:extLst>
+              </a:tr>
+              <a:tr h="343033">
+                <a:tc>
+                  <a:txBody>
+                    <a:bodyPr/>
+                    <a:lstStyle/>
+                    <a:p>
+                      <a:r>
+                        <a:rPr lang="en-US" dirty="0" smtClean="0"/>
+                        <a:t>0</a:t>
+                      </a:r>
+                      <a:endParaRPr lang="en-US" dirty="0"/>
+                    </a:p>
+                  </a:txBody>
+                  <a:tcPr/>
+                </a:tc>
+                <a:tc>
+                  <a:txBody>
+                    <a:bodyPr/>
+                    <a:lstStyle/>
+                    <a:p>
+                      <a:r>
+                        <a:rPr lang="en-US" dirty="0" smtClean="0"/>
+                        <a:t>0</a:t>
+                      </a:r>
+                      <a:endParaRPr lang="en-US" dirty="0"/>
+                    </a:p>
+                  </a:txBody>
+                  <a:tcPr/>
+                </a:tc>
+                <a:tc>
+                  <a:txBody>
+                    <a:bodyPr/>
+                    <a:lstStyle/>
+                    <a:p>
+                      <a:r>
+                        <a:rPr lang="en-US" dirty="0" smtClean="0"/>
+                        <a:t>0</a:t>
+                      </a:r>
+                      <a:endParaRPr lang="en-US" dirty="0"/>
+                    </a:p>
+                  </a:txBody>
+                  <a:tcPr/>
+                </a:tc>
+                <a:tc>
+                  <a:txBody>
+                    <a:bodyPr/>
+                    <a:lstStyle/>
+                    <a:p>
+                      <a:r>
+                        <a:rPr lang="en-US" dirty="0" smtClean="0"/>
+                        <a:t>0</a:t>
+                      </a:r>
+                      <a:endParaRPr lang="en-US" dirty="0"/>
+                    </a:p>
+                  </a:txBody>
+                  <a:tcPr/>
+                </a:tc>
+                <a:tc>
+                  <a:txBody>
+                    <a:bodyPr/>
+                    <a:lstStyle/>
+                    <a:p>
+                      <a:r>
+                        <a:rPr lang="en-US" dirty="0" smtClean="0"/>
+                        <a:t>0</a:t>
+                      </a:r>
+                      <a:endParaRPr lang="en-US" dirty="0"/>
+                    </a:p>
+                  </a:txBody>
+                  <a:tcPr/>
+                </a:tc>
+                <a:tc>
+                  <a:txBody>
+                    <a:bodyPr/>
+                    <a:lstStyle/>
+                    <a:p>
+                      <a:r>
+                        <a:rPr lang="en-US" dirty="0" smtClean="0"/>
+                        <a:t>0</a:t>
+                      </a:r>
+                      <a:endParaRPr lang="en-US" dirty="0"/>
+                    </a:p>
+                  </a:txBody>
+                  <a:tcPr/>
+                </a:tc>
+                <a:tc>
+                  <a:txBody>
+                    <a:bodyPr/>
+                    <a:lstStyle/>
+                    <a:p>
+                      <a:r>
+                        <a:rPr lang="en-US" dirty="0" smtClean="0"/>
+                        <a:t>0</a:t>
+                      </a:r>
+                      <a:endParaRPr lang="en-US" dirty="0"/>
+                    </a:p>
+                  </a:txBody>
+                  <a:tcPr/>
+                </a:tc>
+                <a:extLst>
+                  <a:ext uri="{0D108BD9-81ED-4DB2-BD59-A6C34878D82A}">
+                    <a16:rowId xmlns:a16="http://schemas.microsoft.com/office/drawing/2014/main" val="3316289878"/>
+                  </a:ext>
+                </a:extLst>
+              </a:tr>
+              <a:tr h="343033">
+                <a:tc>
+                  <a:txBody>
+                    <a:bodyPr/>
+                    <a:lstStyle/>
+                    <a:p>
+                      <a:r>
+                        <a:rPr lang="en-US" dirty="0" smtClean="0"/>
+                        <a:t>0</a:t>
+                      </a:r>
+                      <a:endParaRPr lang="en-US" dirty="0"/>
+                    </a:p>
+                  </a:txBody>
+                  <a:tcPr/>
+                </a:tc>
+                <a:tc>
+                  <a:txBody>
+                    <a:bodyPr/>
+                    <a:lstStyle/>
+                    <a:p>
+                      <a:r>
+                        <a:rPr lang="en-US" dirty="0" smtClean="0"/>
+                        <a:t>0</a:t>
+                      </a:r>
+                      <a:endParaRPr lang="en-US" dirty="0"/>
+                    </a:p>
+                  </a:txBody>
+                  <a:tcPr/>
+                </a:tc>
+                <a:tc>
+                  <a:txBody>
+                    <a:bodyPr/>
+                    <a:lstStyle/>
+                    <a:p>
+                      <a:r>
+                        <a:rPr lang="en-US" altLang="zh-CN" dirty="0" smtClean="0"/>
+                        <a:t>a</a:t>
+                      </a:r>
+                      <a:endParaRPr lang="en-US" dirty="0"/>
+                    </a:p>
+                  </a:txBody>
+                  <a:tcPr/>
+                </a:tc>
+                <a:tc>
+                  <a:txBody>
+                    <a:bodyPr/>
+                    <a:lstStyle/>
+                    <a:p>
+                      <a:r>
+                        <a:rPr lang="en-US" dirty="0" smtClean="0"/>
+                        <a:t>b</a:t>
+                      </a:r>
+                      <a:endParaRPr lang="en-US" dirty="0"/>
+                    </a:p>
+                  </a:txBody>
+                  <a:tcPr/>
+                </a:tc>
+                <a:tc>
+                  <a:txBody>
+                    <a:bodyPr/>
+                    <a:lstStyle/>
+                    <a:p>
+                      <a:r>
+                        <a:rPr lang="en-US" dirty="0" smtClean="0"/>
+                        <a:t>c</a:t>
+                      </a:r>
+                      <a:endParaRPr lang="en-US" dirty="0"/>
+                    </a:p>
+                  </a:txBody>
+                  <a:tcPr/>
+                </a:tc>
+                <a:tc>
+                  <a:txBody>
+                    <a:bodyPr/>
+                    <a:lstStyle/>
+                    <a:p>
+                      <a:r>
+                        <a:rPr lang="en-US" dirty="0" smtClean="0"/>
+                        <a:t>0</a:t>
+                      </a:r>
+                      <a:endParaRPr lang="en-US" dirty="0"/>
+                    </a:p>
+                  </a:txBody>
+                  <a:tcPr/>
+                </a:tc>
+                <a:tc>
+                  <a:txBody>
+                    <a:bodyPr/>
+                    <a:lstStyle/>
+                    <a:p>
+                      <a:r>
+                        <a:rPr lang="en-US" dirty="0" smtClean="0"/>
+                        <a:t>0</a:t>
+                      </a:r>
+                      <a:endParaRPr lang="en-US" dirty="0"/>
+                    </a:p>
+                  </a:txBody>
+                  <a:tcPr/>
+                </a:tc>
+                <a:extLst>
+                  <a:ext uri="{0D108BD9-81ED-4DB2-BD59-A6C34878D82A}">
+                    <a16:rowId xmlns:a16="http://schemas.microsoft.com/office/drawing/2014/main" val="2114534413"/>
+                  </a:ext>
+                </a:extLst>
+              </a:tr>
+              <a:tr h="343033">
+                <a:tc>
+                  <a:txBody>
+                    <a:bodyPr/>
+                    <a:lstStyle/>
+                    <a:p>
+                      <a:r>
+                        <a:rPr lang="en-US" dirty="0" smtClean="0"/>
+                        <a:t>0</a:t>
+                      </a:r>
+                      <a:endParaRPr lang="en-US" dirty="0"/>
+                    </a:p>
+                  </a:txBody>
+                  <a:tcPr/>
+                </a:tc>
+                <a:tc>
+                  <a:txBody>
+                    <a:bodyPr/>
+                    <a:lstStyle/>
+                    <a:p>
+                      <a:r>
+                        <a:rPr lang="en-US" dirty="0" smtClean="0"/>
+                        <a:t>0</a:t>
+                      </a:r>
+                      <a:endParaRPr lang="en-US" dirty="0"/>
+                    </a:p>
+                  </a:txBody>
+                  <a:tcPr/>
+                </a:tc>
+                <a:tc>
+                  <a:txBody>
+                    <a:bodyPr/>
+                    <a:lstStyle/>
+                    <a:p>
+                      <a:r>
+                        <a:rPr lang="en-US" dirty="0" smtClean="0"/>
+                        <a:t>d</a:t>
+                      </a:r>
+                      <a:endParaRPr lang="en-US" dirty="0"/>
+                    </a:p>
+                  </a:txBody>
+                  <a:tcPr/>
+                </a:tc>
+                <a:tc>
+                  <a:txBody>
+                    <a:bodyPr/>
+                    <a:lstStyle/>
+                    <a:p>
+                      <a:r>
+                        <a:rPr lang="en-US" dirty="0" smtClean="0"/>
+                        <a:t>e</a:t>
+                      </a:r>
+                      <a:endParaRPr lang="en-US" dirty="0"/>
+                    </a:p>
+                  </a:txBody>
+                  <a:tcPr/>
+                </a:tc>
+                <a:tc>
+                  <a:txBody>
+                    <a:bodyPr/>
+                    <a:lstStyle/>
+                    <a:p>
+                      <a:r>
+                        <a:rPr lang="en-US" dirty="0" smtClean="0"/>
+                        <a:t>f</a:t>
+                      </a:r>
+                      <a:endParaRPr lang="en-US" dirty="0"/>
+                    </a:p>
+                  </a:txBody>
+                  <a:tcPr/>
+                </a:tc>
+                <a:tc>
+                  <a:txBody>
+                    <a:bodyPr/>
+                    <a:lstStyle/>
+                    <a:p>
+                      <a:r>
+                        <a:rPr lang="en-US" dirty="0" smtClean="0"/>
+                        <a:t>0</a:t>
+                      </a:r>
+                      <a:endParaRPr lang="en-US" dirty="0"/>
+                    </a:p>
+                  </a:txBody>
+                  <a:tcPr/>
+                </a:tc>
+                <a:tc>
+                  <a:txBody>
+                    <a:bodyPr/>
+                    <a:lstStyle/>
+                    <a:p>
+                      <a:r>
+                        <a:rPr lang="en-US" dirty="0" smtClean="0"/>
+                        <a:t>0</a:t>
+                      </a:r>
+                      <a:endParaRPr lang="en-US" dirty="0"/>
+                    </a:p>
+                  </a:txBody>
+                  <a:tcPr/>
+                </a:tc>
+                <a:extLst>
+                  <a:ext uri="{0D108BD9-81ED-4DB2-BD59-A6C34878D82A}">
+                    <a16:rowId xmlns:a16="http://schemas.microsoft.com/office/drawing/2014/main" val="962328598"/>
+                  </a:ext>
+                </a:extLst>
+              </a:tr>
+              <a:tr h="343033">
+                <a:tc>
+                  <a:txBody>
+                    <a:bodyPr/>
+                    <a:lstStyle/>
+                    <a:p>
+                      <a:r>
+                        <a:rPr lang="en-US" dirty="0" smtClean="0"/>
+                        <a:t>0</a:t>
+                      </a:r>
+                      <a:endParaRPr lang="en-US" dirty="0"/>
+                    </a:p>
+                  </a:txBody>
+                  <a:tcPr/>
+                </a:tc>
+                <a:tc>
+                  <a:txBody>
+                    <a:bodyPr/>
+                    <a:lstStyle/>
+                    <a:p>
+                      <a:r>
+                        <a:rPr lang="en-US" dirty="0" smtClean="0"/>
+                        <a:t>0</a:t>
+                      </a:r>
+                      <a:endParaRPr lang="en-US" dirty="0"/>
+                    </a:p>
+                  </a:txBody>
+                  <a:tcPr/>
+                </a:tc>
+                <a:tc>
+                  <a:txBody>
+                    <a:bodyPr/>
+                    <a:lstStyle/>
+                    <a:p>
+                      <a:r>
+                        <a:rPr lang="en-US" dirty="0" smtClean="0"/>
+                        <a:t>g</a:t>
+                      </a:r>
+                      <a:endParaRPr lang="en-US" dirty="0"/>
+                    </a:p>
+                  </a:txBody>
+                  <a:tcPr/>
+                </a:tc>
+                <a:tc>
+                  <a:txBody>
+                    <a:bodyPr/>
+                    <a:lstStyle/>
+                    <a:p>
+                      <a:r>
+                        <a:rPr lang="en-US" dirty="0" smtClean="0"/>
+                        <a:t>h</a:t>
+                      </a:r>
+                      <a:endParaRPr lang="en-US" dirty="0"/>
+                    </a:p>
+                  </a:txBody>
+                  <a:tcPr/>
+                </a:tc>
+                <a:tc>
+                  <a:txBody>
+                    <a:bodyPr/>
+                    <a:lstStyle/>
+                    <a:p>
+                      <a:r>
+                        <a:rPr lang="en-US" dirty="0" err="1" smtClean="0"/>
+                        <a:t>i</a:t>
+                      </a:r>
+                      <a:endParaRPr lang="en-US" dirty="0"/>
+                    </a:p>
+                  </a:txBody>
+                  <a:tcPr/>
+                </a:tc>
+                <a:tc>
+                  <a:txBody>
+                    <a:bodyPr/>
+                    <a:lstStyle/>
+                    <a:p>
+                      <a:r>
+                        <a:rPr lang="en-US" dirty="0" smtClean="0"/>
+                        <a:t>0</a:t>
+                      </a:r>
+                      <a:endParaRPr lang="en-US" dirty="0"/>
+                    </a:p>
+                  </a:txBody>
+                  <a:tcPr/>
+                </a:tc>
+                <a:tc>
+                  <a:txBody>
+                    <a:bodyPr/>
+                    <a:lstStyle/>
+                    <a:p>
+                      <a:r>
+                        <a:rPr lang="en-US" dirty="0" smtClean="0"/>
+                        <a:t>0</a:t>
+                      </a:r>
+                      <a:endParaRPr lang="en-US" dirty="0"/>
+                    </a:p>
+                  </a:txBody>
+                  <a:tcPr/>
+                </a:tc>
+                <a:extLst>
+                  <a:ext uri="{0D108BD9-81ED-4DB2-BD59-A6C34878D82A}">
+                    <a16:rowId xmlns:a16="http://schemas.microsoft.com/office/drawing/2014/main" val="1384186958"/>
+                  </a:ext>
+                </a:extLst>
+              </a:tr>
+              <a:tr h="343033">
+                <a:tc>
+                  <a:txBody>
+                    <a:bodyPr/>
+                    <a:lstStyle/>
+                    <a:p>
+                      <a:r>
+                        <a:rPr lang="en-US" dirty="0" smtClean="0"/>
+                        <a:t>0</a:t>
+                      </a:r>
+                      <a:endParaRPr lang="en-US" dirty="0"/>
+                    </a:p>
+                  </a:txBody>
+                  <a:tcPr/>
+                </a:tc>
+                <a:tc>
+                  <a:txBody>
+                    <a:bodyPr/>
+                    <a:lstStyle/>
+                    <a:p>
+                      <a:r>
+                        <a:rPr lang="en-US" dirty="0" smtClean="0"/>
+                        <a:t>0</a:t>
+                      </a:r>
+                      <a:endParaRPr lang="en-US" dirty="0"/>
+                    </a:p>
+                  </a:txBody>
+                  <a:tcPr/>
+                </a:tc>
+                <a:tc>
+                  <a:txBody>
+                    <a:bodyPr/>
+                    <a:lstStyle/>
+                    <a:p>
+                      <a:r>
+                        <a:rPr lang="en-US" dirty="0" smtClean="0"/>
+                        <a:t>0</a:t>
+                      </a:r>
+                      <a:endParaRPr lang="en-US" dirty="0"/>
+                    </a:p>
+                  </a:txBody>
+                  <a:tcPr/>
+                </a:tc>
+                <a:tc>
+                  <a:txBody>
+                    <a:bodyPr/>
+                    <a:lstStyle/>
+                    <a:p>
+                      <a:r>
+                        <a:rPr lang="en-US" dirty="0" smtClean="0"/>
+                        <a:t>0</a:t>
+                      </a:r>
+                      <a:endParaRPr lang="en-US" dirty="0"/>
+                    </a:p>
+                  </a:txBody>
+                  <a:tcPr/>
+                </a:tc>
+                <a:tc>
+                  <a:txBody>
+                    <a:bodyPr/>
+                    <a:lstStyle/>
+                    <a:p>
+                      <a:r>
+                        <a:rPr lang="en-US" dirty="0" smtClean="0"/>
+                        <a:t>0</a:t>
+                      </a:r>
+                      <a:endParaRPr lang="en-US" dirty="0"/>
+                    </a:p>
+                  </a:txBody>
+                  <a:tcPr/>
+                </a:tc>
+                <a:tc>
+                  <a:txBody>
+                    <a:bodyPr/>
+                    <a:lstStyle/>
+                    <a:p>
+                      <a:r>
+                        <a:rPr lang="en-US" dirty="0" smtClean="0"/>
+                        <a:t>0</a:t>
+                      </a:r>
+                      <a:endParaRPr lang="en-US" dirty="0"/>
+                    </a:p>
+                  </a:txBody>
+                  <a:tcPr/>
+                </a:tc>
+                <a:tc>
+                  <a:txBody>
+                    <a:bodyPr/>
+                    <a:lstStyle/>
+                    <a:p>
+                      <a:r>
+                        <a:rPr lang="en-US" dirty="0" smtClean="0"/>
+                        <a:t>0</a:t>
+                      </a:r>
+                      <a:endParaRPr lang="en-US" dirty="0"/>
+                    </a:p>
+                  </a:txBody>
+                  <a:tcPr/>
+                </a:tc>
+                <a:extLst>
+                  <a:ext uri="{0D108BD9-81ED-4DB2-BD59-A6C34878D82A}">
+                    <a16:rowId xmlns:a16="http://schemas.microsoft.com/office/drawing/2014/main" val="2689334360"/>
+                  </a:ext>
+                </a:extLst>
+              </a:tr>
+              <a:tr h="343033">
+                <a:tc>
+                  <a:txBody>
+                    <a:bodyPr/>
+                    <a:lstStyle/>
+                    <a:p>
+                      <a:r>
+                        <a:rPr lang="en-US" dirty="0" smtClean="0"/>
+                        <a:t>0</a:t>
+                      </a:r>
+                      <a:endParaRPr lang="en-US" dirty="0"/>
+                    </a:p>
+                  </a:txBody>
+                  <a:tcPr/>
+                </a:tc>
+                <a:tc>
+                  <a:txBody>
+                    <a:bodyPr/>
+                    <a:lstStyle/>
+                    <a:p>
+                      <a:r>
+                        <a:rPr lang="en-US" dirty="0" smtClean="0"/>
+                        <a:t>0</a:t>
+                      </a:r>
+                      <a:endParaRPr lang="en-US" dirty="0"/>
+                    </a:p>
+                  </a:txBody>
+                  <a:tcPr/>
+                </a:tc>
+                <a:tc>
+                  <a:txBody>
+                    <a:bodyPr/>
+                    <a:lstStyle/>
+                    <a:p>
+                      <a:r>
+                        <a:rPr lang="en-US" dirty="0" smtClean="0"/>
+                        <a:t>0</a:t>
+                      </a:r>
+                      <a:endParaRPr lang="en-US" dirty="0"/>
+                    </a:p>
+                  </a:txBody>
+                  <a:tcPr/>
+                </a:tc>
+                <a:tc>
+                  <a:txBody>
+                    <a:bodyPr/>
+                    <a:lstStyle/>
+                    <a:p>
+                      <a:r>
+                        <a:rPr lang="en-US" dirty="0" smtClean="0"/>
+                        <a:t>0</a:t>
+                      </a:r>
+                      <a:endParaRPr lang="en-US" dirty="0"/>
+                    </a:p>
+                  </a:txBody>
+                  <a:tcPr/>
+                </a:tc>
+                <a:tc>
+                  <a:txBody>
+                    <a:bodyPr/>
+                    <a:lstStyle/>
+                    <a:p>
+                      <a:r>
+                        <a:rPr lang="en-US" dirty="0" smtClean="0"/>
+                        <a:t>0</a:t>
+                      </a:r>
+                      <a:endParaRPr lang="en-US" dirty="0"/>
+                    </a:p>
+                  </a:txBody>
+                  <a:tcPr/>
+                </a:tc>
+                <a:tc>
+                  <a:txBody>
+                    <a:bodyPr/>
+                    <a:lstStyle/>
+                    <a:p>
+                      <a:r>
+                        <a:rPr lang="en-US" dirty="0" smtClean="0"/>
+                        <a:t>0</a:t>
+                      </a:r>
+                      <a:endParaRPr lang="en-US" dirty="0"/>
+                    </a:p>
+                  </a:txBody>
+                  <a:tcPr/>
+                </a:tc>
+                <a:tc>
+                  <a:txBody>
+                    <a:bodyPr/>
+                    <a:lstStyle/>
+                    <a:p>
+                      <a:r>
+                        <a:rPr lang="en-US" dirty="0" smtClean="0"/>
+                        <a:t>0</a:t>
+                      </a:r>
+                      <a:endParaRPr lang="en-US" dirty="0"/>
+                    </a:p>
+                  </a:txBody>
+                  <a:tcPr/>
+                </a:tc>
+                <a:extLst>
+                  <a:ext uri="{0D108BD9-81ED-4DB2-BD59-A6C34878D82A}">
+                    <a16:rowId xmlns:a16="http://schemas.microsoft.com/office/drawing/2014/main" val="1098773015"/>
+                  </a:ext>
+                </a:extLst>
+              </a:tr>
+            </a:tbl>
+          </a:graphicData>
+        </a:graphic>
+      </p:graphicFrame>
+      <p:graphicFrame>
+        <p:nvGraphicFramePr>
+          <p:cNvPr id="26" name="Table 25"/>
+          <p:cNvGraphicFramePr>
+            <a:graphicFrameLocks noGrp="1"/>
+          </p:cNvGraphicFramePr>
+          <p:nvPr>
+            <p:extLst>
+              <p:ext uri="{D42A27DB-BD31-4B8C-83A1-F6EECF244321}">
+                <p14:modId xmlns:p14="http://schemas.microsoft.com/office/powerpoint/2010/main" val="3593777717"/>
+              </p:ext>
+            </p:extLst>
+          </p:nvPr>
+        </p:nvGraphicFramePr>
+        <p:xfrm>
+          <a:off x="8352282" y="4823938"/>
+          <a:ext cx="1113150" cy="1097280"/>
+        </p:xfrm>
+        <a:graphic>
+          <a:graphicData uri="http://schemas.openxmlformats.org/drawingml/2006/table">
+            <a:tbl>
+              <a:tblPr firstRow="1" bandRow="1">
+                <a:tableStyleId>{5940675A-B579-460E-94D1-54222C63F5DA}</a:tableStyleId>
+              </a:tblPr>
+              <a:tblGrid>
+                <a:gridCol w="371050">
+                  <a:extLst>
+                    <a:ext uri="{9D8B030D-6E8A-4147-A177-3AD203B41FA5}">
+                      <a16:colId xmlns:a16="http://schemas.microsoft.com/office/drawing/2014/main" val="357248708"/>
+                    </a:ext>
+                  </a:extLst>
+                </a:gridCol>
+                <a:gridCol w="371050">
+                  <a:extLst>
+                    <a:ext uri="{9D8B030D-6E8A-4147-A177-3AD203B41FA5}">
+                      <a16:colId xmlns:a16="http://schemas.microsoft.com/office/drawing/2014/main" val="3752084429"/>
+                    </a:ext>
+                  </a:extLst>
+                </a:gridCol>
+                <a:gridCol w="371050">
+                  <a:extLst>
+                    <a:ext uri="{9D8B030D-6E8A-4147-A177-3AD203B41FA5}">
+                      <a16:colId xmlns:a16="http://schemas.microsoft.com/office/drawing/2014/main" val="3030899842"/>
+                    </a:ext>
+                  </a:extLst>
+                </a:gridCol>
+              </a:tblGrid>
+              <a:tr h="314154">
+                <a:tc>
+                  <a:txBody>
+                    <a:bodyPr/>
+                    <a:lstStyle/>
+                    <a:p>
+                      <a:r>
+                        <a:rPr lang="en-US" altLang="zh-CN" dirty="0" smtClean="0"/>
+                        <a:t>a</a:t>
+                      </a:r>
+                      <a:endParaRPr lang="en-US" dirty="0"/>
+                    </a:p>
+                  </a:txBody>
+                  <a:tcPr/>
+                </a:tc>
+                <a:tc>
+                  <a:txBody>
+                    <a:bodyPr/>
+                    <a:lstStyle/>
+                    <a:p>
+                      <a:r>
+                        <a:rPr lang="en-US" dirty="0" smtClean="0"/>
+                        <a:t>b</a:t>
+                      </a:r>
+                      <a:endParaRPr lang="en-US" dirty="0"/>
+                    </a:p>
+                  </a:txBody>
+                  <a:tcPr/>
+                </a:tc>
+                <a:tc>
+                  <a:txBody>
+                    <a:bodyPr/>
+                    <a:lstStyle/>
+                    <a:p>
+                      <a:r>
+                        <a:rPr lang="en-US" dirty="0" smtClean="0"/>
+                        <a:t>c</a:t>
+                      </a:r>
+                      <a:endParaRPr lang="en-US" dirty="0"/>
+                    </a:p>
+                  </a:txBody>
+                  <a:tcPr/>
+                </a:tc>
+                <a:extLst>
+                  <a:ext uri="{0D108BD9-81ED-4DB2-BD59-A6C34878D82A}">
+                    <a16:rowId xmlns:a16="http://schemas.microsoft.com/office/drawing/2014/main" val="2063432553"/>
+                  </a:ext>
+                </a:extLst>
+              </a:tr>
+              <a:tr h="314154">
+                <a:tc>
+                  <a:txBody>
+                    <a:bodyPr/>
+                    <a:lstStyle/>
+                    <a:p>
+                      <a:r>
+                        <a:rPr lang="en-US" dirty="0" smtClean="0"/>
+                        <a:t>d</a:t>
+                      </a:r>
+                      <a:endParaRPr lang="en-US" dirty="0"/>
+                    </a:p>
+                  </a:txBody>
+                  <a:tcPr/>
+                </a:tc>
+                <a:tc>
+                  <a:txBody>
+                    <a:bodyPr/>
+                    <a:lstStyle/>
+                    <a:p>
+                      <a:r>
+                        <a:rPr lang="en-US" dirty="0" smtClean="0"/>
+                        <a:t>e</a:t>
+                      </a:r>
+                      <a:endParaRPr lang="en-US" dirty="0"/>
+                    </a:p>
+                  </a:txBody>
+                  <a:tcPr/>
+                </a:tc>
+                <a:tc>
+                  <a:txBody>
+                    <a:bodyPr/>
+                    <a:lstStyle/>
+                    <a:p>
+                      <a:r>
+                        <a:rPr lang="en-US" dirty="0" smtClean="0"/>
+                        <a:t>f</a:t>
+                      </a:r>
+                      <a:endParaRPr lang="en-US" dirty="0"/>
+                    </a:p>
+                  </a:txBody>
+                  <a:tcPr/>
+                </a:tc>
+                <a:extLst>
+                  <a:ext uri="{0D108BD9-81ED-4DB2-BD59-A6C34878D82A}">
+                    <a16:rowId xmlns:a16="http://schemas.microsoft.com/office/drawing/2014/main" val="3316289878"/>
+                  </a:ext>
+                </a:extLst>
+              </a:tr>
+              <a:tr h="314154">
+                <a:tc>
+                  <a:txBody>
+                    <a:bodyPr/>
+                    <a:lstStyle/>
+                    <a:p>
+                      <a:r>
+                        <a:rPr lang="en-US" dirty="0" smtClean="0"/>
+                        <a:t>g</a:t>
+                      </a:r>
+                      <a:endParaRPr lang="en-US" dirty="0"/>
+                    </a:p>
+                  </a:txBody>
+                  <a:tcPr/>
+                </a:tc>
+                <a:tc>
+                  <a:txBody>
+                    <a:bodyPr/>
+                    <a:lstStyle/>
+                    <a:p>
+                      <a:r>
+                        <a:rPr lang="en-US" dirty="0" smtClean="0"/>
+                        <a:t>h</a:t>
+                      </a:r>
+                      <a:endParaRPr lang="en-US" dirty="0"/>
+                    </a:p>
+                  </a:txBody>
+                  <a:tcPr/>
+                </a:tc>
+                <a:tc>
+                  <a:txBody>
+                    <a:bodyPr/>
+                    <a:lstStyle/>
+                    <a:p>
+                      <a:r>
+                        <a:rPr lang="en-US" dirty="0" err="1" smtClean="0"/>
+                        <a:t>i</a:t>
+                      </a:r>
+                      <a:endParaRPr lang="en-US" dirty="0"/>
+                    </a:p>
+                  </a:txBody>
+                  <a:tcPr/>
+                </a:tc>
+                <a:extLst>
+                  <a:ext uri="{0D108BD9-81ED-4DB2-BD59-A6C34878D82A}">
+                    <a16:rowId xmlns:a16="http://schemas.microsoft.com/office/drawing/2014/main" val="2114534413"/>
+                  </a:ext>
+                </a:extLst>
+              </a:tr>
+            </a:tbl>
+          </a:graphicData>
+        </a:graphic>
+      </p:graphicFrame>
+      <p:pic>
+        <p:nvPicPr>
+          <p:cNvPr id="14" name="Picture 13"/>
+          <p:cNvPicPr>
+            <a:picLocks noChangeAspect="1"/>
+          </p:cNvPicPr>
+          <p:nvPr/>
+        </p:nvPicPr>
+        <p:blipFill>
+          <a:blip r:embed="rId10"/>
+          <a:stretch>
+            <a:fillRect/>
+          </a:stretch>
+        </p:blipFill>
+        <p:spPr>
+          <a:xfrm>
+            <a:off x="1626073" y="5921218"/>
+            <a:ext cx="2613174" cy="397428"/>
+          </a:xfrm>
+          <a:prstGeom prst="rect">
+            <a:avLst/>
+          </a:prstGeom>
+        </p:spPr>
+      </p:pic>
+      <p:pic>
+        <p:nvPicPr>
+          <p:cNvPr id="15" name="Picture 14"/>
+          <p:cNvPicPr>
+            <a:picLocks noChangeAspect="1"/>
+          </p:cNvPicPr>
+          <p:nvPr/>
+        </p:nvPicPr>
+        <p:blipFill>
+          <a:blip r:embed="rId11"/>
+          <a:stretch>
+            <a:fillRect/>
+          </a:stretch>
+        </p:blipFill>
+        <p:spPr>
+          <a:xfrm>
+            <a:off x="1626074" y="6406089"/>
+            <a:ext cx="2613174" cy="387668"/>
+          </a:xfrm>
+          <a:prstGeom prst="rect">
+            <a:avLst/>
+          </a:prstGeom>
+        </p:spPr>
+      </p:pic>
+      <p:pic>
+        <p:nvPicPr>
+          <p:cNvPr id="20" name="Picture 19"/>
+          <p:cNvPicPr>
+            <a:picLocks noChangeAspect="1"/>
+          </p:cNvPicPr>
+          <p:nvPr/>
+        </p:nvPicPr>
+        <p:blipFill>
+          <a:blip r:embed="rId12"/>
+          <a:stretch>
+            <a:fillRect/>
+          </a:stretch>
+        </p:blipFill>
+        <p:spPr>
+          <a:xfrm>
+            <a:off x="314533" y="6506490"/>
+            <a:ext cx="1130770" cy="186865"/>
+          </a:xfrm>
+          <a:prstGeom prst="rect">
+            <a:avLst/>
+          </a:prstGeom>
+        </p:spPr>
+      </p:pic>
+      <p:pic>
+        <p:nvPicPr>
+          <p:cNvPr id="21" name="Picture 20"/>
+          <p:cNvPicPr>
+            <a:picLocks noChangeAspect="1"/>
+          </p:cNvPicPr>
+          <p:nvPr/>
+        </p:nvPicPr>
+        <p:blipFill>
+          <a:blip r:embed="rId13"/>
+          <a:stretch>
+            <a:fillRect/>
+          </a:stretch>
+        </p:blipFill>
+        <p:spPr>
+          <a:xfrm>
+            <a:off x="314534" y="6010945"/>
+            <a:ext cx="1130770" cy="180339"/>
+          </a:xfrm>
+          <a:prstGeom prst="rect">
+            <a:avLst/>
+          </a:prstGeom>
+        </p:spPr>
+      </p:pic>
+      <p:sp>
+        <p:nvSpPr>
+          <p:cNvPr id="22" name="Rectangle 21"/>
+          <p:cNvSpPr/>
+          <p:nvPr/>
+        </p:nvSpPr>
+        <p:spPr>
+          <a:xfrm>
+            <a:off x="4409481" y="5949314"/>
+            <a:ext cx="646331" cy="369332"/>
+          </a:xfrm>
+          <a:prstGeom prst="rect">
+            <a:avLst/>
+          </a:prstGeom>
+        </p:spPr>
+        <p:txBody>
+          <a:bodyPr wrap="none">
+            <a:spAutoFit/>
+          </a:bodyPr>
+          <a:lstStyle/>
+          <a:p>
+            <a:r>
+              <a:rPr lang="zh-CN" altLang="en-US" dirty="0"/>
+              <a:t>卷积</a:t>
+            </a:r>
+            <a:endParaRPr lang="en-US" dirty="0"/>
+          </a:p>
+        </p:txBody>
+      </p:sp>
+      <p:sp>
+        <p:nvSpPr>
+          <p:cNvPr id="23" name="Rectangle 22"/>
+          <p:cNvSpPr/>
+          <p:nvPr/>
+        </p:nvSpPr>
+        <p:spPr>
+          <a:xfrm>
+            <a:off x="4409481" y="6403889"/>
+            <a:ext cx="646331" cy="369332"/>
+          </a:xfrm>
+          <a:prstGeom prst="rect">
+            <a:avLst/>
+          </a:prstGeom>
+        </p:spPr>
+        <p:txBody>
+          <a:bodyPr wrap="none">
+            <a:spAutoFit/>
+          </a:bodyPr>
+          <a:lstStyle/>
+          <a:p>
+            <a:r>
+              <a:rPr lang="zh-CN" altLang="en-US" dirty="0"/>
+              <a:t>相关</a:t>
+            </a:r>
+            <a:endParaRPr lang="en-US" dirty="0"/>
+          </a:p>
+        </p:txBody>
+      </p:sp>
+    </p:spTree>
+    <p:extLst>
+      <p:ext uri="{BB962C8B-B14F-4D97-AF65-F5344CB8AC3E}">
+        <p14:creationId xmlns:p14="http://schemas.microsoft.com/office/powerpoint/2010/main" val="3028296478"/>
+      </p:ext>
+    </p:extLst>
+  </p:cSld>
+  <p:clrMapOvr>
+    <a:masterClrMapping/>
+  </p:clrMapOvr>
+</p:sld>
+</file>
+
+<file path=ppt/slides/slide3.xml><?xml version="1.0" encoding="utf-8"?>
+<p:sld xmlns:a="http://schemas.openxmlformats.org/drawingml/2006/main" xmlns:r="http://schemas.openxmlformats.org/officeDocument/2006/relationships" xmlns:p="http://schemas.openxmlformats.org/presentationml/2006/main">
+  <p:cSld>
+    <p:spTree>
+      <p:nvGrpSpPr>
+        <p:cNvPr id="1" name=""/>
+        <p:cNvGrpSpPr/>
+        <p:nvPr/>
+      </p:nvGrpSpPr>
+      <p:grpSpPr>
+        <a:xfrm>
+          <a:off x="0" y="0"/>
+          <a:ext cx="0" cy="0"/>
+          <a:chOff x="0" y="0"/>
+          <a:chExt cx="0" cy="0"/>
+        </a:xfrm>
+      </p:grpSpPr>
+      <p:sp>
+        <p:nvSpPr>
+          <p:cNvPr id="2" name="Title 1"/>
+          <p:cNvSpPr>
+            <a:spLocks noGrp="1"/>
+          </p:cNvSpPr>
+          <p:nvPr>
+            <p:ph type="title"/>
+          </p:nvPr>
+        </p:nvSpPr>
+        <p:spPr/>
+        <p:txBody>
+          <a:bodyPr/>
+          <a:lstStyle/>
+          <a:p>
+            <a:r>
+              <a:rPr lang="zh-CN" altLang="en-US" dirty="0"/>
+              <a:t>图</a:t>
+            </a:r>
+            <a:r>
+              <a:rPr lang="zh-CN" altLang="en-US" dirty="0" smtClean="0"/>
+              <a:t>像做输入 </a:t>
+            </a:r>
+            <a:r>
+              <a:rPr lang="en-US" altLang="zh-CN" dirty="0" smtClean="0"/>
+              <a:t>- </a:t>
+            </a:r>
+            <a:r>
+              <a:rPr lang="zh-CN" altLang="en-US" dirty="0" smtClean="0"/>
+              <a:t>传统做法</a:t>
+            </a:r>
+            <a:endParaRPr lang="en-US" dirty="0"/>
+          </a:p>
+        </p:txBody>
+      </p:sp>
+      <p:sp>
+        <p:nvSpPr>
+          <p:cNvPr id="3" name="Content Placeholder 2"/>
+          <p:cNvSpPr>
+            <a:spLocks noGrp="1"/>
+          </p:cNvSpPr>
+          <p:nvPr>
+            <p:ph idx="1"/>
+          </p:nvPr>
+        </p:nvSpPr>
+        <p:spPr/>
+        <p:txBody>
+          <a:bodyPr/>
+          <a:lstStyle/>
+          <a:p>
+            <a:r>
+              <a:rPr lang="zh-CN" altLang="en-US" dirty="0" smtClean="0"/>
+              <a:t>来盘</a:t>
+            </a:r>
+            <a:r>
+              <a:rPr lang="en-US" altLang="zh-CN" dirty="0" smtClean="0"/>
+              <a:t>CODE @</a:t>
+            </a:r>
+            <a:r>
+              <a:rPr lang="en-US" altLang="zh-CN" dirty="0" smtClean="0">
+                <a:hlinkClick r:id="rId3"/>
+              </a:rPr>
+              <a:t>HERE</a:t>
+            </a:r>
+            <a:endParaRPr lang="en-US" dirty="0"/>
+          </a:p>
+        </p:txBody>
+      </p:sp>
+      <p:pic>
+        <p:nvPicPr>
+          <p:cNvPr id="4" name="Picture 3"/>
+          <p:cNvPicPr>
+            <a:picLocks noChangeAspect="1"/>
+          </p:cNvPicPr>
+          <p:nvPr/>
+        </p:nvPicPr>
+        <p:blipFill>
+          <a:blip r:embed="rId4"/>
+          <a:stretch>
+            <a:fillRect/>
+          </a:stretch>
+        </p:blipFill>
+        <p:spPr>
+          <a:xfrm>
+            <a:off x="6215636" y="1346773"/>
+            <a:ext cx="3020588" cy="2381400"/>
+          </a:xfrm>
+          <a:prstGeom prst="rect">
+            <a:avLst/>
+          </a:prstGeom>
+        </p:spPr>
+      </p:pic>
+      <p:pic>
+        <p:nvPicPr>
+          <p:cNvPr id="5" name="Picture 4"/>
+          <p:cNvPicPr>
+            <a:picLocks noChangeAspect="1"/>
+          </p:cNvPicPr>
+          <p:nvPr/>
+        </p:nvPicPr>
+        <p:blipFill>
+          <a:blip r:embed="rId5"/>
+          <a:stretch>
+            <a:fillRect/>
+          </a:stretch>
+        </p:blipFill>
+        <p:spPr>
+          <a:xfrm>
+            <a:off x="9949263" y="788575"/>
+            <a:ext cx="1748250" cy="3363120"/>
+          </a:xfrm>
+          <a:prstGeom prst="rect">
+            <a:avLst/>
+          </a:prstGeom>
+        </p:spPr>
+      </p:pic>
+      <p:pic>
+        <p:nvPicPr>
+          <p:cNvPr id="6" name="Picture 5"/>
+          <p:cNvPicPr>
+            <a:picLocks noChangeAspect="1"/>
+          </p:cNvPicPr>
+          <p:nvPr/>
+        </p:nvPicPr>
+        <p:blipFill>
+          <a:blip r:embed="rId6"/>
+          <a:stretch>
+            <a:fillRect/>
+          </a:stretch>
+        </p:blipFill>
+        <p:spPr>
+          <a:xfrm>
+            <a:off x="9660756" y="4853259"/>
+            <a:ext cx="1864800" cy="1603800"/>
+          </a:xfrm>
+          <a:prstGeom prst="rect">
+            <a:avLst/>
+          </a:prstGeom>
+        </p:spPr>
+      </p:pic>
+      <p:sp>
+        <p:nvSpPr>
+          <p:cNvPr id="7" name="TextBox 6"/>
+          <p:cNvSpPr txBox="1"/>
+          <p:nvPr/>
+        </p:nvSpPr>
+        <p:spPr>
+          <a:xfrm>
+            <a:off x="9660756" y="4347545"/>
+            <a:ext cx="2093843" cy="369332"/>
+          </a:xfrm>
+          <a:prstGeom prst="rect">
+            <a:avLst/>
+          </a:prstGeom>
+          <a:noFill/>
+        </p:spPr>
+        <p:txBody>
+          <a:bodyPr wrap="none" rtlCol="0">
+            <a:spAutoFit/>
+          </a:bodyPr>
+          <a:lstStyle/>
+          <a:p>
+            <a:r>
+              <a:rPr lang="zh-CN" altLang="en-US" dirty="0" smtClean="0"/>
+              <a:t>丢失</a:t>
+            </a:r>
+            <a:r>
+              <a:rPr lang="zh-CN" altLang="en-US" dirty="0"/>
+              <a:t>空</a:t>
+            </a:r>
+            <a:r>
+              <a:rPr lang="zh-CN" altLang="en-US" dirty="0" smtClean="0"/>
+              <a:t>间结构特征</a:t>
+            </a:r>
+            <a:r>
+              <a:rPr lang="en-US" altLang="zh-CN" dirty="0" smtClean="0"/>
+              <a:t>:</a:t>
+            </a:r>
+            <a:endParaRPr lang="en-US" dirty="0"/>
+          </a:p>
+        </p:txBody>
+      </p:sp>
+      <p:pic>
+        <p:nvPicPr>
+          <p:cNvPr id="8" name="Picture 7"/>
+          <p:cNvPicPr>
+            <a:picLocks noChangeAspect="1"/>
+          </p:cNvPicPr>
+          <p:nvPr/>
+        </p:nvPicPr>
+        <p:blipFill>
+          <a:blip r:embed="rId7"/>
+          <a:stretch>
+            <a:fillRect/>
+          </a:stretch>
+        </p:blipFill>
+        <p:spPr>
+          <a:xfrm>
+            <a:off x="1145461" y="2430668"/>
+            <a:ext cx="3652838" cy="523875"/>
+          </a:xfrm>
+          <a:prstGeom prst="rect">
+            <a:avLst/>
+          </a:prstGeom>
+        </p:spPr>
+      </p:pic>
+    </p:spTree>
+    <p:extLst>
+      <p:ext uri="{BB962C8B-B14F-4D97-AF65-F5344CB8AC3E}">
+        <p14:creationId xmlns:p14="http://schemas.microsoft.com/office/powerpoint/2010/main" val="660951829"/>
+      </p:ext>
+    </p:extLst>
+  </p:cSld>
+  <p:clrMapOvr>
+    <a:masterClrMapping/>
+  </p:clrMapOvr>
+</p:sld>
+</file>
+
+<file path=ppt/slides/slide4.xml><?xml version="1.0" encoding="utf-8"?>
+<p:sld xmlns:a="http://schemas.openxmlformats.org/drawingml/2006/main" xmlns:r="http://schemas.openxmlformats.org/officeDocument/2006/relationships" xmlns:p="http://schemas.openxmlformats.org/presentationml/2006/main">
+  <p:cSld>
+    <p:spTree>
+      <p:nvGrpSpPr>
+        <p:cNvPr id="1" name=""/>
+        <p:cNvGrpSpPr/>
+        <p:nvPr/>
+      </p:nvGrpSpPr>
+      <p:grpSpPr>
+        <a:xfrm>
+          <a:off x="0" y="0"/>
+          <a:ext cx="0" cy="0"/>
+          <a:chOff x="0" y="0"/>
+          <a:chExt cx="0" cy="0"/>
+        </a:xfrm>
+      </p:grpSpPr>
+      <p:sp>
+        <p:nvSpPr>
+          <p:cNvPr id="2" name="Title 1"/>
+          <p:cNvSpPr>
+            <a:spLocks noGrp="1"/>
+          </p:cNvSpPr>
+          <p:nvPr>
+            <p:ph type="title"/>
+          </p:nvPr>
+        </p:nvSpPr>
+        <p:spPr/>
+        <p:txBody>
+          <a:bodyPr/>
+          <a:lstStyle/>
+          <a:p>
+            <a:r>
+              <a:rPr lang="en-US" dirty="0" err="1" smtClean="0"/>
+              <a:t>ConvNet</a:t>
+            </a:r>
+            <a:endParaRPr lang="en-US" dirty="0"/>
+          </a:p>
+        </p:txBody>
+      </p:sp>
+      <p:sp>
+        <p:nvSpPr>
+          <p:cNvPr id="3" name="Content Placeholder 2"/>
+          <p:cNvSpPr>
+            <a:spLocks noGrp="1"/>
+          </p:cNvSpPr>
+          <p:nvPr>
+            <p:ph idx="1"/>
+          </p:nvPr>
+        </p:nvSpPr>
+        <p:spPr/>
+        <p:txBody>
+          <a:bodyPr>
+            <a:normAutofit lnSpcReduction="10000"/>
+          </a:bodyPr>
+          <a:lstStyle/>
+          <a:p>
+            <a:r>
+              <a:rPr lang="en-US" altLang="zh-CN" dirty="0" smtClean="0"/>
+              <a:t>LeNet-5, 1998</a:t>
+            </a:r>
+          </a:p>
+          <a:p>
+            <a:pPr lvl="1"/>
+            <a:r>
+              <a:rPr lang="en-US" altLang="zh-CN" dirty="0" smtClean="0"/>
+              <a:t>CNN</a:t>
+            </a:r>
+            <a:endParaRPr lang="en-US" dirty="0" smtClean="0"/>
+          </a:p>
+          <a:p>
+            <a:endParaRPr lang="en-US" dirty="0" smtClean="0"/>
+          </a:p>
+          <a:p>
+            <a:endParaRPr lang="en-US" dirty="0"/>
+          </a:p>
+          <a:p>
+            <a:endParaRPr lang="en-US" dirty="0" smtClean="0"/>
+          </a:p>
+          <a:p>
+            <a:r>
+              <a:rPr lang="en-US" dirty="0" err="1" smtClean="0"/>
+              <a:t>AlexNet</a:t>
+            </a:r>
+            <a:r>
+              <a:rPr lang="en-US" dirty="0"/>
+              <a:t>, </a:t>
+            </a:r>
+            <a:r>
+              <a:rPr lang="en-US" dirty="0" smtClean="0"/>
+              <a:t>2012</a:t>
+            </a:r>
+          </a:p>
+          <a:p>
+            <a:pPr lvl="1"/>
+            <a:r>
+              <a:rPr lang="en-US" sz="1800" dirty="0" err="1" smtClean="0"/>
+              <a:t>ReLU</a:t>
+            </a:r>
+            <a:endParaRPr lang="en-US" sz="1800" dirty="0" smtClean="0"/>
+          </a:p>
+          <a:p>
+            <a:pPr lvl="1"/>
+            <a:r>
+              <a:rPr lang="en-US" sz="1800" dirty="0" smtClean="0"/>
+              <a:t>Batch Normalization</a:t>
+            </a:r>
+          </a:p>
+          <a:p>
+            <a:pPr lvl="1"/>
+            <a:r>
+              <a:rPr lang="en-US" sz="1800" dirty="0" smtClean="0"/>
+              <a:t>Max Pooling</a:t>
+            </a:r>
+          </a:p>
+          <a:p>
+            <a:pPr lvl="1"/>
+            <a:r>
+              <a:rPr lang="en-US" sz="1800" dirty="0"/>
+              <a:t>Data </a:t>
+            </a:r>
+            <a:r>
+              <a:rPr lang="en-US" sz="1800" dirty="0" smtClean="0"/>
+              <a:t>Augmentation</a:t>
+            </a:r>
+          </a:p>
+          <a:p>
+            <a:pPr lvl="1"/>
+            <a:r>
+              <a:rPr lang="en-US" sz="1800" dirty="0" smtClean="0"/>
+              <a:t>Dropout regularization</a:t>
+            </a:r>
+          </a:p>
+          <a:p>
+            <a:pPr lvl="1"/>
+            <a:endParaRPr lang="en-US" sz="1800" dirty="0"/>
+          </a:p>
+          <a:p>
+            <a:endParaRPr lang="en-US" sz="2200" dirty="0"/>
+          </a:p>
+        </p:txBody>
+      </p:sp>
+      <p:pic>
+        <p:nvPicPr>
+          <p:cNvPr id="5122" name="Picture 2" descr="https://world4jason.gitbooks.io/research-log/content/deepLearning/CNN/img/lenet.png"/>
+          <p:cNvPicPr>
+            <a:picLocks noChangeAspect="1" noChangeArrowheads="1"/>
+          </p:cNvPicPr>
+          <p:nvPr/>
+        </p:nvPicPr>
+        <p:blipFill>
+          <a:blip r:embed="rId3">
+            <a:extLst>
+              <a:ext uri="{28A0092B-C50C-407E-A947-70E740481C1C}">
+                <a14:useLocalDpi xmlns:a14="http://schemas.microsoft.com/office/drawing/2010/main" val="0"/>
+              </a:ext>
+            </a:extLst>
+          </a:blip>
+          <a:srcRect/>
+          <a:stretch>
+            <a:fillRect/>
+          </a:stretch>
+        </p:blipFill>
+        <p:spPr bwMode="auto">
+          <a:xfrm>
+            <a:off x="4023684" y="1604186"/>
+            <a:ext cx="7264879" cy="2507541"/>
+          </a:xfrm>
+          <a:prstGeom prst="rect">
+            <a:avLst/>
+          </a:prstGeom>
+          <a:noFill/>
+          <a:extLst>
+            <a:ext uri="{909E8E84-426E-40DD-AFC4-6F175D3DCCD1}">
+              <a14:hiddenFill xmlns:a14="http://schemas.microsoft.com/office/drawing/2010/main">
+                <a:solidFill>
+                  <a:srgbClr val="FFFFFF"/>
+                </a:solidFill>
+              </a14:hiddenFill>
+            </a:ext>
+          </a:extLst>
+        </p:spPr>
+      </p:pic>
+      <p:pic>
+        <p:nvPicPr>
+          <p:cNvPr id="4" name="Picture 3"/>
+          <p:cNvPicPr>
+            <a:picLocks noChangeAspect="1"/>
+          </p:cNvPicPr>
+          <p:nvPr/>
+        </p:nvPicPr>
+        <p:blipFill>
+          <a:blip r:embed="rId4"/>
+          <a:stretch>
+            <a:fillRect/>
+          </a:stretch>
+        </p:blipFill>
+        <p:spPr>
+          <a:xfrm>
+            <a:off x="4224578" y="4362450"/>
+            <a:ext cx="5676900" cy="2495550"/>
+          </a:xfrm>
+          <a:prstGeom prst="rect">
+            <a:avLst/>
+          </a:prstGeom>
+        </p:spPr>
+      </p:pic>
+      <p:sp>
+        <p:nvSpPr>
+          <p:cNvPr id="5" name="TextBox 4"/>
+          <p:cNvSpPr txBox="1"/>
+          <p:nvPr/>
+        </p:nvSpPr>
+        <p:spPr>
+          <a:xfrm>
+            <a:off x="10145091" y="6242918"/>
+            <a:ext cx="1971181" cy="369332"/>
+          </a:xfrm>
+          <a:prstGeom prst="rect">
+            <a:avLst/>
+          </a:prstGeom>
+          <a:noFill/>
+        </p:spPr>
+        <p:txBody>
+          <a:bodyPr wrap="none" rtlCol="0">
+            <a:spAutoFit/>
+          </a:bodyPr>
+          <a:lstStyle/>
+          <a:p>
+            <a:r>
+              <a:rPr lang="en-US" dirty="0" smtClean="0"/>
+              <a:t>Good Read @</a:t>
+            </a:r>
+            <a:r>
+              <a:rPr lang="en-US" dirty="0" smtClean="0">
+                <a:hlinkClick r:id="rId5"/>
+              </a:rPr>
+              <a:t>HERE</a:t>
+            </a:r>
+            <a:endParaRPr lang="en-US" dirty="0"/>
+          </a:p>
+        </p:txBody>
+      </p:sp>
+      <p:pic>
+        <p:nvPicPr>
+          <p:cNvPr id="5124" name="Picture 4" descr="max_polling"/>
+          <p:cNvPicPr>
+            <a:picLocks noChangeAspect="1" noChangeArrowheads="1"/>
+          </p:cNvPicPr>
+          <p:nvPr/>
+        </p:nvPicPr>
+        <p:blipFill>
+          <a:blip r:embed="rId6">
+            <a:extLst>
+              <a:ext uri="{28A0092B-C50C-407E-A947-70E740481C1C}">
+                <a14:useLocalDpi xmlns:a14="http://schemas.microsoft.com/office/drawing/2010/main" val="0"/>
+              </a:ext>
+            </a:extLst>
+          </a:blip>
+          <a:srcRect/>
+          <a:stretch>
+            <a:fillRect/>
+          </a:stretch>
+        </p:blipFill>
+        <p:spPr bwMode="auto">
+          <a:xfrm>
+            <a:off x="10213578" y="4529965"/>
+            <a:ext cx="1834207" cy="1565190"/>
+          </a:xfrm>
+          <a:prstGeom prst="rect">
+            <a:avLst/>
+          </a:prstGeom>
+          <a:noFill/>
+          <a:extLst>
+            <a:ext uri="{909E8E84-426E-40DD-AFC4-6F175D3DCCD1}">
+              <a14:hiddenFill xmlns:a14="http://schemas.microsoft.com/office/drawing/2010/main">
+                <a:solidFill>
+                  <a:srgbClr val="FFFFFF"/>
+                </a:solidFill>
+              </a14:hiddenFill>
+            </a:ext>
+          </a:extLst>
+        </p:spPr>
+      </p:pic>
+    </p:spTree>
+    <p:extLst>
+      <p:ext uri="{BB962C8B-B14F-4D97-AF65-F5344CB8AC3E}">
+        <p14:creationId xmlns:p14="http://schemas.microsoft.com/office/powerpoint/2010/main" val="3942761438"/>
+      </p:ext>
+    </p:extLst>
+  </p:cSld>
+  <p:clrMapOvr>
+    <a:masterClrMapping/>
+  </p:clrMapOvr>
+</p:sld>
+</file>
+
+<file path=ppt/slides/slide5.xml><?xml version="1.0" encoding="utf-8"?>
+<p:sld xmlns:a="http://schemas.openxmlformats.org/drawingml/2006/main" xmlns:r="http://schemas.openxmlformats.org/officeDocument/2006/relationships" xmlns:p="http://schemas.openxmlformats.org/presentationml/2006/main">
+  <p:cSld>
+    <p:spTree>
+      <p:nvGrpSpPr>
+        <p:cNvPr id="1" name=""/>
+        <p:cNvGrpSpPr/>
+        <p:nvPr/>
+      </p:nvGrpSpPr>
+      <p:grpSpPr>
+        <a:xfrm>
+          <a:off x="0" y="0"/>
+          <a:ext cx="0" cy="0"/>
+          <a:chOff x="0" y="0"/>
+          <a:chExt cx="0" cy="0"/>
+        </a:xfrm>
+      </p:grpSpPr>
+      <p:sp>
+        <p:nvSpPr>
+          <p:cNvPr id="2" name="Title 1"/>
+          <p:cNvSpPr>
+            <a:spLocks noGrp="1"/>
+          </p:cNvSpPr>
+          <p:nvPr>
+            <p:ph type="title"/>
+          </p:nvPr>
+        </p:nvSpPr>
+        <p:spPr/>
+        <p:txBody>
+          <a:bodyPr/>
+          <a:lstStyle/>
+          <a:p>
+            <a:r>
+              <a:rPr lang="en-US" dirty="0" err="1" smtClean="0"/>
+              <a:t>ConvNet</a:t>
+            </a:r>
+            <a:r>
+              <a:rPr lang="en-US" dirty="0" smtClean="0"/>
+              <a:t> (cont.)</a:t>
+            </a:r>
+            <a:endParaRPr lang="en-US" dirty="0"/>
+          </a:p>
+        </p:txBody>
+      </p:sp>
+      <p:sp>
+        <p:nvSpPr>
+          <p:cNvPr id="3" name="Content Placeholder 2"/>
+          <p:cNvSpPr>
+            <a:spLocks noGrp="1"/>
+          </p:cNvSpPr>
+          <p:nvPr>
+            <p:ph idx="1"/>
+          </p:nvPr>
+        </p:nvSpPr>
+        <p:spPr/>
+        <p:txBody>
+          <a:bodyPr/>
+          <a:lstStyle/>
+          <a:p>
+            <a:r>
+              <a:rPr lang="zh-CN" altLang="en-US" dirty="0"/>
+              <a:t>来盘</a:t>
+            </a:r>
+            <a:r>
+              <a:rPr lang="en-US" altLang="zh-CN" dirty="0"/>
+              <a:t>CODE @</a:t>
+            </a:r>
+            <a:r>
+              <a:rPr lang="en-US" altLang="zh-CN" dirty="0">
+                <a:hlinkClick r:id="rId3"/>
+              </a:rPr>
+              <a:t>HERE</a:t>
+            </a:r>
+            <a:endParaRPr lang="en-US" dirty="0"/>
+          </a:p>
+          <a:p>
+            <a:endParaRPr lang="en-US" dirty="0"/>
+          </a:p>
+        </p:txBody>
+      </p:sp>
+      <p:pic>
+        <p:nvPicPr>
+          <p:cNvPr id="4" name="Picture 3"/>
+          <p:cNvPicPr>
+            <a:picLocks noChangeAspect="1"/>
+          </p:cNvPicPr>
+          <p:nvPr/>
+        </p:nvPicPr>
+        <p:blipFill>
+          <a:blip r:embed="rId4"/>
+          <a:stretch>
+            <a:fillRect/>
+          </a:stretch>
+        </p:blipFill>
+        <p:spPr>
+          <a:xfrm>
+            <a:off x="418622" y="2364737"/>
+            <a:ext cx="4657725" cy="1228725"/>
+          </a:xfrm>
+          <a:prstGeom prst="rect">
+            <a:avLst/>
+          </a:prstGeom>
+        </p:spPr>
+      </p:pic>
+      <p:pic>
+        <p:nvPicPr>
+          <p:cNvPr id="5" name="Picture 4"/>
+          <p:cNvPicPr>
+            <a:picLocks noChangeAspect="1"/>
+          </p:cNvPicPr>
+          <p:nvPr/>
+        </p:nvPicPr>
+        <p:blipFill>
+          <a:blip r:embed="rId5"/>
+          <a:stretch>
+            <a:fillRect/>
+          </a:stretch>
+        </p:blipFill>
+        <p:spPr>
+          <a:xfrm>
+            <a:off x="5908254" y="1690688"/>
+            <a:ext cx="5517931" cy="4516608"/>
+          </a:xfrm>
+          <a:prstGeom prst="rect">
+            <a:avLst/>
+          </a:prstGeom>
+        </p:spPr>
+      </p:pic>
+      <p:pic>
+        <p:nvPicPr>
+          <p:cNvPr id="7" name="Picture 6"/>
+          <p:cNvPicPr>
+            <a:picLocks noChangeAspect="1"/>
+          </p:cNvPicPr>
+          <p:nvPr/>
+        </p:nvPicPr>
+        <p:blipFill>
+          <a:blip r:embed="rId6"/>
+          <a:stretch>
+            <a:fillRect/>
+          </a:stretch>
+        </p:blipFill>
+        <p:spPr>
+          <a:xfrm>
+            <a:off x="114813" y="4267512"/>
+            <a:ext cx="7092556" cy="1717652"/>
+          </a:xfrm>
+          <a:prstGeom prst="rect">
+            <a:avLst/>
+          </a:prstGeom>
+        </p:spPr>
+      </p:pic>
+    </p:spTree>
+    <p:extLst>
+      <p:ext uri="{BB962C8B-B14F-4D97-AF65-F5344CB8AC3E}">
+        <p14:creationId xmlns:p14="http://schemas.microsoft.com/office/powerpoint/2010/main" val="1864544274"/>
+      </p:ext>
+    </p:extLst>
+  </p:cSld>
+  <p:clrMapOvr>
+    <a:masterClrMapping/>
+  </p:clrMapOvr>
+</p:sld>
+</file>
+
+<file path=ppt/slides/slide6.xml><?xml version="1.0" encoding="utf-8"?>
+<p:sld xmlns:a="http://schemas.openxmlformats.org/drawingml/2006/main" xmlns:r="http://schemas.openxmlformats.org/officeDocument/2006/relationships" xmlns:p="http://schemas.openxmlformats.org/presentationml/2006/main">
+  <p:cSld>
+    <p:spTree>
+      <p:nvGrpSpPr>
+        <p:cNvPr id="1" name=""/>
+        <p:cNvGrpSpPr/>
+        <p:nvPr/>
+      </p:nvGrpSpPr>
+      <p:grpSpPr>
+        <a:xfrm>
+          <a:off x="0" y="0"/>
+          <a:ext cx="0" cy="0"/>
+          <a:chOff x="0" y="0"/>
+          <a:chExt cx="0" cy="0"/>
+        </a:xfrm>
+      </p:grpSpPr>
+      <p:sp>
+        <p:nvSpPr>
+          <p:cNvPr id="2" name="Title 1"/>
+          <p:cNvSpPr>
+            <a:spLocks noGrp="1"/>
+          </p:cNvSpPr>
+          <p:nvPr>
+            <p:ph type="title"/>
+          </p:nvPr>
+        </p:nvSpPr>
+        <p:spPr/>
+        <p:txBody>
+          <a:bodyPr/>
+          <a:lstStyle/>
+          <a:p>
+            <a:r>
+              <a:rPr lang="zh-CN" altLang="en-US" dirty="0" smtClean="0"/>
+              <a:t>为啥要深呢？</a:t>
+            </a:r>
+            <a:endParaRPr lang="en-US" dirty="0"/>
+          </a:p>
+        </p:txBody>
+      </p:sp>
+      <p:sp>
+        <p:nvSpPr>
+          <p:cNvPr id="3" name="Content Placeholder 2"/>
+          <p:cNvSpPr>
+            <a:spLocks noGrp="1"/>
+          </p:cNvSpPr>
+          <p:nvPr>
+            <p:ph idx="1"/>
+          </p:nvPr>
+        </p:nvSpPr>
+        <p:spPr>
+          <a:xfrm>
+            <a:off x="838200" y="1825624"/>
+            <a:ext cx="10515600" cy="4884361"/>
+          </a:xfrm>
+        </p:spPr>
+        <p:txBody>
+          <a:bodyPr>
+            <a:normAutofit/>
+          </a:bodyPr>
+          <a:lstStyle/>
+          <a:p>
+            <a:r>
+              <a:rPr lang="en-US" altLang="zh-CN" dirty="0" smtClean="0"/>
+              <a:t>Bias(</a:t>
+            </a:r>
+            <a:r>
+              <a:rPr lang="zh-CN" altLang="en-US" dirty="0" smtClean="0"/>
+              <a:t>偏差</a:t>
+            </a:r>
+            <a:r>
+              <a:rPr lang="en-US" altLang="zh-CN" dirty="0" smtClean="0"/>
+              <a:t>) vs. Variance(</a:t>
+            </a:r>
+            <a:r>
+              <a:rPr lang="zh-CN" altLang="en-US" dirty="0" smtClean="0"/>
+              <a:t>方差</a:t>
+            </a:r>
+            <a:r>
+              <a:rPr lang="en-US" altLang="zh-CN" dirty="0" smtClean="0"/>
+              <a:t>)</a:t>
+            </a:r>
+          </a:p>
+          <a:p>
+            <a:endParaRPr lang="en-US" altLang="zh-CN" dirty="0"/>
+          </a:p>
+          <a:p>
+            <a:endParaRPr lang="en-US" altLang="zh-CN" dirty="0" smtClean="0"/>
+          </a:p>
+          <a:p>
+            <a:endParaRPr lang="en-US" altLang="zh-CN" dirty="0"/>
+          </a:p>
+          <a:p>
+            <a:endParaRPr lang="en-US" altLang="zh-CN" dirty="0" smtClean="0"/>
+          </a:p>
+          <a:p>
+            <a:endParaRPr lang="en-US" altLang="zh-CN" dirty="0"/>
+          </a:p>
+          <a:p>
+            <a:r>
+              <a:rPr lang="zh-CN" altLang="en-US" dirty="0" smtClean="0"/>
+              <a:t>要</a:t>
+            </a:r>
+            <a:r>
+              <a:rPr lang="en-US" altLang="zh-CN" dirty="0" smtClean="0"/>
+              <a:t>HOLD</a:t>
+            </a:r>
+            <a:r>
+              <a:rPr lang="zh-CN" altLang="en-US" dirty="0" smtClean="0"/>
+              <a:t>大数据，需要大容量（复杂）的模型</a:t>
+            </a:r>
+            <a:endParaRPr lang="en-US" altLang="zh-CN" dirty="0" smtClean="0"/>
+          </a:p>
+          <a:p>
+            <a:r>
+              <a:rPr lang="zh-CN" altLang="en-US" dirty="0" smtClean="0"/>
+              <a:t>同样的容量，深模型比浅模型需要更少的参数。</a:t>
+            </a:r>
+            <a:endParaRPr lang="en-US" altLang="zh-CN" dirty="0" smtClean="0"/>
+          </a:p>
+          <a:p>
+            <a:r>
+              <a:rPr lang="zh-CN" altLang="en-US" dirty="0"/>
+              <a:t>直</a:t>
+            </a:r>
+            <a:r>
+              <a:rPr lang="zh-CN" altLang="en-US" dirty="0" smtClean="0"/>
+              <a:t>觉：</a:t>
+            </a:r>
+            <a:r>
+              <a:rPr lang="en-US" dirty="0"/>
+              <a:t>224</a:t>
+            </a:r>
+            <a:r>
+              <a:rPr lang="zh-CN" altLang="en-US" dirty="0"/>
+              <a:t>*</a:t>
+            </a:r>
+            <a:r>
+              <a:rPr lang="en-US" altLang="zh-CN" dirty="0"/>
+              <a:t>224</a:t>
+            </a:r>
+            <a:r>
+              <a:rPr lang="zh-CN" altLang="en-US" dirty="0"/>
+              <a:t>*</a:t>
+            </a:r>
+            <a:r>
+              <a:rPr lang="en-US" altLang="zh-CN" dirty="0"/>
+              <a:t>3 = </a:t>
+            </a:r>
+            <a:r>
+              <a:rPr lang="en-US" altLang="zh-CN" dirty="0" smtClean="0"/>
+              <a:t>150528</a:t>
+            </a:r>
+            <a:endParaRPr lang="en-US" dirty="0"/>
+          </a:p>
+          <a:p>
+            <a:endParaRPr lang="en-US" altLang="zh-CN" dirty="0" smtClean="0"/>
+          </a:p>
+          <a:p>
+            <a:endParaRPr lang="en-US" altLang="zh-CN" dirty="0" smtClean="0"/>
+          </a:p>
+          <a:p>
+            <a:endParaRPr lang="en-US" dirty="0"/>
+          </a:p>
+        </p:txBody>
+      </p:sp>
+      <p:pic>
+        <p:nvPicPr>
+          <p:cNvPr id="4" name="Picture 3"/>
+          <p:cNvPicPr>
+            <a:picLocks noChangeAspect="1"/>
+          </p:cNvPicPr>
+          <p:nvPr/>
+        </p:nvPicPr>
+        <p:blipFill>
+          <a:blip r:embed="rId3"/>
+          <a:stretch>
+            <a:fillRect/>
+          </a:stretch>
+        </p:blipFill>
+        <p:spPr>
+          <a:xfrm>
+            <a:off x="7392760" y="2325447"/>
+            <a:ext cx="3671109" cy="2254371"/>
+          </a:xfrm>
+          <a:prstGeom prst="rect">
+            <a:avLst/>
+          </a:prstGeom>
+        </p:spPr>
+      </p:pic>
+      <p:pic>
+        <p:nvPicPr>
+          <p:cNvPr id="5" name="Picture 4"/>
+          <p:cNvPicPr>
+            <a:picLocks noChangeAspect="1"/>
+          </p:cNvPicPr>
+          <p:nvPr/>
+        </p:nvPicPr>
+        <p:blipFill>
+          <a:blip r:embed="rId4"/>
+          <a:stretch>
+            <a:fillRect/>
+          </a:stretch>
+        </p:blipFill>
+        <p:spPr>
+          <a:xfrm>
+            <a:off x="3084592" y="2325447"/>
+            <a:ext cx="3785356" cy="2432293"/>
+          </a:xfrm>
+          <a:prstGeom prst="rect">
+            <a:avLst/>
+          </a:prstGeom>
+        </p:spPr>
+      </p:pic>
+      <p:pic>
+        <p:nvPicPr>
+          <p:cNvPr id="6146" name="Picture 2" descr="Understanding bias and Variance"/>
+          <p:cNvPicPr>
+            <a:picLocks noChangeAspect="1" noChangeArrowheads="1"/>
+          </p:cNvPicPr>
+          <p:nvPr/>
+        </p:nvPicPr>
+        <p:blipFill>
+          <a:blip r:embed="rId5" cstate="print">
+            <a:extLst>
+              <a:ext uri="{28A0092B-C50C-407E-A947-70E740481C1C}">
+                <a14:useLocalDpi xmlns:a14="http://schemas.microsoft.com/office/drawing/2010/main" val="0"/>
+              </a:ext>
+            </a:extLst>
+          </a:blip>
+          <a:srcRect/>
+          <a:stretch>
+            <a:fillRect/>
+          </a:stretch>
+        </p:blipFill>
+        <p:spPr bwMode="auto">
+          <a:xfrm>
+            <a:off x="536227" y="2325448"/>
+            <a:ext cx="2482370" cy="2432293"/>
+          </a:xfrm>
+          <a:prstGeom prst="rect">
+            <a:avLst/>
+          </a:prstGeom>
+          <a:noFill/>
+          <a:extLst>
+            <a:ext uri="{909E8E84-426E-40DD-AFC4-6F175D3DCCD1}">
+              <a14:hiddenFill xmlns:a14="http://schemas.microsoft.com/office/drawing/2010/main">
+                <a:solidFill>
+                  <a:srgbClr val="FFFFFF"/>
+                </a:solidFill>
+              </a14:hiddenFill>
+            </a:ext>
+          </a:extLst>
+        </p:spPr>
+      </p:pic>
+    </p:spTree>
+    <p:extLst>
+      <p:ext uri="{BB962C8B-B14F-4D97-AF65-F5344CB8AC3E}">
+        <p14:creationId xmlns:p14="http://schemas.microsoft.com/office/powerpoint/2010/main" val="2769338458"/>
+      </p:ext>
+    </p:extLst>
+  </p:cSld>
+  <p:clrMapOvr>
+    <a:masterClrMapping/>
+  </p:clrMapOvr>
+</p:sld>
+</file>
+
+<file path=ppt/slides/slide7.xml><?xml version="1.0" encoding="utf-8"?>
+<p:sld xmlns:a="http://schemas.openxmlformats.org/drawingml/2006/main" xmlns:r="http://schemas.openxmlformats.org/officeDocument/2006/relationships" xmlns:p="http://schemas.openxmlformats.org/presentationml/2006/main">
+  <p:cSld>
+    <p:spTree>
+      <p:nvGrpSpPr>
+        <p:cNvPr id="1" name=""/>
+        <p:cNvGrpSpPr/>
+        <p:nvPr/>
+      </p:nvGrpSpPr>
+      <p:grpSpPr>
+        <a:xfrm>
+          <a:off x="0" y="0"/>
+          <a:ext cx="0" cy="0"/>
+          <a:chOff x="0" y="0"/>
+          <a:chExt cx="0" cy="0"/>
+        </a:xfrm>
+      </p:grpSpPr>
+      <p:sp>
+        <p:nvSpPr>
+          <p:cNvPr id="2" name="Title 1"/>
+          <p:cNvSpPr>
+            <a:spLocks noGrp="1"/>
+          </p:cNvSpPr>
+          <p:nvPr>
+            <p:ph type="title"/>
+          </p:nvPr>
+        </p:nvSpPr>
+        <p:spPr/>
+        <p:txBody>
+          <a:bodyPr/>
+          <a:lstStyle/>
+          <a:p>
+            <a:r>
+              <a:rPr lang="zh-CN" altLang="en-US" dirty="0" smtClean="0"/>
+              <a:t>情绪的解析</a:t>
+            </a:r>
+            <a:endParaRPr lang="en-US" dirty="0"/>
+          </a:p>
+        </p:txBody>
+      </p:sp>
+      <p:sp>
+        <p:nvSpPr>
+          <p:cNvPr id="3" name="Content Placeholder 2"/>
+          <p:cNvSpPr>
+            <a:spLocks noGrp="1"/>
+          </p:cNvSpPr>
+          <p:nvPr>
+            <p:ph idx="1"/>
+          </p:nvPr>
+        </p:nvSpPr>
+        <p:spPr/>
+        <p:txBody>
+          <a:bodyPr/>
+          <a:lstStyle/>
+          <a:p>
+            <a:r>
+              <a:rPr lang="en-US" altLang="zh-CN" dirty="0" smtClean="0"/>
+              <a:t>The Book @</a:t>
+            </a:r>
+            <a:r>
+              <a:rPr lang="en-US" altLang="zh-CN" dirty="0" smtClean="0">
+                <a:hlinkClick r:id="rId3"/>
+              </a:rPr>
+              <a:t>HERE</a:t>
+            </a:r>
+            <a:endParaRPr lang="en-US" altLang="zh-CN" dirty="0" smtClean="0"/>
+          </a:p>
+          <a:p>
+            <a:endParaRPr lang="en-US" dirty="0"/>
+          </a:p>
+          <a:p>
+            <a:r>
+              <a:rPr lang="en-US" dirty="0" smtClean="0"/>
+              <a:t>7</a:t>
+            </a:r>
+            <a:r>
+              <a:rPr lang="zh-CN" altLang="en-US" dirty="0" smtClean="0"/>
+              <a:t>种基本表情：</a:t>
+            </a:r>
+            <a:endParaRPr lang="en-US" dirty="0"/>
+          </a:p>
+        </p:txBody>
+      </p:sp>
+      <p:pic>
+        <p:nvPicPr>
+          <p:cNvPr id="1026" name="Picture 2" descr="https://img3.doubanio.com/lpic/s8826806.jpg"/>
+          <p:cNvPicPr>
+            <a:picLocks noChangeAspect="1" noChangeArrowheads="1"/>
+          </p:cNvPicPr>
+          <p:nvPr/>
+        </p:nvPicPr>
+        <p:blipFill>
+          <a:blip r:embed="rId4">
+            <a:extLst>
+              <a:ext uri="{28A0092B-C50C-407E-A947-70E740481C1C}">
+                <a14:useLocalDpi xmlns:a14="http://schemas.microsoft.com/office/drawing/2010/main" val="0"/>
+              </a:ext>
+            </a:extLst>
+          </a:blip>
+          <a:srcRect/>
+          <a:stretch>
+            <a:fillRect/>
+          </a:stretch>
+        </p:blipFill>
+        <p:spPr bwMode="auto">
+          <a:xfrm>
+            <a:off x="8287299" y="4632219"/>
+            <a:ext cx="1351823" cy="1908456"/>
+          </a:xfrm>
+          <a:prstGeom prst="rect">
+            <a:avLst/>
+          </a:prstGeom>
+          <a:noFill/>
+          <a:extLst>
+            <a:ext uri="{909E8E84-426E-40DD-AFC4-6F175D3DCCD1}">
+              <a14:hiddenFill xmlns:a14="http://schemas.microsoft.com/office/drawing/2010/main">
+                <a:solidFill>
+                  <a:srgbClr val="FFFFFF"/>
+                </a:solidFill>
+              </a14:hiddenFill>
+            </a:ext>
+          </a:extLst>
+        </p:spPr>
+      </p:pic>
+      <p:pic>
+        <p:nvPicPr>
+          <p:cNvPr id="5" name="Picture 4"/>
+          <p:cNvPicPr>
+            <a:picLocks noChangeAspect="1"/>
+          </p:cNvPicPr>
+          <p:nvPr/>
+        </p:nvPicPr>
+        <p:blipFill>
+          <a:blip r:embed="rId5"/>
+          <a:stretch>
+            <a:fillRect/>
+          </a:stretch>
+        </p:blipFill>
+        <p:spPr>
+          <a:xfrm>
+            <a:off x="6785277" y="147918"/>
+            <a:ext cx="3346169" cy="4267094"/>
+          </a:xfrm>
+          <a:prstGeom prst="rect">
+            <a:avLst/>
+          </a:prstGeom>
+        </p:spPr>
+      </p:pic>
+      <p:pic>
+        <p:nvPicPr>
+          <p:cNvPr id="6" name="Picture 5"/>
+          <p:cNvPicPr>
+            <a:picLocks noChangeAspect="1"/>
+          </p:cNvPicPr>
+          <p:nvPr/>
+        </p:nvPicPr>
+        <p:blipFill>
+          <a:blip r:embed="rId6"/>
+          <a:stretch>
+            <a:fillRect/>
+          </a:stretch>
+        </p:blipFill>
+        <p:spPr>
+          <a:xfrm>
+            <a:off x="838200" y="3330108"/>
+            <a:ext cx="4867275" cy="3209925"/>
+          </a:xfrm>
+          <a:prstGeom prst="rect">
+            <a:avLst/>
+          </a:prstGeom>
+        </p:spPr>
+      </p:pic>
+    </p:spTree>
+    <p:extLst>
+      <p:ext uri="{BB962C8B-B14F-4D97-AF65-F5344CB8AC3E}">
+        <p14:creationId xmlns:p14="http://schemas.microsoft.com/office/powerpoint/2010/main" val="302941551"/>
+      </p:ext>
+    </p:extLst>
+  </p:cSld>
+  <p:clrMapOvr>
+    <a:masterClrMapping/>
+  </p:clrMapOvr>
+</p:sld>
+</file>
+
+<file path=ppt/slides/slide8.xml><?xml version="1.0" encoding="utf-8"?>
+<p:sld xmlns:a="http://schemas.openxmlformats.org/drawingml/2006/main" xmlns:r="http://schemas.openxmlformats.org/officeDocument/2006/relationships" xmlns:p="http://schemas.openxmlformats.org/presentationml/2006/main">
+  <p:cSld>
+    <p:spTree>
+      <p:nvGrpSpPr>
+        <p:cNvPr id="1" name=""/>
+        <p:cNvGrpSpPr/>
+        <p:nvPr/>
+      </p:nvGrpSpPr>
+      <p:grpSpPr>
+        <a:xfrm>
+          <a:off x="0" y="0"/>
+          <a:ext cx="0" cy="0"/>
+          <a:chOff x="0" y="0"/>
+          <a:chExt cx="0" cy="0"/>
+        </a:xfrm>
+      </p:grpSpPr>
+      <p:sp>
+        <p:nvSpPr>
+          <p:cNvPr id="3" name="Content Placeholder 2"/>
+          <p:cNvSpPr>
+            <a:spLocks noGrp="1"/>
+          </p:cNvSpPr>
+          <p:nvPr>
+            <p:ph idx="1"/>
+          </p:nvPr>
+        </p:nvSpPr>
+        <p:spPr/>
+        <p:txBody>
+          <a:bodyPr>
+            <a:normAutofit fontScale="92500" lnSpcReduction="10000"/>
+          </a:bodyPr>
+          <a:lstStyle/>
+          <a:p>
+            <a:r>
+              <a:rPr lang="en-US" dirty="0">
+                <a:hlinkClick r:id="rId3"/>
+              </a:rPr>
+              <a:t>https://www.kaggle.com</a:t>
+            </a:r>
+            <a:r>
+              <a:rPr lang="en-US" dirty="0" smtClean="0">
+                <a:hlinkClick r:id="rId3"/>
+              </a:rPr>
+              <a:t>/</a:t>
+            </a:r>
+            <a:endParaRPr lang="en-US" dirty="0" smtClean="0"/>
+          </a:p>
+          <a:p>
+            <a:endParaRPr lang="en-US" dirty="0" smtClean="0">
+              <a:hlinkClick r:id="rId4"/>
+            </a:endParaRPr>
+          </a:p>
+          <a:p>
+            <a:r>
+              <a:rPr lang="en-US" dirty="0" smtClean="0">
+                <a:hlinkClick r:id="rId4"/>
+              </a:rPr>
+              <a:t>https</a:t>
+            </a:r>
+            <a:r>
+              <a:rPr lang="en-US" dirty="0">
+                <a:hlinkClick r:id="rId4"/>
+              </a:rPr>
+              <a:t>://</a:t>
+            </a:r>
+            <a:r>
+              <a:rPr lang="en-US" dirty="0" smtClean="0">
+                <a:hlinkClick r:id="rId4"/>
+              </a:rPr>
+              <a:t>www.kaggle.com/c/challenges-in-representation-learning-facial-expression-recognition-challenge/data</a:t>
+            </a:r>
+            <a:endParaRPr lang="en-US" dirty="0" smtClean="0"/>
+          </a:p>
+          <a:p>
+            <a:r>
+              <a:rPr lang="en-US" dirty="0"/>
+              <a:t>48x48 pixel grayscale images of </a:t>
+            </a:r>
+            <a:r>
+              <a:rPr lang="en-US" dirty="0" smtClean="0"/>
+              <a:t>faces</a:t>
+            </a:r>
+          </a:p>
+          <a:p>
+            <a:r>
+              <a:rPr lang="en-US" dirty="0" smtClean="0"/>
+              <a:t>Seven </a:t>
+            </a:r>
+            <a:r>
+              <a:rPr lang="en-US" dirty="0"/>
+              <a:t>categories (0=Angry, 1=Disgust, 2=Fear, 3=Happy, 4=Sad, 5=Surprise, 6=Neutral</a:t>
+            </a:r>
+            <a:r>
+              <a:rPr lang="en-US" dirty="0" smtClean="0"/>
+              <a:t>)</a:t>
+            </a:r>
+          </a:p>
+          <a:p>
+            <a:r>
+              <a:rPr lang="en-US" dirty="0" smtClean="0"/>
+              <a:t>Data</a:t>
+            </a:r>
+            <a:r>
+              <a:rPr lang="en-US" altLang="zh-CN" dirty="0" smtClean="0"/>
+              <a:t>set:</a:t>
+            </a:r>
+            <a:endParaRPr lang="en-US" dirty="0" smtClean="0"/>
+          </a:p>
+          <a:p>
+            <a:pPr lvl="1"/>
+            <a:r>
+              <a:rPr lang="en-US" dirty="0" smtClean="0"/>
+              <a:t>Training set: 28,709 </a:t>
+            </a:r>
+            <a:r>
+              <a:rPr lang="en-US" dirty="0"/>
+              <a:t>examples</a:t>
+            </a:r>
+            <a:r>
+              <a:rPr lang="en-US" dirty="0" smtClean="0"/>
+              <a:t>.</a:t>
+            </a:r>
+          </a:p>
+          <a:p>
+            <a:pPr lvl="1"/>
+            <a:r>
+              <a:rPr lang="en-US" dirty="0" smtClean="0"/>
+              <a:t>Public </a:t>
+            </a:r>
+            <a:r>
+              <a:rPr lang="en-US" dirty="0"/>
+              <a:t>test </a:t>
+            </a:r>
+            <a:r>
+              <a:rPr lang="en-US" dirty="0" smtClean="0"/>
+              <a:t>set: 3,589 examples</a:t>
+            </a:r>
+          </a:p>
+          <a:p>
+            <a:pPr lvl="1"/>
+            <a:r>
+              <a:rPr lang="en-US" dirty="0" smtClean="0"/>
+              <a:t>Final </a:t>
+            </a:r>
+            <a:r>
+              <a:rPr lang="en-US" dirty="0"/>
+              <a:t>test </a:t>
+            </a:r>
+            <a:r>
+              <a:rPr lang="en-US" dirty="0" smtClean="0"/>
+              <a:t>set: </a:t>
+            </a:r>
+            <a:r>
+              <a:rPr lang="en-US" dirty="0"/>
+              <a:t>3,589 examples</a:t>
+            </a:r>
+            <a:endParaRPr lang="en-US" dirty="0" smtClean="0"/>
+          </a:p>
+          <a:p>
+            <a:endParaRPr lang="en-US" dirty="0" smtClean="0"/>
+          </a:p>
+          <a:p>
+            <a:endParaRPr lang="en-US" dirty="0"/>
+          </a:p>
+        </p:txBody>
+      </p:sp>
+      <p:pic>
+        <p:nvPicPr>
+          <p:cNvPr id="3074" name="Picture 2" descr="Kaggle"/>
+          <p:cNvPicPr>
+            <a:picLocks noChangeAspect="1" noChangeArrowheads="1"/>
+          </p:cNvPicPr>
+          <p:nvPr/>
+        </p:nvPicPr>
+        <p:blipFill>
+          <a:blip r:embed="rId5">
+            <a:extLst>
+              <a:ext uri="{28A0092B-C50C-407E-A947-70E740481C1C}">
+                <a14:useLocalDpi xmlns:a14="http://schemas.microsoft.com/office/drawing/2010/main" val="0"/>
+              </a:ext>
+            </a:extLst>
+          </a:blip>
+          <a:srcRect/>
+          <a:stretch>
+            <a:fillRect/>
+          </a:stretch>
+        </p:blipFill>
+        <p:spPr bwMode="auto">
+          <a:xfrm>
+            <a:off x="1023926" y="703080"/>
+            <a:ext cx="2286000" cy="819151"/>
+          </a:xfrm>
+          <a:prstGeom prst="rect">
+            <a:avLst/>
+          </a:prstGeom>
+          <a:noFill/>
+          <a:extLst>
+            <a:ext uri="{909E8E84-426E-40DD-AFC4-6F175D3DCCD1}">
+              <a14:hiddenFill xmlns:a14="http://schemas.microsoft.com/office/drawing/2010/main">
+                <a:solidFill>
+                  <a:srgbClr val="FFFFFF"/>
+                </a:solidFill>
+              </a14:hiddenFill>
+            </a:ext>
+          </a:extLst>
+        </p:spPr>
+      </p:pic>
+    </p:spTree>
+    <p:extLst>
+      <p:ext uri="{BB962C8B-B14F-4D97-AF65-F5344CB8AC3E}">
+        <p14:creationId xmlns:p14="http://schemas.microsoft.com/office/powerpoint/2010/main" val="3255505742"/>
+      </p:ext>
+    </p:extLst>
+  </p:cSld>
+  <p:clrMapOvr>
+    <a:masterClrMapping/>
+  </p:clrMapOvr>
+</p:sld>
+</file>
+
+<file path=ppt/slides/slide9.xml><?xml version="1.0" encoding="utf-8"?>
+<p:sld xmlns:a="http://schemas.openxmlformats.org/drawingml/2006/main" xmlns:r="http://schemas.openxmlformats.org/officeDocument/2006/relationships" xmlns:p="http://schemas.openxmlformats.org/presentationml/2006/main">
+  <p:cSld>
+    <p:spTree>
+      <p:nvGrpSpPr>
+        <p:cNvPr id="1" name=""/>
+        <p:cNvGrpSpPr/>
+        <p:nvPr/>
+      </p:nvGrpSpPr>
+      <p:grpSpPr>
+        <a:xfrm>
+          <a:off x="0" y="0"/>
+          <a:ext cx="0" cy="0"/>
+          <a:chOff x="0" y="0"/>
+          <a:chExt cx="0" cy="0"/>
+        </a:xfrm>
+      </p:grpSpPr>
+      <p:sp>
+        <p:nvSpPr>
+          <p:cNvPr id="2" name="Title 1"/>
+          <p:cNvSpPr>
+            <a:spLocks noGrp="1"/>
+          </p:cNvSpPr>
+          <p:nvPr>
+            <p:ph type="title"/>
+          </p:nvPr>
+        </p:nvSpPr>
+        <p:spPr/>
+        <p:txBody>
+          <a:bodyPr/>
+          <a:lstStyle/>
+          <a:p>
+            <a:r>
+              <a:rPr lang="en-US" dirty="0" smtClean="0"/>
+              <a:t>Facial Expression Recognition</a:t>
+            </a:r>
+            <a:endParaRPr lang="en-US" dirty="0"/>
+          </a:p>
+        </p:txBody>
+      </p:sp>
+      <p:pic>
+        <p:nvPicPr>
+          <p:cNvPr id="4" name="Picture 3"/>
+          <p:cNvPicPr>
+            <a:picLocks noChangeAspect="1"/>
+          </p:cNvPicPr>
+          <p:nvPr/>
+        </p:nvPicPr>
+        <p:blipFill>
+          <a:blip r:embed="rId3"/>
+          <a:stretch>
+            <a:fillRect/>
+          </a:stretch>
+        </p:blipFill>
+        <p:spPr>
+          <a:xfrm>
+            <a:off x="357016" y="1734754"/>
+            <a:ext cx="11477968" cy="2585817"/>
+          </a:xfrm>
+          <a:prstGeom prst="rect">
+            <a:avLst/>
+          </a:prstGeom>
+        </p:spPr>
+      </p:pic>
+    </p:spTree>
+    <p:extLst>
+      <p:ext uri="{BB962C8B-B14F-4D97-AF65-F5344CB8AC3E}">
+        <p14:creationId xmlns:p14="http://schemas.microsoft.com/office/powerpoint/2010/main" val="173297520"/>
       </p:ext>
     </p:extLst>
   </p:cSld>

--- a/cnn/CNN.pptx
+++ b/cnn/CNN.pptx
@@ -207,7 +207,7 @@
           <a:p>
             <a:fld id="{E19AA29A-41D3-4D5C-818A-52A190EEA591}" type="datetimeFigureOut">
               <a:rPr lang="en-US" smtClean="0"/>
-              <a:t>11/6/2017</a:t>
+              <a:t>11/9/2017</a:t>
             </a:fld>
             <a:endParaRPr lang="en-US"/>
           </a:p>
@@ -1918,7 +1918,7 @@
           <a:p>
             <a:fld id="{D48E44AF-50BB-48D5-BC0B-D90D9503CD10}" type="datetimeFigureOut">
               <a:rPr lang="en-US" smtClean="0"/>
-              <a:t>11/6/2017</a:t>
+              <a:t>11/9/2017</a:t>
             </a:fld>
             <a:endParaRPr lang="en-US"/>
           </a:p>
@@ -2088,7 +2088,7 @@
           <a:p>
             <a:fld id="{D48E44AF-50BB-48D5-BC0B-D90D9503CD10}" type="datetimeFigureOut">
               <a:rPr lang="en-US" smtClean="0"/>
-              <a:t>11/6/2017</a:t>
+              <a:t>11/9/2017</a:t>
             </a:fld>
             <a:endParaRPr lang="en-US"/>
           </a:p>
@@ -2268,7 +2268,7 @@
           <a:p>
             <a:fld id="{D48E44AF-50BB-48D5-BC0B-D90D9503CD10}" type="datetimeFigureOut">
               <a:rPr lang="en-US" smtClean="0"/>
-              <a:t>11/6/2017</a:t>
+              <a:t>11/9/2017</a:t>
             </a:fld>
             <a:endParaRPr lang="en-US"/>
           </a:p>
@@ -2438,7 +2438,7 @@
           <a:p>
             <a:fld id="{D48E44AF-50BB-48D5-BC0B-D90D9503CD10}" type="datetimeFigureOut">
               <a:rPr lang="en-US" smtClean="0"/>
-              <a:t>11/6/2017</a:t>
+              <a:t>11/9/2017</a:t>
             </a:fld>
             <a:endParaRPr lang="en-US"/>
           </a:p>
@@ -2684,7 +2684,7 @@
           <a:p>
             <a:fld id="{D48E44AF-50BB-48D5-BC0B-D90D9503CD10}" type="datetimeFigureOut">
               <a:rPr lang="en-US" smtClean="0"/>
-              <a:t>11/6/2017</a:t>
+              <a:t>11/9/2017</a:t>
             </a:fld>
             <a:endParaRPr lang="en-US"/>
           </a:p>
@@ -2916,7 +2916,7 @@
           <a:p>
             <a:fld id="{D48E44AF-50BB-48D5-BC0B-D90D9503CD10}" type="datetimeFigureOut">
               <a:rPr lang="en-US" smtClean="0"/>
-              <a:t>11/6/2017</a:t>
+              <a:t>11/9/2017</a:t>
             </a:fld>
             <a:endParaRPr lang="en-US"/>
           </a:p>
@@ -3283,7 +3283,7 @@
           <a:p>
             <a:fld id="{D48E44AF-50BB-48D5-BC0B-D90D9503CD10}" type="datetimeFigureOut">
               <a:rPr lang="en-US" smtClean="0"/>
-              <a:t>11/6/2017</a:t>
+              <a:t>11/9/2017</a:t>
             </a:fld>
             <a:endParaRPr lang="en-US"/>
           </a:p>
@@ -3401,7 +3401,7 @@
           <a:p>
             <a:fld id="{D48E44AF-50BB-48D5-BC0B-D90D9503CD10}" type="datetimeFigureOut">
               <a:rPr lang="en-US" smtClean="0"/>
-              <a:t>11/6/2017</a:t>
+              <a:t>11/9/2017</a:t>
             </a:fld>
             <a:endParaRPr lang="en-US"/>
           </a:p>
@@ -3496,7 +3496,7 @@
           <a:p>
             <a:fld id="{D48E44AF-50BB-48D5-BC0B-D90D9503CD10}" type="datetimeFigureOut">
               <a:rPr lang="en-US" smtClean="0"/>
-              <a:t>11/6/2017</a:t>
+              <a:t>11/9/2017</a:t>
             </a:fld>
             <a:endParaRPr lang="en-US"/>
           </a:p>
@@ -3773,7 +3773,7 @@
           <a:p>
             <a:fld id="{D48E44AF-50BB-48D5-BC0B-D90D9503CD10}" type="datetimeFigureOut">
               <a:rPr lang="en-US" smtClean="0"/>
-              <a:t>11/6/2017</a:t>
+              <a:t>11/9/2017</a:t>
             </a:fld>
             <a:endParaRPr lang="en-US"/>
           </a:p>
@@ -4026,7 +4026,7 @@
           <a:p>
             <a:fld id="{D48E44AF-50BB-48D5-BC0B-D90D9503CD10}" type="datetimeFigureOut">
               <a:rPr lang="en-US" smtClean="0"/>
-              <a:t>11/6/2017</a:t>
+              <a:t>11/9/2017</a:t>
             </a:fld>
             <a:endParaRPr lang="en-US"/>
           </a:p>
@@ -4239,7 +4239,7 @@
           <a:p>
             <a:fld id="{D48E44AF-50BB-48D5-BC0B-D90D9503CD10}" type="datetimeFigureOut">
               <a:rPr lang="en-US" smtClean="0"/>
-              <a:t>11/6/2017</a:t>
+              <a:t>11/9/2017</a:t>
             </a:fld>
             <a:endParaRPr lang="en-US"/>
           </a:p>
@@ -5139,83 +5139,149 @@
           <a:lstStyle/>
           <a:p>
             <a:r>
-              <a:rPr lang="zh-CN" altLang="en-US" dirty="0" smtClean="0"/>
+              <a:rPr lang="zh-CN" altLang="en-US" dirty="0" smtClean="0">
+                <a:latin typeface="+mj-ea"/>
+                <a:ea typeface="+mj-ea"/>
+              </a:rPr>
               <a:t>向量：位置。</a:t>
             </a:r>
-            <a:endParaRPr lang="en-US" altLang="zh-CN" dirty="0" smtClean="0"/>
-          </a:p>
-          <a:p>
-            <a:r>
-              <a:rPr lang="zh-CN" altLang="en-US" dirty="0"/>
+            <a:endParaRPr lang="en-US" altLang="zh-CN" dirty="0" smtClean="0">
+              <a:latin typeface="+mj-ea"/>
+              <a:ea typeface="+mj-ea"/>
+            </a:endParaRPr>
+          </a:p>
+          <a:p>
+            <a:r>
+              <a:rPr lang="zh-CN" altLang="en-US" dirty="0">
+                <a:latin typeface="+mj-ea"/>
+                <a:ea typeface="+mj-ea"/>
+              </a:rPr>
               <a:t>矩</a:t>
             </a:r>
             <a:r>
-              <a:rPr lang="zh-CN" altLang="en-US" dirty="0" smtClean="0"/>
+              <a:rPr lang="zh-CN" altLang="en-US" dirty="0" smtClean="0">
+                <a:latin typeface="+mj-ea"/>
+                <a:ea typeface="+mj-ea"/>
+              </a:rPr>
               <a:t>阵：</a:t>
             </a:r>
             <a:r>
-              <a:rPr lang="zh-CN" altLang="en-US" dirty="0"/>
+              <a:rPr lang="zh-CN" altLang="en-US" dirty="0">
+                <a:latin typeface="+mj-ea"/>
+                <a:ea typeface="+mj-ea"/>
+              </a:rPr>
               <a:t>向量</a:t>
             </a:r>
             <a:r>
-              <a:rPr lang="zh-CN" altLang="en-US" dirty="0" smtClean="0"/>
+              <a:rPr lang="zh-CN" altLang="en-US" dirty="0" smtClean="0">
+                <a:latin typeface="+mj-ea"/>
+                <a:ea typeface="+mj-ea"/>
+              </a:rPr>
               <a:t>的</a:t>
             </a:r>
             <a:r>
-              <a:rPr lang="zh-CN" altLang="en-US" dirty="0"/>
+              <a:rPr lang="zh-CN" altLang="en-US" dirty="0">
+                <a:latin typeface="+mj-ea"/>
+                <a:ea typeface="+mj-ea"/>
+              </a:rPr>
               <a:t>变</a:t>
             </a:r>
             <a:r>
-              <a:rPr lang="zh-CN" altLang="en-US" dirty="0" smtClean="0"/>
+              <a:rPr lang="zh-CN" altLang="en-US" dirty="0" smtClean="0">
+                <a:latin typeface="+mj-ea"/>
+                <a:ea typeface="+mj-ea"/>
+              </a:rPr>
               <a:t>换（运动）。</a:t>
             </a:r>
-            <a:endParaRPr lang="en-US" altLang="zh-CN" dirty="0" smtClean="0"/>
-          </a:p>
-          <a:p>
-            <a:r>
-              <a:rPr lang="zh-CN" altLang="en-US" dirty="0"/>
+            <a:endParaRPr lang="en-US" altLang="zh-CN" dirty="0" smtClean="0">
+              <a:latin typeface="+mj-ea"/>
+              <a:ea typeface="+mj-ea"/>
+            </a:endParaRPr>
+          </a:p>
+          <a:p>
+            <a:r>
+              <a:rPr lang="zh-CN" altLang="en-US" dirty="0">
+                <a:latin typeface="+mj-ea"/>
+                <a:ea typeface="+mj-ea"/>
+              </a:rPr>
               <a:t>张</a:t>
             </a:r>
             <a:r>
-              <a:rPr lang="zh-CN" altLang="en-US" dirty="0" smtClean="0"/>
+              <a:rPr lang="zh-CN" altLang="en-US" dirty="0" smtClean="0">
+                <a:latin typeface="+mj-ea"/>
+                <a:ea typeface="+mj-ea"/>
+              </a:rPr>
               <a:t>量（</a:t>
             </a:r>
             <a:r>
-              <a:rPr lang="en-US" altLang="zh-CN" dirty="0" smtClean="0"/>
+              <a:rPr lang="en-US" altLang="zh-CN" dirty="0" smtClean="0">
+                <a:latin typeface="+mj-ea"/>
+                <a:ea typeface="+mj-ea"/>
+              </a:rPr>
               <a:t>Tensor</a:t>
             </a:r>
             <a:r>
-              <a:rPr lang="zh-CN" altLang="en-US" dirty="0" smtClean="0"/>
+              <a:rPr lang="zh-CN" altLang="en-US" dirty="0" smtClean="0">
+                <a:latin typeface="+mj-ea"/>
+                <a:ea typeface="+mj-ea"/>
+              </a:rPr>
               <a:t>）：向量与矩阵的泛化。</a:t>
             </a:r>
-            <a:endParaRPr lang="en-US" altLang="zh-CN" dirty="0" smtClean="0"/>
-          </a:p>
-          <a:p>
-            <a:r>
-              <a:rPr lang="zh-CN" altLang="en-US" dirty="0"/>
+            <a:endParaRPr lang="en-US" altLang="zh-CN" dirty="0" smtClean="0">
+              <a:latin typeface="+mj-ea"/>
+              <a:ea typeface="+mj-ea"/>
+            </a:endParaRPr>
+          </a:p>
+          <a:p>
+            <a:r>
+              <a:rPr lang="zh-CN" altLang="en-US" dirty="0">
+                <a:latin typeface="+mj-ea"/>
+                <a:ea typeface="+mj-ea"/>
+              </a:rPr>
               <a:t>奇异</a:t>
             </a:r>
             <a:r>
-              <a:rPr lang="zh-CN" altLang="en-US" dirty="0" smtClean="0"/>
+              <a:rPr lang="zh-CN" altLang="en-US" dirty="0" smtClean="0">
+                <a:latin typeface="+mj-ea"/>
+                <a:ea typeface="+mj-ea"/>
+              </a:rPr>
               <a:t>值分解：</a:t>
             </a:r>
-            <a:endParaRPr lang="en-US" altLang="zh-CN" dirty="0" smtClean="0"/>
-          </a:p>
-          <a:p>
-            <a:endParaRPr lang="en-US" altLang="zh-CN" dirty="0" smtClean="0"/>
-          </a:p>
-          <a:p>
-            <a:endParaRPr lang="en-US" altLang="zh-CN" dirty="0" smtClean="0"/>
-          </a:p>
-          <a:p>
-            <a:endParaRPr lang="en-US" altLang="zh-CN" dirty="0"/>
-          </a:p>
-          <a:p>
-            <a:r>
-              <a:rPr lang="zh-CN" altLang="en-US" dirty="0" smtClean="0"/>
+            <a:endParaRPr lang="en-US" altLang="zh-CN" dirty="0" smtClean="0">
+              <a:latin typeface="+mj-ea"/>
+              <a:ea typeface="+mj-ea"/>
+            </a:endParaRPr>
+          </a:p>
+          <a:p>
+            <a:endParaRPr lang="en-US" altLang="zh-CN" dirty="0" smtClean="0">
+              <a:latin typeface="+mj-ea"/>
+              <a:ea typeface="+mj-ea"/>
+            </a:endParaRPr>
+          </a:p>
+          <a:p>
+            <a:endParaRPr lang="en-US" altLang="zh-CN" dirty="0" smtClean="0">
+              <a:latin typeface="+mj-ea"/>
+              <a:ea typeface="+mj-ea"/>
+            </a:endParaRPr>
+          </a:p>
+          <a:p>
+            <a:endParaRPr lang="en-US" altLang="zh-CN" dirty="0">
+              <a:latin typeface="+mj-ea"/>
+              <a:ea typeface="+mj-ea"/>
+            </a:endParaRPr>
+          </a:p>
+          <a:p>
+            <a:r>
+              <a:rPr lang="zh-CN" altLang="en-US" dirty="0" smtClean="0">
+                <a:latin typeface="+mj-ea"/>
+                <a:ea typeface="+mj-ea"/>
+              </a:rPr>
               <a:t>卷积：基于邻域的线性变换</a:t>
             </a:r>
-            <a:endParaRPr lang="en-US" dirty="0"/>
+            <a:endParaRPr lang="en-US" dirty="0">
+              <a:latin typeface="+mj-ea"/>
+              <a:ea typeface="+mj-ea"/>
+            </a:endParaRPr>
           </a:p>
         </p:txBody>
       </p:sp>
@@ -7850,20 +7916,31 @@
           <a:lstStyle/>
           <a:p>
             <a:r>
-              <a:rPr lang="zh-CN" altLang="en-US" dirty="0" smtClean="0"/>
+              <a:rPr lang="zh-CN" altLang="en-US" dirty="0" smtClean="0">
+                <a:latin typeface="+mj-ea"/>
+                <a:ea typeface="+mj-ea"/>
+              </a:rPr>
               <a:t>来盘</a:t>
             </a:r>
             <a:r>
-              <a:rPr lang="en-US" altLang="zh-CN" dirty="0" smtClean="0"/>
+              <a:rPr lang="en-US" altLang="zh-CN" dirty="0" smtClean="0">
+                <a:latin typeface="+mj-ea"/>
+                <a:ea typeface="+mj-ea"/>
+              </a:rPr>
               <a:t>CODE @</a:t>
             </a:r>
             <a:r>
               <a:rPr lang="en-US" altLang="zh-CN" dirty="0" smtClean="0">
+                <a:latin typeface="+mj-ea"/>
+                <a:ea typeface="+mj-ea"/>
                 <a:hlinkClick r:id="rId3"/>
               </a:rPr>
               <a:t>HERE</a:t>
             </a:r>
-            <a:endParaRPr lang="en-US" dirty="0"/>
+            <a:endParaRPr lang="en-US" dirty="0">
+              <a:latin typeface="+mj-ea"/>
+              <a:ea typeface="+mj-ea"/>
+            </a:endParaRPr>
           </a:p>
         </p:txBody>
       </p:sp>
@@ -8076,78 +8153,126 @@
           <a:lstStyle/>
           <a:p>
             <a:r>
-              <a:rPr lang="en-US" altLang="zh-CN" dirty="0" smtClean="0"/>
+              <a:rPr lang="en-US" altLang="zh-CN" dirty="0" smtClean="0">
+                <a:latin typeface="DengXian Light" panose="02010600030101010101" pitchFamily="2" charset="-122"/>
+                <a:ea typeface="DengXian Light" panose="02010600030101010101" pitchFamily="2" charset="-122"/>
+              </a:rPr>
               <a:t>LeNet-5, 1998</a:t>
             </a:r>
           </a:p>
           <a:p>
             <a:pPr lvl="1"/>
             <a:r>
-              <a:rPr lang="en-US" altLang="zh-CN" dirty="0" smtClean="0"/>
+              <a:rPr lang="en-US" altLang="zh-CN" dirty="0" smtClean="0">
+                <a:latin typeface="DengXian Light" panose="02010600030101010101" pitchFamily="2" charset="-122"/>
+                <a:ea typeface="DengXian Light" panose="02010600030101010101" pitchFamily="2" charset="-122"/>
+              </a:rPr>
               <a:t>CNN</a:t>
             </a:r>
-            <a:endParaRPr lang="en-US" dirty="0" smtClean="0"/>
-          </a:p>
-          <a:p>
-            <a:endParaRPr lang="en-US" dirty="0" smtClean="0"/>
-          </a:p>
-          <a:p>
-            <a:endParaRPr lang="en-US" dirty="0"/>
-          </a:p>
-          <a:p>
-            <a:endParaRPr lang="en-US" dirty="0" smtClean="0"/>
-          </a:p>
-          <a:p>
-            <a:r>
-              <a:rPr lang="en-US" dirty="0" err="1" smtClean="0"/>
+            <a:endParaRPr lang="en-US" dirty="0" smtClean="0">
+              <a:latin typeface="DengXian Light" panose="02010600030101010101" pitchFamily="2" charset="-122"/>
+              <a:ea typeface="DengXian Light" panose="02010600030101010101" pitchFamily="2" charset="-122"/>
+            </a:endParaRPr>
+          </a:p>
+          <a:p>
+            <a:endParaRPr lang="en-US" dirty="0" smtClean="0">
+              <a:latin typeface="DengXian Light" panose="02010600030101010101" pitchFamily="2" charset="-122"/>
+              <a:ea typeface="DengXian Light" panose="02010600030101010101" pitchFamily="2" charset="-122"/>
+            </a:endParaRPr>
+          </a:p>
+          <a:p>
+            <a:endParaRPr lang="en-US" dirty="0">
+              <a:latin typeface="DengXian Light" panose="02010600030101010101" pitchFamily="2" charset="-122"/>
+              <a:ea typeface="DengXian Light" panose="02010600030101010101" pitchFamily="2" charset="-122"/>
+            </a:endParaRPr>
+          </a:p>
+          <a:p>
+            <a:endParaRPr lang="en-US" dirty="0" smtClean="0">
+              <a:latin typeface="DengXian Light" panose="02010600030101010101" pitchFamily="2" charset="-122"/>
+              <a:ea typeface="DengXian Light" panose="02010600030101010101" pitchFamily="2" charset="-122"/>
+            </a:endParaRPr>
+          </a:p>
+          <a:p>
+            <a:r>
+              <a:rPr lang="en-US" dirty="0" err="1" smtClean="0">
+                <a:latin typeface="DengXian Light" panose="02010600030101010101" pitchFamily="2" charset="-122"/>
+                <a:ea typeface="DengXian Light" panose="02010600030101010101" pitchFamily="2" charset="-122"/>
+              </a:rPr>
               <a:t>AlexNet</a:t>
             </a:r>
             <a:r>
-              <a:rPr lang="en-US" dirty="0"/>
+              <a:rPr lang="en-US" dirty="0">
+                <a:latin typeface="DengXian Light" panose="02010600030101010101" pitchFamily="2" charset="-122"/>
+                <a:ea typeface="DengXian Light" panose="02010600030101010101" pitchFamily="2" charset="-122"/>
+              </a:rPr>
               <a:t>, </a:t>
             </a:r>
             <a:r>
-              <a:rPr lang="en-US" dirty="0" smtClean="0"/>
+              <a:rPr lang="en-US" dirty="0" smtClean="0">
+                <a:latin typeface="DengXian Light" panose="02010600030101010101" pitchFamily="2" charset="-122"/>
+                <a:ea typeface="DengXian Light" panose="02010600030101010101" pitchFamily="2" charset="-122"/>
+              </a:rPr>
               <a:t>2012</a:t>
             </a:r>
           </a:p>
           <a:p>
             <a:pPr lvl="1"/>
             <a:r>
-              <a:rPr lang="en-US" sz="1800" dirty="0" err="1" smtClean="0"/>
+              <a:rPr lang="en-US" sz="1800" dirty="0" err="1" smtClean="0">
+                <a:latin typeface="DengXian Light" panose="02010600030101010101" pitchFamily="2" charset="-122"/>
+                <a:ea typeface="DengXian Light" panose="02010600030101010101" pitchFamily="2" charset="-122"/>
+              </a:rPr>
               <a:t>ReLU</a:t>
             </a:r>
-            <a:endParaRPr lang="en-US" sz="1800" dirty="0" smtClean="0"/>
+            <a:endParaRPr lang="en-US" sz="1800" dirty="0" smtClean="0">
+              <a:latin typeface="DengXian Light" panose="02010600030101010101" pitchFamily="2" charset="-122"/>
+              <a:ea typeface="DengXian Light" panose="02010600030101010101" pitchFamily="2" charset="-122"/>
+            </a:endParaRPr>
           </a:p>
           <a:p>
             <a:pPr lvl="1"/>
             <a:r>
-              <a:rPr lang="en-US" sz="1800" dirty="0" smtClean="0"/>
+              <a:rPr lang="en-US" sz="1800" dirty="0" smtClean="0">
+                <a:latin typeface="DengXian Light" panose="02010600030101010101" pitchFamily="2" charset="-122"/>
+                <a:ea typeface="DengXian Light" panose="02010600030101010101" pitchFamily="2" charset="-122"/>
+              </a:rPr>
               <a:t>Batch Normalization</a:t>
             </a:r>
           </a:p>
           <a:p>
             <a:pPr lvl="1"/>
             <a:r>
-              <a:rPr lang="en-US" sz="1800" dirty="0" smtClean="0"/>
+              <a:rPr lang="en-US" sz="1800" dirty="0" smtClean="0">
+                <a:latin typeface="DengXian Light" panose="02010600030101010101" pitchFamily="2" charset="-122"/>
+                <a:ea typeface="DengXian Light" panose="02010600030101010101" pitchFamily="2" charset="-122"/>
+              </a:rPr>
               <a:t>Max Pooling</a:t>
             </a:r>
           </a:p>
           <a:p>
             <a:pPr lvl="1"/>
             <a:r>
-              <a:rPr lang="en-US" sz="1800" dirty="0"/>
+              <a:rPr lang="en-US" sz="1800" dirty="0">
+                <a:latin typeface="DengXian Light" panose="02010600030101010101" pitchFamily="2" charset="-122"/>
+                <a:ea typeface="DengXian Light" panose="02010600030101010101" pitchFamily="2" charset="-122"/>
+              </a:rPr>
               <a:t>Data </a:t>
             </a:r>
             <a:r>
-              <a:rPr lang="en-US" sz="1800" dirty="0" smtClean="0"/>
+              <a:rPr lang="en-US" sz="1800" dirty="0" smtClean="0">
+                <a:latin typeface="DengXian Light" panose="02010600030101010101" pitchFamily="2" charset="-122"/>
+                <a:ea typeface="DengXian Light" panose="02010600030101010101" pitchFamily="2" charset="-122"/>
+              </a:rPr>
               <a:t>Augmentation</a:t>
             </a:r>
           </a:p>
           <a:p>
             <a:pPr lvl="1"/>
             <a:r>
-              <a:rPr lang="en-US" sz="1800" dirty="0" smtClean="0"/>
+              <a:rPr lang="en-US" sz="1800" dirty="0" smtClean="0">
+                <a:latin typeface="DengXian Light" panose="02010600030101010101" pitchFamily="2" charset="-122"/>
+                <a:ea typeface="DengXian Light" panose="02010600030101010101" pitchFamily="2" charset="-122"/>
+              </a:rPr>
               <a:t>Dropout regularization</a:t>
             </a:r>
           </a:p>
@@ -8375,20 +8500,31 @@
           <a:lstStyle/>
           <a:p>
             <a:r>
-              <a:rPr lang="zh-CN" altLang="en-US" dirty="0"/>
+              <a:rPr lang="zh-CN" altLang="en-US" dirty="0">
+                <a:latin typeface="DengXian Light" panose="02010600030101010101" pitchFamily="2" charset="-122"/>
+                <a:ea typeface="DengXian Light" panose="02010600030101010101" pitchFamily="2" charset="-122"/>
+              </a:rPr>
               <a:t>来盘</a:t>
             </a:r>
             <a:r>
-              <a:rPr lang="en-US" altLang="zh-CN" dirty="0"/>
+              <a:rPr lang="en-US" altLang="zh-CN" dirty="0">
+                <a:latin typeface="DengXian Light" panose="02010600030101010101" pitchFamily="2" charset="-122"/>
+                <a:ea typeface="DengXian Light" panose="02010600030101010101" pitchFamily="2" charset="-122"/>
+              </a:rPr>
               <a:t>CODE @</a:t>
             </a:r>
             <a:r>
               <a:rPr lang="en-US" altLang="zh-CN" dirty="0">
+                <a:latin typeface="DengXian Light" panose="02010600030101010101" pitchFamily="2" charset="-122"/>
+                <a:ea typeface="DengXian Light" panose="02010600030101010101" pitchFamily="2" charset="-122"/>
                 <a:hlinkClick r:id="rId3"/>
               </a:rPr>
               <a:t>HERE</a:t>
             </a:r>
-            <a:endParaRPr lang="en-US" dirty="0"/>
+            <a:endParaRPr lang="en-US" dirty="0">
+              <a:latin typeface="DengXian Light" panose="02010600030101010101" pitchFamily="2" charset="-122"/>
+              <a:ea typeface="DengXian Light" panose="02010600030101010101" pitchFamily="2" charset="-122"/>
+            </a:endParaRPr>
           </a:p>
           <a:p>
             <a:endParaRPr lang="en-US" dirty="0"/>
@@ -8543,97 +8679,172 @@
           <a:lstStyle/>
           <a:p>
             <a:r>
-              <a:rPr lang="en-US" altLang="zh-CN" dirty="0" smtClean="0"/>
+              <a:rPr lang="en-US" altLang="zh-CN" dirty="0" smtClean="0">
+                <a:latin typeface="DengXian Light" panose="02010600030101010101" pitchFamily="2" charset="-122"/>
+                <a:ea typeface="DengXian Light" panose="02010600030101010101" pitchFamily="2" charset="-122"/>
+              </a:rPr>
               <a:t>Bias(</a:t>
             </a:r>
             <a:r>
-              <a:rPr lang="zh-CN" altLang="en-US" dirty="0" smtClean="0"/>
+              <a:rPr lang="zh-CN" altLang="en-US" dirty="0" smtClean="0">
+                <a:latin typeface="DengXian Light" panose="02010600030101010101" pitchFamily="2" charset="-122"/>
+                <a:ea typeface="DengXian Light" panose="02010600030101010101" pitchFamily="2" charset="-122"/>
+              </a:rPr>
               <a:t>偏差</a:t>
             </a:r>
             <a:r>
-              <a:rPr lang="en-US" altLang="zh-CN" dirty="0" smtClean="0"/>
+              <a:rPr lang="en-US" altLang="zh-CN" dirty="0" smtClean="0">
+                <a:latin typeface="DengXian Light" panose="02010600030101010101" pitchFamily="2" charset="-122"/>
+                <a:ea typeface="DengXian Light" panose="02010600030101010101" pitchFamily="2" charset="-122"/>
+              </a:rPr>
               <a:t>) vs. Variance(</a:t>
             </a:r>
             <a:r>
-              <a:rPr lang="zh-CN" altLang="en-US" dirty="0" smtClean="0"/>
+              <a:rPr lang="zh-CN" altLang="en-US" dirty="0" smtClean="0">
+                <a:latin typeface="DengXian Light" panose="02010600030101010101" pitchFamily="2" charset="-122"/>
+                <a:ea typeface="DengXian Light" panose="02010600030101010101" pitchFamily="2" charset="-122"/>
+              </a:rPr>
               <a:t>方差</a:t>
             </a:r>
             <a:r>
-              <a:rPr lang="en-US" altLang="zh-CN" dirty="0" smtClean="0"/>
+              <a:rPr lang="en-US" altLang="zh-CN" dirty="0" smtClean="0">
+                <a:latin typeface="DengXian Light" panose="02010600030101010101" pitchFamily="2" charset="-122"/>
+                <a:ea typeface="DengXian Light" panose="02010600030101010101" pitchFamily="2" charset="-122"/>
+              </a:rPr>
               <a:t>)</a:t>
             </a:r>
           </a:p>
           <a:p>
-            <a:endParaRPr lang="en-US" altLang="zh-CN" dirty="0"/>
-          </a:p>
-          <a:p>
-            <a:endParaRPr lang="en-US" altLang="zh-CN" dirty="0" smtClean="0"/>
-          </a:p>
-          <a:p>
-            <a:endParaRPr lang="en-US" altLang="zh-CN" dirty="0"/>
-          </a:p>
-          <a:p>
-            <a:endParaRPr lang="en-US" altLang="zh-CN" dirty="0" smtClean="0"/>
-          </a:p>
-          <a:p>
-            <a:endParaRPr lang="en-US" altLang="zh-CN" dirty="0"/>
-          </a:p>
-          <a:p>
-            <a:r>
-              <a:rPr lang="zh-CN" altLang="en-US" dirty="0" smtClean="0"/>
+            <a:endParaRPr lang="en-US" altLang="zh-CN" dirty="0">
+              <a:latin typeface="DengXian Light" panose="02010600030101010101" pitchFamily="2" charset="-122"/>
+              <a:ea typeface="DengXian Light" panose="02010600030101010101" pitchFamily="2" charset="-122"/>
+            </a:endParaRPr>
+          </a:p>
+          <a:p>
+            <a:endParaRPr lang="en-US" altLang="zh-CN" dirty="0" smtClean="0">
+              <a:latin typeface="DengXian Light" panose="02010600030101010101" pitchFamily="2" charset="-122"/>
+              <a:ea typeface="DengXian Light" panose="02010600030101010101" pitchFamily="2" charset="-122"/>
+            </a:endParaRPr>
+          </a:p>
+          <a:p>
+            <a:endParaRPr lang="en-US" altLang="zh-CN" dirty="0">
+              <a:latin typeface="DengXian Light" panose="02010600030101010101" pitchFamily="2" charset="-122"/>
+              <a:ea typeface="DengXian Light" panose="02010600030101010101" pitchFamily="2" charset="-122"/>
+            </a:endParaRPr>
+          </a:p>
+          <a:p>
+            <a:endParaRPr lang="en-US" altLang="zh-CN" dirty="0" smtClean="0">
+              <a:latin typeface="DengXian Light" panose="02010600030101010101" pitchFamily="2" charset="-122"/>
+              <a:ea typeface="DengXian Light" panose="02010600030101010101" pitchFamily="2" charset="-122"/>
+            </a:endParaRPr>
+          </a:p>
+          <a:p>
+            <a:endParaRPr lang="en-US" altLang="zh-CN" dirty="0">
+              <a:latin typeface="DengXian Light" panose="02010600030101010101" pitchFamily="2" charset="-122"/>
+              <a:ea typeface="DengXian Light" panose="02010600030101010101" pitchFamily="2" charset="-122"/>
+            </a:endParaRPr>
+          </a:p>
+          <a:p>
+            <a:r>
+              <a:rPr lang="zh-CN" altLang="en-US" dirty="0" smtClean="0">
+                <a:latin typeface="DengXian Light" panose="02010600030101010101" pitchFamily="2" charset="-122"/>
+                <a:ea typeface="DengXian Light" panose="02010600030101010101" pitchFamily="2" charset="-122"/>
+              </a:rPr>
               <a:t>要</a:t>
             </a:r>
             <a:r>
-              <a:rPr lang="en-US" altLang="zh-CN" dirty="0" smtClean="0"/>
+              <a:rPr lang="en-US" altLang="zh-CN" dirty="0" smtClean="0">
+                <a:latin typeface="DengXian Light" panose="02010600030101010101" pitchFamily="2" charset="-122"/>
+                <a:ea typeface="DengXian Light" panose="02010600030101010101" pitchFamily="2" charset="-122"/>
+              </a:rPr>
               <a:t>HOLD</a:t>
             </a:r>
             <a:r>
-              <a:rPr lang="zh-CN" altLang="en-US" dirty="0" smtClean="0"/>
+              <a:rPr lang="zh-CN" altLang="en-US" dirty="0" smtClean="0">
+                <a:latin typeface="DengXian Light" panose="02010600030101010101" pitchFamily="2" charset="-122"/>
+                <a:ea typeface="DengXian Light" panose="02010600030101010101" pitchFamily="2" charset="-122"/>
+              </a:rPr>
               <a:t>大数据，需要大容量（复杂）的模型</a:t>
             </a:r>
-            <a:endParaRPr lang="en-US" altLang="zh-CN" dirty="0" smtClean="0"/>
-          </a:p>
-          <a:p>
-            <a:r>
-              <a:rPr lang="zh-CN" altLang="en-US" dirty="0" smtClean="0"/>
+            <a:endParaRPr lang="en-US" altLang="zh-CN" dirty="0" smtClean="0">
+              <a:latin typeface="DengXian Light" panose="02010600030101010101" pitchFamily="2" charset="-122"/>
+              <a:ea typeface="DengXian Light" panose="02010600030101010101" pitchFamily="2" charset="-122"/>
+            </a:endParaRPr>
+          </a:p>
+          <a:p>
+            <a:r>
+              <a:rPr lang="zh-CN" altLang="en-US" dirty="0" smtClean="0">
+                <a:latin typeface="DengXian Light" panose="02010600030101010101" pitchFamily="2" charset="-122"/>
+                <a:ea typeface="DengXian Light" panose="02010600030101010101" pitchFamily="2" charset="-122"/>
+              </a:rPr>
               <a:t>同样的容量，深模型比浅模型需要更少的参数。</a:t>
             </a:r>
-            <a:endParaRPr lang="en-US" altLang="zh-CN" dirty="0" smtClean="0"/>
-          </a:p>
-          <a:p>
-            <a:r>
-              <a:rPr lang="zh-CN" altLang="en-US" dirty="0"/>
+            <a:endParaRPr lang="en-US" altLang="zh-CN" dirty="0" smtClean="0">
+              <a:latin typeface="DengXian Light" panose="02010600030101010101" pitchFamily="2" charset="-122"/>
+              <a:ea typeface="DengXian Light" panose="02010600030101010101" pitchFamily="2" charset="-122"/>
+            </a:endParaRPr>
+          </a:p>
+          <a:p>
+            <a:r>
+              <a:rPr lang="zh-CN" altLang="en-US" dirty="0">
+                <a:latin typeface="DengXian Light" panose="02010600030101010101" pitchFamily="2" charset="-122"/>
+                <a:ea typeface="DengXian Light" panose="02010600030101010101" pitchFamily="2" charset="-122"/>
+              </a:rPr>
               <a:t>直</a:t>
             </a:r>
             <a:r>
-              <a:rPr lang="zh-CN" altLang="en-US" dirty="0" smtClean="0"/>
+              <a:rPr lang="zh-CN" altLang="en-US" dirty="0" smtClean="0">
+                <a:latin typeface="DengXian Light" panose="02010600030101010101" pitchFamily="2" charset="-122"/>
+                <a:ea typeface="DengXian Light" panose="02010600030101010101" pitchFamily="2" charset="-122"/>
+              </a:rPr>
               <a:t>觉：</a:t>
             </a:r>
             <a:r>
-              <a:rPr lang="en-US" dirty="0"/>
+              <a:rPr lang="en-US" dirty="0">
+                <a:latin typeface="DengXian Light" panose="02010600030101010101" pitchFamily="2" charset="-122"/>
+                <a:ea typeface="DengXian Light" panose="02010600030101010101" pitchFamily="2" charset="-122"/>
+              </a:rPr>
               <a:t>224</a:t>
             </a:r>
             <a:r>
-              <a:rPr lang="zh-CN" altLang="en-US" dirty="0"/>
+              <a:rPr lang="zh-CN" altLang="en-US" dirty="0">
+                <a:latin typeface="DengXian Light" panose="02010600030101010101" pitchFamily="2" charset="-122"/>
+                <a:ea typeface="DengXian Light" panose="02010600030101010101" pitchFamily="2" charset="-122"/>
+              </a:rPr>
               <a:t>*</a:t>
             </a:r>
             <a:r>
-              <a:rPr lang="en-US" altLang="zh-CN" dirty="0"/>
+              <a:rPr lang="en-US" altLang="zh-CN" dirty="0">
+                <a:latin typeface="DengXian Light" panose="02010600030101010101" pitchFamily="2" charset="-122"/>
+                <a:ea typeface="DengXian Light" panose="02010600030101010101" pitchFamily="2" charset="-122"/>
+              </a:rPr>
               <a:t>224</a:t>
             </a:r>
             <a:r>
-              <a:rPr lang="zh-CN" altLang="en-US" dirty="0"/>
+              <a:rPr lang="zh-CN" altLang="en-US" dirty="0">
+                <a:latin typeface="DengXian Light" panose="02010600030101010101" pitchFamily="2" charset="-122"/>
+                <a:ea typeface="DengXian Light" panose="02010600030101010101" pitchFamily="2" charset="-122"/>
+              </a:rPr>
               <a:t>*</a:t>
             </a:r>
             <a:r>
-              <a:rPr lang="en-US" altLang="zh-CN" dirty="0"/>
+              <a:rPr lang="en-US" altLang="zh-CN" dirty="0">
+                <a:latin typeface="DengXian Light" panose="02010600030101010101" pitchFamily="2" charset="-122"/>
+                <a:ea typeface="DengXian Light" panose="02010600030101010101" pitchFamily="2" charset="-122"/>
+              </a:rPr>
               <a:t>3 = </a:t>
             </a:r>
             <a:r>
-              <a:rPr lang="en-US" altLang="zh-CN" dirty="0" smtClean="0"/>
+              <a:rPr lang="en-US" altLang="zh-CN" dirty="0" smtClean="0">
+                <a:latin typeface="DengXian Light" panose="02010600030101010101" pitchFamily="2" charset="-122"/>
+                <a:ea typeface="DengXian Light" panose="02010600030101010101" pitchFamily="2" charset="-122"/>
+              </a:rPr>
               <a:t>150528</a:t>
             </a:r>
-            <a:endParaRPr lang="en-US" dirty="0"/>
+            <a:endParaRPr lang="en-US" dirty="0">
+              <a:latin typeface="DengXian Light" panose="02010600030101010101" pitchFamily="2" charset="-122"/>
+              <a:ea typeface="DengXian Light" panose="02010600030101010101" pitchFamily="2" charset="-122"/>
+            </a:endParaRPr>
           </a:p>
           <a:p>
             <a:endParaRPr lang="en-US" altLang="zh-CN" dirty="0" smtClean="0"/>
@@ -8804,30 +9015,50 @@
           <a:lstStyle/>
           <a:p>
             <a:r>
-              <a:rPr lang="en-US" altLang="zh-CN" dirty="0" smtClean="0"/>
+              <a:rPr lang="en-US" altLang="zh-CN" dirty="0" smtClean="0">
+                <a:latin typeface="DengXian Light" panose="02010600030101010101" pitchFamily="2" charset="-122"/>
+                <a:ea typeface="DengXian Light" panose="02010600030101010101" pitchFamily="2" charset="-122"/>
+              </a:rPr>
               <a:t>The Book @</a:t>
             </a:r>
             <a:r>
               <a:rPr lang="en-US" altLang="zh-CN" dirty="0" smtClean="0">
+                <a:latin typeface="DengXian Light" panose="02010600030101010101" pitchFamily="2" charset="-122"/>
+                <a:ea typeface="DengXian Light" panose="02010600030101010101" pitchFamily="2" charset="-122"/>
                 <a:hlinkClick r:id="rId3"/>
               </a:rPr>
               <a:t>HERE</a:t>
             </a:r>
-            <a:endParaRPr lang="en-US" altLang="zh-CN" dirty="0" smtClean="0"/>
-          </a:p>
-          <a:p>
-            <a:endParaRPr lang="en-US" dirty="0"/>
-          </a:p>
-          <a:p>
-            <a:r>
-              <a:rPr lang="en-US" dirty="0" smtClean="0"/>
+            <a:endParaRPr lang="en-US" altLang="zh-CN" dirty="0" smtClean="0">
+              <a:latin typeface="DengXian Light" panose="02010600030101010101" pitchFamily="2" charset="-122"/>
+              <a:ea typeface="DengXian Light" panose="02010600030101010101" pitchFamily="2" charset="-122"/>
+            </a:endParaRPr>
+          </a:p>
+          <a:p>
+            <a:endParaRPr lang="en-US" dirty="0">
+              <a:latin typeface="DengXian Light" panose="02010600030101010101" pitchFamily="2" charset="-122"/>
+              <a:ea typeface="DengXian Light" panose="02010600030101010101" pitchFamily="2" charset="-122"/>
+            </a:endParaRPr>
+          </a:p>
+          <a:p>
+            <a:r>
+              <a:rPr lang="en-US" dirty="0" smtClean="0">
+                <a:latin typeface="DengXian Light" panose="02010600030101010101" pitchFamily="2" charset="-122"/>
+                <a:ea typeface="DengXian Light" panose="02010600030101010101" pitchFamily="2" charset="-122"/>
+              </a:rPr>
               <a:t>7</a:t>
             </a:r>
             <a:r>
-              <a:rPr lang="zh-CN" altLang="en-US" dirty="0" smtClean="0"/>
+              <a:rPr lang="zh-CN" altLang="en-US" dirty="0" smtClean="0">
+                <a:latin typeface="DengXian Light" panose="02010600030101010101" pitchFamily="2" charset="-122"/>
+                <a:ea typeface="DengXian Light" panose="02010600030101010101" pitchFamily="2" charset="-122"/>
+              </a:rPr>
               <a:t>种基本表情：</a:t>
             </a:r>
-            <a:endParaRPr lang="en-US" dirty="0"/>
+            <a:endParaRPr lang="en-US" dirty="0">
+              <a:latin typeface="DengXian Light" panose="02010600030101010101" pitchFamily="2" charset="-122"/>
+              <a:ea typeface="DengXian Light" panose="02010600030101010101" pitchFamily="2" charset="-122"/>
+            </a:endParaRPr>
           </a:p>
         </p:txBody>
       </p:sp>
@@ -9009,88 +9240,145 @@
           </a:p>
           <a:p>
             <a:r>
-              <a:rPr lang="en-US" dirty="0"/>
+              <a:rPr lang="en-US" dirty="0">
+                <a:latin typeface="DengXian Light" panose="02010600030101010101" pitchFamily="2" charset="-122"/>
+                <a:ea typeface="DengXian Light" panose="02010600030101010101" pitchFamily="2" charset="-122"/>
+              </a:rPr>
               <a:t>48x48 pixel grayscale images of </a:t>
             </a:r>
             <a:r>
-              <a:rPr lang="en-US" dirty="0" smtClean="0"/>
+              <a:rPr lang="en-US" dirty="0" smtClean="0">
+                <a:latin typeface="DengXian Light" panose="02010600030101010101" pitchFamily="2" charset="-122"/>
+                <a:ea typeface="DengXian Light" panose="02010600030101010101" pitchFamily="2" charset="-122"/>
+              </a:rPr>
               <a:t>faces</a:t>
             </a:r>
           </a:p>
           <a:p>
             <a:r>
-              <a:rPr lang="en-US" dirty="0" smtClean="0"/>
+              <a:rPr lang="en-US" dirty="0" smtClean="0">
+                <a:latin typeface="DengXian Light" panose="02010600030101010101" pitchFamily="2" charset="-122"/>
+                <a:ea typeface="DengXian Light" panose="02010600030101010101" pitchFamily="2" charset="-122"/>
+              </a:rPr>
               <a:t>Seven </a:t>
             </a:r>
             <a:r>
-              <a:rPr lang="en-US" dirty="0"/>
+              <a:rPr lang="en-US" dirty="0">
+                <a:latin typeface="DengXian Light" panose="02010600030101010101" pitchFamily="2" charset="-122"/>
+                <a:ea typeface="DengXian Light" panose="02010600030101010101" pitchFamily="2" charset="-122"/>
+              </a:rPr>
               <a:t>categories (0=Angry, 1=Disgust, 2=Fear, 3=Happy, 4=Sad, 5=Surprise, 6=Neutral</a:t>
             </a:r>
             <a:r>
-              <a:rPr lang="en-US" dirty="0" smtClean="0"/>
+              <a:rPr lang="en-US" dirty="0" smtClean="0">
+                <a:latin typeface="DengXian Light" panose="02010600030101010101" pitchFamily="2" charset="-122"/>
+                <a:ea typeface="DengXian Light" panose="02010600030101010101" pitchFamily="2" charset="-122"/>
+              </a:rPr>
               <a:t>)</a:t>
             </a:r>
           </a:p>
           <a:p>
             <a:r>
-              <a:rPr lang="en-US" dirty="0" smtClean="0"/>
+              <a:rPr lang="en-US" dirty="0" smtClean="0">
+                <a:latin typeface="DengXian Light" panose="02010600030101010101" pitchFamily="2" charset="-122"/>
+                <a:ea typeface="DengXian Light" panose="02010600030101010101" pitchFamily="2" charset="-122"/>
+              </a:rPr>
               <a:t>Data</a:t>
             </a:r>
             <a:r>
-              <a:rPr lang="en-US" altLang="zh-CN" dirty="0" smtClean="0"/>
+              <a:rPr lang="en-US" altLang="zh-CN" dirty="0" smtClean="0">
+                <a:latin typeface="DengXian Light" panose="02010600030101010101" pitchFamily="2" charset="-122"/>
+                <a:ea typeface="DengXian Light" panose="02010600030101010101" pitchFamily="2" charset="-122"/>
+              </a:rPr>
               <a:t>set:</a:t>
             </a:r>
-            <a:endParaRPr lang="en-US" dirty="0" smtClean="0"/>
+            <a:endParaRPr lang="en-US" dirty="0" smtClean="0">
+              <a:latin typeface="DengXian Light" panose="02010600030101010101" pitchFamily="2" charset="-122"/>
+              <a:ea typeface="DengXian Light" panose="02010600030101010101" pitchFamily="2" charset="-122"/>
+            </a:endParaRPr>
           </a:p>
           <a:p>
             <a:pPr lvl="1"/>
             <a:r>
-              <a:rPr lang="en-US" dirty="0" smtClean="0"/>
+              <a:rPr lang="en-US" dirty="0" smtClean="0">
+                <a:latin typeface="DengXian Light" panose="02010600030101010101" pitchFamily="2" charset="-122"/>
+                <a:ea typeface="DengXian Light" panose="02010600030101010101" pitchFamily="2" charset="-122"/>
+              </a:rPr>
               <a:t>Training set: 28,709 </a:t>
             </a:r>
             <a:r>
-              <a:rPr lang="en-US" dirty="0"/>
+              <a:rPr lang="en-US" dirty="0">
+                <a:latin typeface="DengXian Light" panose="02010600030101010101" pitchFamily="2" charset="-122"/>
+                <a:ea typeface="DengXian Light" panose="02010600030101010101" pitchFamily="2" charset="-122"/>
+              </a:rPr>
               <a:t>examples</a:t>
             </a:r>
             <a:r>
-              <a:rPr lang="en-US" dirty="0" smtClean="0"/>
+              <a:rPr lang="en-US" dirty="0" smtClean="0">
+                <a:latin typeface="DengXian Light" panose="02010600030101010101" pitchFamily="2" charset="-122"/>
+                <a:ea typeface="DengXian Light" panose="02010600030101010101" pitchFamily="2" charset="-122"/>
+              </a:rPr>
               <a:t>.</a:t>
             </a:r>
           </a:p>
           <a:p>
             <a:pPr lvl="1"/>
             <a:r>
-              <a:rPr lang="en-US" dirty="0" smtClean="0"/>
+              <a:rPr lang="en-US" dirty="0" smtClean="0">
+                <a:latin typeface="DengXian Light" panose="02010600030101010101" pitchFamily="2" charset="-122"/>
+                <a:ea typeface="DengXian Light" panose="02010600030101010101" pitchFamily="2" charset="-122"/>
+              </a:rPr>
               <a:t>Public </a:t>
             </a:r>
             <a:r>
-              <a:rPr lang="en-US" dirty="0"/>
+              <a:rPr lang="en-US" dirty="0">
+                <a:latin typeface="DengXian Light" panose="02010600030101010101" pitchFamily="2" charset="-122"/>
+                <a:ea typeface="DengXian Light" panose="02010600030101010101" pitchFamily="2" charset="-122"/>
+              </a:rPr>
               <a:t>test </a:t>
             </a:r>
             <a:r>
-              <a:rPr lang="en-US" dirty="0" smtClean="0"/>
+              <a:rPr lang="en-US" dirty="0" smtClean="0">
+                <a:latin typeface="DengXian Light" panose="02010600030101010101" pitchFamily="2" charset="-122"/>
+                <a:ea typeface="DengXian Light" panose="02010600030101010101" pitchFamily="2" charset="-122"/>
+              </a:rPr>
               <a:t>set: 3,589 examples</a:t>
             </a:r>
           </a:p>
           <a:p>
             <a:pPr lvl="1"/>
             <a:r>
-              <a:rPr lang="en-US" dirty="0" smtClean="0"/>
+              <a:rPr lang="en-US" dirty="0" smtClean="0">
+                <a:latin typeface="DengXian Light" panose="02010600030101010101" pitchFamily="2" charset="-122"/>
+                <a:ea typeface="DengXian Light" panose="02010600030101010101" pitchFamily="2" charset="-122"/>
+              </a:rPr>
               <a:t>Final </a:t>
             </a:r>
             <a:r>
-              <a:rPr lang="en-US" dirty="0"/>
+              <a:rPr lang="en-US" dirty="0">
+                <a:latin typeface="DengXian Light" panose="02010600030101010101" pitchFamily="2" charset="-122"/>
+                <a:ea typeface="DengXian Light" panose="02010600030101010101" pitchFamily="2" charset="-122"/>
+              </a:rPr>
               <a:t>test </a:t>
             </a:r>
             <a:r>
-              <a:rPr lang="en-US" dirty="0" smtClean="0"/>
+              <a:rPr lang="en-US" dirty="0" smtClean="0">
+                <a:latin typeface="DengXian Light" panose="02010600030101010101" pitchFamily="2" charset="-122"/>
+                <a:ea typeface="DengXian Light" panose="02010600030101010101" pitchFamily="2" charset="-122"/>
+              </a:rPr>
               <a:t>set: </a:t>
             </a:r>
             <a:r>
-              <a:rPr lang="en-US" dirty="0"/>
+              <a:rPr lang="en-US" dirty="0">
+                <a:latin typeface="DengXian Light" panose="02010600030101010101" pitchFamily="2" charset="-122"/>
+                <a:ea typeface="DengXian Light" panose="02010600030101010101" pitchFamily="2" charset="-122"/>
+              </a:rPr>
               <a:t>3,589 examples</a:t>
             </a:r>
-            <a:endParaRPr lang="en-US" dirty="0" smtClean="0"/>
+            <a:endParaRPr lang="en-US" dirty="0" smtClean="0">
+              <a:latin typeface="DengXian Light" panose="02010600030101010101" pitchFamily="2" charset="-122"/>
+              <a:ea typeface="DengXian Light" panose="02010600030101010101" pitchFamily="2" charset="-122"/>
+            </a:endParaRPr>
           </a:p>
           <a:p>
             <a:endParaRPr lang="en-US" dirty="0" smtClean="0"/>

--- a/cnn/CNN.pptx
+++ b/cnn/CNN.pptx
@@ -207,7 +207,7 @@
           <a:p>
             <a:fld id="{E19AA29A-41D3-4D5C-818A-52A190EEA591}" type="datetimeFigureOut">
               <a:rPr lang="en-US" smtClean="0"/>
-              <a:t>11/9/2017</a:t>
+              <a:t>11/13/2017</a:t>
             </a:fld>
             <a:endParaRPr lang="en-US"/>
           </a:p>
@@ -1918,7 +1918,7 @@
           <a:p>
             <a:fld id="{D48E44AF-50BB-48D5-BC0B-D90D9503CD10}" type="datetimeFigureOut">
               <a:rPr lang="en-US" smtClean="0"/>
-              <a:t>11/9/2017</a:t>
+              <a:t>11/13/2017</a:t>
             </a:fld>
             <a:endParaRPr lang="en-US"/>
           </a:p>
@@ -2088,7 +2088,7 @@
           <a:p>
             <a:fld id="{D48E44AF-50BB-48D5-BC0B-D90D9503CD10}" type="datetimeFigureOut">
               <a:rPr lang="en-US" smtClean="0"/>
-              <a:t>11/9/2017</a:t>
+              <a:t>11/13/2017</a:t>
             </a:fld>
             <a:endParaRPr lang="en-US"/>
           </a:p>
@@ -2268,7 +2268,7 @@
           <a:p>
             <a:fld id="{D48E44AF-50BB-48D5-BC0B-D90D9503CD10}" type="datetimeFigureOut">
               <a:rPr lang="en-US" smtClean="0"/>
-              <a:t>11/9/2017</a:t>
+              <a:t>11/13/2017</a:t>
             </a:fld>
             <a:endParaRPr lang="en-US"/>
           </a:p>
@@ -2438,7 +2438,7 @@
           <a:p>
             <a:fld id="{D48E44AF-50BB-48D5-BC0B-D90D9503CD10}" type="datetimeFigureOut">
               <a:rPr lang="en-US" smtClean="0"/>
-              <a:t>11/9/2017</a:t>
+              <a:t>11/13/2017</a:t>
             </a:fld>
             <a:endParaRPr lang="en-US"/>
           </a:p>
@@ -2684,7 +2684,7 @@
           <a:p>
             <a:fld id="{D48E44AF-50BB-48D5-BC0B-D90D9503CD10}" type="datetimeFigureOut">
               <a:rPr lang="en-US" smtClean="0"/>
-              <a:t>11/9/2017</a:t>
+              <a:t>11/13/2017</a:t>
             </a:fld>
             <a:endParaRPr lang="en-US"/>
           </a:p>
@@ -2916,7 +2916,7 @@
           <a:p>
             <a:fld id="{D48E44AF-50BB-48D5-BC0B-D90D9503CD10}" type="datetimeFigureOut">
               <a:rPr lang="en-US" smtClean="0"/>
-              <a:t>11/9/2017</a:t>
+              <a:t>11/13/2017</a:t>
             </a:fld>
             <a:endParaRPr lang="en-US"/>
           </a:p>
@@ -3283,7 +3283,7 @@
           <a:p>
             <a:fld id="{D48E44AF-50BB-48D5-BC0B-D90D9503CD10}" type="datetimeFigureOut">
               <a:rPr lang="en-US" smtClean="0"/>
-              <a:t>11/9/2017</a:t>
+              <a:t>11/13/2017</a:t>
             </a:fld>
             <a:endParaRPr lang="en-US"/>
           </a:p>
@@ -3401,7 +3401,7 @@
           <a:p>
             <a:fld id="{D48E44AF-50BB-48D5-BC0B-D90D9503CD10}" type="datetimeFigureOut">
               <a:rPr lang="en-US" smtClean="0"/>
-              <a:t>11/9/2017</a:t>
+              <a:t>11/13/2017</a:t>
             </a:fld>
             <a:endParaRPr lang="en-US"/>
           </a:p>
@@ -3496,7 +3496,7 @@
           <a:p>
             <a:fld id="{D48E44AF-50BB-48D5-BC0B-D90D9503CD10}" type="datetimeFigureOut">
               <a:rPr lang="en-US" smtClean="0"/>
-              <a:t>11/9/2017</a:t>
+              <a:t>11/13/2017</a:t>
             </a:fld>
             <a:endParaRPr lang="en-US"/>
           </a:p>
@@ -3773,7 +3773,7 @@
           <a:p>
             <a:fld id="{D48E44AF-50BB-48D5-BC0B-D90D9503CD10}" type="datetimeFigureOut">
               <a:rPr lang="en-US" smtClean="0"/>
-              <a:t>11/9/2017</a:t>
+              <a:t>11/13/2017</a:t>
             </a:fld>
             <a:endParaRPr lang="en-US"/>
           </a:p>
@@ -4026,7 +4026,7 @@
           <a:p>
             <a:fld id="{D48E44AF-50BB-48D5-BC0B-D90D9503CD10}" type="datetimeFigureOut">
               <a:rPr lang="en-US" smtClean="0"/>
-              <a:t>11/9/2017</a:t>
+              <a:t>11/13/2017</a:t>
             </a:fld>
             <a:endParaRPr lang="en-US"/>
           </a:p>
@@ -4239,7 +4239,7 @@
           <a:p>
             <a:fld id="{D48E44AF-50BB-48D5-BC0B-D90D9503CD10}" type="datetimeFigureOut">
               <a:rPr lang="en-US" smtClean="0"/>
-              <a:t>11/9/2017</a:t>
+              <a:t>11/13/2017</a:t>
             </a:fld>
             <a:endParaRPr lang="en-US"/>
           </a:p>
@@ -4698,6 +4698,145 @@
           </a:p>
         </p:txBody>
       </p:sp>
+      <p:sp>
+        <p:nvSpPr>
+          <p:cNvPr id="4" name="TextBox 3">
+            <a:extLst>
+              <a:ext uri="{FF2B5EF4-FFF2-40B4-BE49-F238E27FC236}">
+                <a16:creationId xmlns:a16="http://schemas.microsoft.com/office/drawing/2014/main" id="{EC99D17C-9CAF-4CA3-AC60-BFC1E76BF537}"/>
+              </a:ext>
+            </a:extLst>
+          </p:cNvPr>
+          <p:cNvSpPr txBox="1"/>
+          <p:nvPr/>
+        </p:nvSpPr>
+        <p:spPr>
+          <a:xfrm>
+            <a:off x="9619361" y="6244120"/>
+            <a:ext cx="2613279" cy="923330"/>
+          </a:xfrm>
+          <a:prstGeom prst="rect">
+            <a:avLst/>
+          </a:prstGeom>
+          <a:noFill/>
+        </p:spPr>
+        <p:txBody>
+          <a:bodyPr wrap="none" rtlCol="0">
+            <a:spAutoFit/>
+          </a:bodyPr>
+          <a:lstStyle/>
+          <a:p>
+            <a:pPr algn="r"/>
+            <a:r>
+              <a:rPr lang="en-US" altLang="zh-CN" dirty="0" err="1">
+                <a:solidFill>
+                  <a:schemeClr val="tx1">
+                    <a:lumMod val="65000"/>
+                    <a:lumOff val="35000"/>
+                  </a:schemeClr>
+                </a:solidFill>
+              </a:rPr>
+              <a:t>BingAds</a:t>
+            </a:r>
+            <a:r>
+              <a:rPr lang="en-US" altLang="zh-CN" dirty="0">
+                <a:solidFill>
+                  <a:schemeClr val="tx1">
+                    <a:lumMod val="65000"/>
+                    <a:lumOff val="35000"/>
+                  </a:schemeClr>
+                </a:solidFill>
+              </a:rPr>
+              <a:t> </a:t>
+            </a:r>
+            <a:r>
+              <a:rPr lang="en-US" dirty="0">
+                <a:solidFill>
+                  <a:schemeClr val="tx1">
+                    <a:lumMod val="65000"/>
+                    <a:lumOff val="35000"/>
+                  </a:schemeClr>
+                </a:solidFill>
+              </a:rPr>
+              <a:t>UCM</a:t>
+            </a:r>
+            <a:r>
+              <a:rPr lang="zh-CN" altLang="en-US" dirty="0">
+                <a:solidFill>
+                  <a:schemeClr val="tx1">
+                    <a:lumMod val="65000"/>
+                    <a:lumOff val="35000"/>
+                  </a:schemeClr>
+                </a:solidFill>
+              </a:rPr>
+              <a:t>组内部分享</a:t>
+            </a:r>
+            <a:endParaRPr lang="en-US" altLang="zh-CN" dirty="0">
+              <a:solidFill>
+                <a:schemeClr val="tx1">
+                  <a:lumMod val="65000"/>
+                  <a:lumOff val="35000"/>
+                </a:schemeClr>
+              </a:solidFill>
+            </a:endParaRPr>
+          </a:p>
+          <a:p>
+            <a:pPr algn="r"/>
+            <a:r>
+              <a:rPr lang="zh-CN" altLang="en-US" dirty="0">
+                <a:solidFill>
+                  <a:schemeClr val="tx1">
+                    <a:lumMod val="65000"/>
+                    <a:lumOff val="35000"/>
+                  </a:schemeClr>
+                </a:solidFill>
+              </a:rPr>
+              <a:t>刘杨</a:t>
+            </a:r>
+            <a:r>
+              <a:rPr lang="en-US" altLang="zh-CN" dirty="0">
+                <a:solidFill>
+                  <a:schemeClr val="tx1">
+                    <a:lumMod val="65000"/>
+                    <a:lumOff val="35000"/>
+                  </a:schemeClr>
+                </a:solidFill>
+              </a:rPr>
+              <a:t> </a:t>
+            </a:r>
+            <a:r>
+              <a:rPr lang="en-US" dirty="0" smtClean="0">
+                <a:solidFill>
+                  <a:schemeClr val="tx1">
+                    <a:lumMod val="65000"/>
+                    <a:lumOff val="35000"/>
+                  </a:schemeClr>
+                </a:solidFill>
+              </a:rPr>
+              <a:t>2017/11/13</a:t>
+            </a:r>
+            <a:endParaRPr lang="en-US" dirty="0">
+              <a:solidFill>
+                <a:schemeClr val="tx1">
+                  <a:lumMod val="65000"/>
+                  <a:lumOff val="35000"/>
+                </a:schemeClr>
+              </a:solidFill>
+            </a:endParaRPr>
+          </a:p>
+          <a:p>
+            <a:pPr algn="r"/>
+            <a:endParaRPr lang="en-US" altLang="zh-CN" dirty="0">
+              <a:solidFill>
+                <a:schemeClr val="tx1">
+                  <a:lumMod val="65000"/>
+                  <a:lumOff val="35000"/>
+                </a:schemeClr>
+              </a:solidFill>
+            </a:endParaRPr>
+          </a:p>
+        </p:txBody>
+      </p:sp>
     </p:spTree>
     <p:extLst>
       <p:ext uri="{BB962C8B-B14F-4D97-AF65-F5344CB8AC3E}">
@@ -5836,7 +5975,7 @@
         <p:spPr>
           <a:xfrm>
             <a:off x="7134893" y="2238239"/>
-            <a:ext cx="1741587" cy="461665"/>
+            <a:ext cx="1741587" cy="1384995"/>
           </a:xfrm>
           <a:prstGeom prst="rect">
             <a:avLst/>
@@ -5850,8 +5989,71 @@
           <a:p>
             <a:r>
               <a:rPr lang="en-US" sz="1200" dirty="0"/>
-              <a:t>保存450*333=149850个元素的值</a:t>
-            </a:r>
+              <a:t>保存450*333=149850</a:t>
+            </a:r>
+            <a:r>
+              <a:rPr lang="en-US" sz="1200" dirty="0" smtClean="0"/>
+              <a:t>个元素的值</a:t>
+            </a:r>
+          </a:p>
+          <a:p>
+            <a:endParaRPr lang="en-US" sz="1200" dirty="0"/>
+          </a:p>
+          <a:p>
+            <a:r>
+              <a:rPr lang="zh-CN" altLang="en-US" sz="1200" dirty="0"/>
+              <a:t>只保留奇异值分解的前</a:t>
+            </a:r>
+            <a:r>
+              <a:rPr lang="en-US" altLang="zh-CN" sz="1200" dirty="0"/>
+              <a:t>50</a:t>
+            </a:r>
+            <a:r>
+              <a:rPr lang="zh-CN" altLang="en-US" sz="1200" dirty="0" smtClean="0"/>
+              <a:t>项</a:t>
+            </a:r>
+            <a:endParaRPr lang="en-US" altLang="zh-CN" sz="1200" dirty="0" smtClean="0"/>
+          </a:p>
+          <a:p>
+            <a:r>
+              <a:rPr lang="en-US" sz="1200" dirty="0"/>
+              <a:t>(</a:t>
+            </a:r>
+            <a:r>
+              <a:rPr lang="en-US" sz="1200" dirty="0" smtClean="0"/>
+              <a:t>450</a:t>
+            </a:r>
+            <a:r>
+              <a:rPr lang="en-US" altLang="zh-CN" sz="1200" dirty="0" smtClean="0"/>
+              <a:t>+333+1)*</a:t>
+            </a:r>
+            <a:r>
+              <a:rPr lang="en-US" altLang="zh-CN" sz="1200" dirty="0"/>
+              <a:t>50= </a:t>
+            </a:r>
+            <a:r>
+              <a:rPr lang="en-US" altLang="zh-CN" sz="1200" dirty="0" smtClean="0"/>
+              <a:t>39200</a:t>
+            </a:r>
+          </a:p>
+          <a:p>
+            <a:r>
+              <a:rPr lang="en-US" sz="1200" dirty="0" smtClean="0"/>
+              <a:t>=&gt; </a:t>
+            </a:r>
+            <a:r>
+              <a:rPr lang="en-US" sz="1200" b="1" dirty="0" smtClean="0">
+                <a:solidFill>
+                  <a:srgbClr val="00B050"/>
+                </a:solidFill>
+              </a:rPr>
+              <a:t>26.2%</a:t>
+            </a:r>
+            <a:endParaRPr lang="en-US" sz="1200" b="1" dirty="0">
+              <a:solidFill>
+                <a:srgbClr val="00B050"/>
+              </a:solidFill>
+            </a:endParaRPr>
           </a:p>
         </p:txBody>
       </p:sp>
